--- a/doc/00_Intro.pptx
+++ b/doc/00_Intro.pptx
@@ -5,14 +5,15 @@
     <p:sldMasterId id="2147483648" r:id="rId1"/>
   </p:sldMasterIdLst>
   <p:notesMasterIdLst>
-    <p:notesMasterId r:id="rId7"/>
+    <p:notesMasterId r:id="rId8"/>
   </p:notesMasterIdLst>
   <p:sldIdLst>
     <p:sldId id="256" r:id="rId2"/>
     <p:sldId id="257" r:id="rId3"/>
     <p:sldId id="259" r:id="rId4"/>
-    <p:sldId id="288" r:id="rId5"/>
-    <p:sldId id="287" r:id="rId6"/>
+    <p:sldId id="290" r:id="rId5"/>
+    <p:sldId id="288" r:id="rId6"/>
+    <p:sldId id="287" r:id="rId7"/>
   </p:sldIdLst>
   <p:sldSz cx="12192000" cy="6858000"/>
   <p:notesSz cx="6858000" cy="9144000"/>
@@ -129,6 +130,60 @@
 
 <file path=ppt/changesInfos/changesInfo1.xml><?xml version="1.0" encoding="utf-8"?>
 <pc:chgInfo xmlns:a="http://schemas.openxmlformats.org/drawingml/2006/main" xmlns:r="http://schemas.openxmlformats.org/officeDocument/2006/relationships" xmlns:ac="http://schemas.microsoft.com/office/drawing/2013/main/command" xmlns:pc="http://schemas.microsoft.com/office/powerpoint/2013/main/command">
+  <pc:docChgLst>
+    <pc:chgData name="Charles Boudry" userId="73fc46c4-b620-4bbc-ab25-de599df90dae" providerId="ADAL" clId="{F039F5F8-7502-49EF-A730-AF686B1E09E9}"/>
+    <pc:docChg chg="undo custSel delSld modSld">
+      <pc:chgData name="Charles Boudry" userId="73fc46c4-b620-4bbc-ab25-de599df90dae" providerId="ADAL" clId="{F039F5F8-7502-49EF-A730-AF686B1E09E9}" dt="2021-03-22T17:32:32.255" v="4" actId="47"/>
+      <pc:docMkLst>
+        <pc:docMk/>
+      </pc:docMkLst>
+      <pc:sldChg chg="modSp mod">
+        <pc:chgData name="Charles Boudry" userId="73fc46c4-b620-4bbc-ab25-de599df90dae" providerId="ADAL" clId="{F039F5F8-7502-49EF-A730-AF686B1E09E9}" dt="2021-03-22T17:06:45.451" v="3" actId="113"/>
+        <pc:sldMkLst>
+          <pc:docMk/>
+          <pc:sldMk cId="3157224872" sldId="257"/>
+        </pc:sldMkLst>
+        <pc:spChg chg="mod">
+          <ac:chgData name="Charles Boudry" userId="73fc46c4-b620-4bbc-ab25-de599df90dae" providerId="ADAL" clId="{F039F5F8-7502-49EF-A730-AF686B1E09E9}" dt="2021-03-22T17:06:45.451" v="3" actId="113"/>
+          <ac:spMkLst>
+            <pc:docMk/>
+            <pc:sldMk cId="3157224872" sldId="257"/>
+            <ac:spMk id="22" creationId="{1CD0A4A1-E36B-456B-9465-A1D8181EF646}"/>
+          </ac:spMkLst>
+        </pc:spChg>
+        <pc:spChg chg="mod">
+          <ac:chgData name="Charles Boudry" userId="73fc46c4-b620-4bbc-ab25-de599df90dae" providerId="ADAL" clId="{F039F5F8-7502-49EF-A730-AF686B1E09E9}" dt="2021-03-19T11:31:56.951" v="1" actId="1076"/>
+          <ac:spMkLst>
+            <pc:docMk/>
+            <pc:sldMk cId="3157224872" sldId="257"/>
+            <ac:spMk id="43" creationId="{D973007C-9927-4DC6-B1DD-8965125D960B}"/>
+          </ac:spMkLst>
+        </pc:spChg>
+      </pc:sldChg>
+      <pc:sldChg chg="modSp mod">
+        <pc:chgData name="Charles Boudry" userId="73fc46c4-b620-4bbc-ab25-de599df90dae" providerId="ADAL" clId="{F039F5F8-7502-49EF-A730-AF686B1E09E9}" dt="2021-03-19T11:33:16.479" v="2" actId="1076"/>
+        <pc:sldMkLst>
+          <pc:docMk/>
+          <pc:sldMk cId="1975347758" sldId="259"/>
+        </pc:sldMkLst>
+        <pc:spChg chg="mod">
+          <ac:chgData name="Charles Boudry" userId="73fc46c4-b620-4bbc-ab25-de599df90dae" providerId="ADAL" clId="{F039F5F8-7502-49EF-A730-AF686B1E09E9}" dt="2021-03-19T11:33:16.479" v="2" actId="1076"/>
+          <ac:spMkLst>
+            <pc:docMk/>
+            <pc:sldMk cId="1975347758" sldId="259"/>
+            <ac:spMk id="9" creationId="{5624821B-F29B-4C97-8690-0694871E7E0C}"/>
+          </ac:spMkLst>
+        </pc:spChg>
+      </pc:sldChg>
+      <pc:sldChg chg="del">
+        <pc:chgData name="Charles Boudry" userId="73fc46c4-b620-4bbc-ab25-de599df90dae" providerId="ADAL" clId="{F039F5F8-7502-49EF-A730-AF686B1E09E9}" dt="2021-03-22T17:32:32.255" v="4" actId="47"/>
+        <pc:sldMkLst>
+          <pc:docMk/>
+          <pc:sldMk cId="2751875714" sldId="260"/>
+        </pc:sldMkLst>
+      </pc:sldChg>
+    </pc:docChg>
+  </pc:docChgLst>
   <pc:docChgLst>
     <pc:chgData name="Charles Boudry" userId="73fc46c4-b620-4bbc-ab25-de599df90dae" providerId="ADAL" clId="{2CD941A5-A951-414B-A8A3-E6D793909F67}"/>
     <pc:docChg chg="undo custSel addSld delSld modSld sldOrd">
@@ -397,60 +452,6 @@
       </pc:sldChg>
     </pc:docChg>
   </pc:docChgLst>
-  <pc:docChgLst>
-    <pc:chgData name="Charles Boudry" userId="73fc46c4-b620-4bbc-ab25-de599df90dae" providerId="ADAL" clId="{F039F5F8-7502-49EF-A730-AF686B1E09E9}"/>
-    <pc:docChg chg="undo custSel delSld modSld">
-      <pc:chgData name="Charles Boudry" userId="73fc46c4-b620-4bbc-ab25-de599df90dae" providerId="ADAL" clId="{F039F5F8-7502-49EF-A730-AF686B1E09E9}" dt="2021-03-22T17:32:32.255" v="4" actId="47"/>
-      <pc:docMkLst>
-        <pc:docMk/>
-      </pc:docMkLst>
-      <pc:sldChg chg="modSp mod">
-        <pc:chgData name="Charles Boudry" userId="73fc46c4-b620-4bbc-ab25-de599df90dae" providerId="ADAL" clId="{F039F5F8-7502-49EF-A730-AF686B1E09E9}" dt="2021-03-22T17:06:45.451" v="3" actId="113"/>
-        <pc:sldMkLst>
-          <pc:docMk/>
-          <pc:sldMk cId="3157224872" sldId="257"/>
-        </pc:sldMkLst>
-        <pc:spChg chg="mod">
-          <ac:chgData name="Charles Boudry" userId="73fc46c4-b620-4bbc-ab25-de599df90dae" providerId="ADAL" clId="{F039F5F8-7502-49EF-A730-AF686B1E09E9}" dt="2021-03-22T17:06:45.451" v="3" actId="113"/>
-          <ac:spMkLst>
-            <pc:docMk/>
-            <pc:sldMk cId="3157224872" sldId="257"/>
-            <ac:spMk id="22" creationId="{1CD0A4A1-E36B-456B-9465-A1D8181EF646}"/>
-          </ac:spMkLst>
-        </pc:spChg>
-        <pc:spChg chg="mod">
-          <ac:chgData name="Charles Boudry" userId="73fc46c4-b620-4bbc-ab25-de599df90dae" providerId="ADAL" clId="{F039F5F8-7502-49EF-A730-AF686B1E09E9}" dt="2021-03-19T11:31:56.951" v="1" actId="1076"/>
-          <ac:spMkLst>
-            <pc:docMk/>
-            <pc:sldMk cId="3157224872" sldId="257"/>
-            <ac:spMk id="43" creationId="{D973007C-9927-4DC6-B1DD-8965125D960B}"/>
-          </ac:spMkLst>
-        </pc:spChg>
-      </pc:sldChg>
-      <pc:sldChg chg="modSp mod">
-        <pc:chgData name="Charles Boudry" userId="73fc46c4-b620-4bbc-ab25-de599df90dae" providerId="ADAL" clId="{F039F5F8-7502-49EF-A730-AF686B1E09E9}" dt="2021-03-19T11:33:16.479" v="2" actId="1076"/>
-        <pc:sldMkLst>
-          <pc:docMk/>
-          <pc:sldMk cId="1975347758" sldId="259"/>
-        </pc:sldMkLst>
-        <pc:spChg chg="mod">
-          <ac:chgData name="Charles Boudry" userId="73fc46c4-b620-4bbc-ab25-de599df90dae" providerId="ADAL" clId="{F039F5F8-7502-49EF-A730-AF686B1E09E9}" dt="2021-03-19T11:33:16.479" v="2" actId="1076"/>
-          <ac:spMkLst>
-            <pc:docMk/>
-            <pc:sldMk cId="1975347758" sldId="259"/>
-            <ac:spMk id="9" creationId="{5624821B-F29B-4C97-8690-0694871E7E0C}"/>
-          </ac:spMkLst>
-        </pc:spChg>
-      </pc:sldChg>
-      <pc:sldChg chg="del">
-        <pc:chgData name="Charles Boudry" userId="73fc46c4-b620-4bbc-ab25-de599df90dae" providerId="ADAL" clId="{F039F5F8-7502-49EF-A730-AF686B1E09E9}" dt="2021-03-22T17:32:32.255" v="4" actId="47"/>
-        <pc:sldMkLst>
-          <pc:docMk/>
-          <pc:sldMk cId="2751875714" sldId="260"/>
-        </pc:sldMkLst>
-      </pc:sldChg>
-    </pc:docChg>
-  </pc:docChgLst>
 </pc:chgInfo>
 </file>
 
@@ -536,7 +537,7 @@
           <a:p>
             <a:fld id="{452B33C4-EBB0-43E7-A39F-E37897C1D512}" type="datetimeFigureOut">
               <a:rPr lang="en-US" smtClean="0"/>
-              <a:t>6/11/2021</a:t>
+              <a:t>9/20/2021</a:t>
             </a:fld>
             <a:endParaRPr lang="en-US"/>
           </a:p>
@@ -848,52 +849,89 @@
           <a:lstStyle/>
           <a:p>
             <a:r>
+              <a:rPr lang="fr-FR" dirty="0" err="1"/>
+              <a:t>Incorporate</a:t>
+            </a:r>
+            <a:r>
               <a:rPr lang="fr-FR" dirty="0"/>
-              <a:t>https://marketplace.visualstudio.com/items?itemName=bencoleman.armview</a:t>
-            </a:r>
-          </a:p>
-          <a:p>
+              <a:t> scenario </a:t>
+            </a:r>
+            <a:r>
+              <a:rPr lang="fr-FR" dirty="0" err="1"/>
+              <a:t>based</a:t>
+            </a:r>
             <a:r>
               <a:rPr lang="fr-FR" dirty="0"/>
-              <a:t>https://github.com/hieven/terraform-visual</a:t>
-            </a:r>
-          </a:p>
-          <a:p>
+              <a:t> </a:t>
+            </a:r>
+            <a:r>
+              <a:rPr lang="fr-FR" dirty="0" err="1"/>
+              <a:t>oriented</a:t>
+            </a:r>
             <a:r>
               <a:rPr lang="fr-FR" dirty="0"/>
-              <a:t>https://www.terraform.io/docs/cli/commands/graph.html</a:t>
+              <a:t> ? </a:t>
             </a:r>
           </a:p>
           <a:p>
             <a:r>
               <a:rPr lang="fr-FR" dirty="0"/>
-              <a:t>http://armviz.io/designer</a:t>
-            </a:r>
-          </a:p>
-          <a:p>
+              <a:t>Like </a:t>
+            </a:r>
+            <a:r>
+              <a:rPr lang="fr-FR" dirty="0" err="1"/>
+              <a:t>security</a:t>
+            </a:r>
             <a:r>
               <a:rPr lang="fr-FR" dirty="0"/>
-              <a:t>https://medium.com/analytics-vidhya/terraform-diagrams-provisioning-and-visualizing-a-simple-environment-on-aws-471f5d88c95d</a:t>
-            </a:r>
-          </a:p>
-          <a:p>
+              <a:t> / monitoring / migration / </a:t>
+            </a:r>
+            <a:r>
+              <a:rPr lang="fr-FR" dirty="0" err="1"/>
+              <a:t>modernization</a:t>
+            </a:r>
             <a:r>
               <a:rPr lang="fr-FR" dirty="0"/>
-              <a:t>https://grafana.com/grafana/plugins/jdbranham-diagram-panel/</a:t>
-            </a:r>
-          </a:p>
-          <a:p>
+              <a:t> </a:t>
+            </a:r>
+          </a:p>
+          <a:p>
+            <a:r>
+              <a:rPr lang="fr-FR" dirty="0" err="1"/>
+              <a:t>Those</a:t>
+            </a:r>
             <a:r>
               <a:rPr lang="fr-FR" dirty="0"/>
-              <a:t>https://github.com/JulianHayward/Azure-MG-Sub-Governance-Reporting</a:t>
-            </a:r>
-          </a:p>
-          <a:p>
-            <a:r>
-              <a:rPr lang="fr-FR"/>
-              <a:t>https://github.com/PrateekKumarSingh/AzViz</a:t>
-            </a:r>
+              <a:t> can </a:t>
+            </a:r>
+            <a:r>
+              <a:rPr lang="fr-FR" dirty="0" err="1"/>
+              <a:t>be</a:t>
+            </a:r>
+            <a:r>
+              <a:rPr lang="fr-FR" dirty="0"/>
+              <a:t> tags</a:t>
+            </a:r>
+          </a:p>
+          <a:p>
             <a:endParaRPr lang="fr-FR" dirty="0"/>
+          </a:p>
+          <a:p>
+            <a:endParaRPr lang="fr-FR" dirty="0"/>
+          </a:p>
+          <a:p>
+            <a:r>
+              <a:rPr lang="fr-FR" dirty="0"/>
+              <a:t>Service </a:t>
+            </a:r>
+            <a:r>
+              <a:rPr lang="fr-FR" dirty="0" err="1"/>
+              <a:t>health</a:t>
+            </a:r>
+            <a:endParaRPr lang="fr-FR" dirty="0"/>
+          </a:p>
+          <a:p>
+            <a:endParaRPr lang="en-US" dirty="0"/>
           </a:p>
         </p:txBody>
       </p:sp>
@@ -912,7 +950,7 @@
           <a:bodyPr/>
           <a:lstStyle/>
           <a:p>
-            <a:fld id="{87C89A14-3A83-46C8-8226-0783D1A09B33}" type="slidenum">
+            <a:fld id="{243796B8-2E8C-432E-919D-B32B27A2976A}" type="slidenum">
               <a:rPr lang="en-US" smtClean="0"/>
               <a:t>4</a:t>
             </a:fld>
@@ -923,7 +961,7 @@
     </p:spTree>
     <p:extLst>
       <p:ext uri="{BB962C8B-B14F-4D97-AF65-F5344CB8AC3E}">
-        <p14:creationId xmlns:p14="http://schemas.microsoft.com/office/powerpoint/2010/main" val="1073508345"/>
+        <p14:creationId xmlns:p14="http://schemas.microsoft.com/office/powerpoint/2010/main" val="930721646"/>
       </p:ext>
     </p:extLst>
   </p:cSld>
@@ -979,13 +1017,49 @@
           <a:p>
             <a:r>
               <a:rPr lang="fr-FR" dirty="0"/>
-              <a:t>https://docs.aws.amazon.com/AWSCloudFormation/latest/UserGuide/working-with-templates-cfn-designer-overview.html</a:t>
+              <a:t>https://marketplace.visualstudio.com/items?itemName=bencoleman.armview</a:t>
+            </a:r>
+          </a:p>
+          <a:p>
+            <a:r>
+              <a:rPr lang="fr-FR" dirty="0"/>
+              <a:t>https://github.com/hieven/terraform-visual</a:t>
+            </a:r>
+          </a:p>
+          <a:p>
+            <a:r>
+              <a:rPr lang="fr-FR" dirty="0"/>
+              <a:t>https://www.terraform.io/docs/cli/commands/graph.html</a:t>
+            </a:r>
+          </a:p>
+          <a:p>
+            <a:r>
+              <a:rPr lang="fr-FR" dirty="0"/>
+              <a:t>http://armviz.io/designer</a:t>
+            </a:r>
+          </a:p>
+          <a:p>
+            <a:r>
+              <a:rPr lang="fr-FR" dirty="0"/>
+              <a:t>https://medium.com/analytics-vidhya/terraform-diagrams-provisioning-and-visualizing-a-simple-environment-on-aws-471f5d88c95d</a:t>
+            </a:r>
+          </a:p>
+          <a:p>
+            <a:r>
+              <a:rPr lang="fr-FR" dirty="0"/>
+              <a:t>https://grafana.com/grafana/plugins/jdbranham-diagram-panel/</a:t>
+            </a:r>
+          </a:p>
+          <a:p>
+            <a:r>
+              <a:rPr lang="fr-FR" dirty="0"/>
+              <a:t>https://github.com/JulianHayward/Azure-MG-Sub-Governance-Reporting</a:t>
             </a:r>
           </a:p>
           <a:p>
             <a:r>
               <a:rPr lang="fr-FR"/>
-              <a:t>https://aws.amazon.com/solutions/implementations/aws-perspective/</a:t>
+              <a:t>https://github.com/PrateekKumarSingh/AzViz</a:t>
             </a:r>
             <a:endParaRPr lang="fr-FR" dirty="0"/>
           </a:p>
@@ -1009,6 +1083,100 @@
             <a:fld id="{87C89A14-3A83-46C8-8226-0783D1A09B33}" type="slidenum">
               <a:rPr lang="en-US" smtClean="0"/>
               <a:t>5</a:t>
+            </a:fld>
+            <a:endParaRPr lang="en-US"/>
+          </a:p>
+        </p:txBody>
+      </p:sp>
+    </p:spTree>
+    <p:extLst>
+      <p:ext uri="{BB962C8B-B14F-4D97-AF65-F5344CB8AC3E}">
+        <p14:creationId xmlns:p14="http://schemas.microsoft.com/office/powerpoint/2010/main" val="1073508345"/>
+      </p:ext>
+    </p:extLst>
+  </p:cSld>
+  <p:clrMapOvr>
+    <a:masterClrMapping/>
+  </p:clrMapOvr>
+</p:notes>
+</file>
+
+<file path=ppt/notesSlides/notesSlide3.xml><?xml version="1.0" encoding="utf-8"?>
+<p:notes xmlns:a="http://schemas.openxmlformats.org/drawingml/2006/main" xmlns:r="http://schemas.openxmlformats.org/officeDocument/2006/relationships" xmlns:p="http://schemas.openxmlformats.org/presentationml/2006/main">
+  <p:cSld>
+    <p:spTree>
+      <p:nvGrpSpPr>
+        <p:cNvPr id="1" name=""/>
+        <p:cNvGrpSpPr/>
+        <p:nvPr/>
+      </p:nvGrpSpPr>
+      <p:grpSpPr>
+        <a:xfrm>
+          <a:off x="0" y="0"/>
+          <a:ext cx="0" cy="0"/>
+          <a:chOff x="0" y="0"/>
+          <a:chExt cx="0" cy="0"/>
+        </a:xfrm>
+      </p:grpSpPr>
+      <p:sp>
+        <p:nvSpPr>
+          <p:cNvPr id="2" name="Slide Image Placeholder 1"/>
+          <p:cNvSpPr>
+            <a:spLocks noGrp="1" noRot="1" noChangeAspect="1"/>
+          </p:cNvSpPr>
+          <p:nvPr>
+            <p:ph type="sldImg"/>
+          </p:nvPr>
+        </p:nvSpPr>
+        <p:spPr/>
+      </p:sp>
+      <p:sp>
+        <p:nvSpPr>
+          <p:cNvPr id="3" name="Notes Placeholder 2"/>
+          <p:cNvSpPr>
+            <a:spLocks noGrp="1"/>
+          </p:cNvSpPr>
+          <p:nvPr>
+            <p:ph type="body" idx="1"/>
+          </p:nvPr>
+        </p:nvSpPr>
+        <p:spPr/>
+        <p:txBody>
+          <a:bodyPr/>
+          <a:lstStyle/>
+          <a:p>
+            <a:r>
+              <a:rPr lang="fr-FR" dirty="0"/>
+              <a:t>https://docs.aws.amazon.com/AWSCloudFormation/latest/UserGuide/working-with-templates-cfn-designer-overview.html</a:t>
+            </a:r>
+          </a:p>
+          <a:p>
+            <a:r>
+              <a:rPr lang="fr-FR"/>
+              <a:t>https://aws.amazon.com/solutions/implementations/aws-perspective/</a:t>
+            </a:r>
+            <a:endParaRPr lang="fr-FR" dirty="0"/>
+          </a:p>
+        </p:txBody>
+      </p:sp>
+      <p:sp>
+        <p:nvSpPr>
+          <p:cNvPr id="4" name="Slide Number Placeholder 3"/>
+          <p:cNvSpPr>
+            <a:spLocks noGrp="1"/>
+          </p:cNvSpPr>
+          <p:nvPr>
+            <p:ph type="sldNum" sz="quarter" idx="5"/>
+          </p:nvPr>
+        </p:nvSpPr>
+        <p:spPr/>
+        <p:txBody>
+          <a:bodyPr/>
+          <a:lstStyle/>
+          <a:p>
+            <a:fld id="{87C89A14-3A83-46C8-8226-0783D1A09B33}" type="slidenum">
+              <a:rPr lang="en-US" smtClean="0"/>
+              <a:t>6</a:t>
             </a:fld>
             <a:endParaRPr lang="en-US"/>
           </a:p>
@@ -1174,7 +1342,7 @@
           <a:p>
             <a:fld id="{82F69802-7DC8-4BEF-AD9B-F6A241A03C6C}" type="datetimeFigureOut">
               <a:rPr lang="en-US" smtClean="0"/>
-              <a:t>6/11/2021</a:t>
+              <a:t>9/20/2021</a:t>
             </a:fld>
             <a:endParaRPr lang="en-US"/>
           </a:p>
@@ -1372,7 +1540,7 @@
           <a:p>
             <a:fld id="{82F69802-7DC8-4BEF-AD9B-F6A241A03C6C}" type="datetimeFigureOut">
               <a:rPr lang="en-US" smtClean="0"/>
-              <a:t>6/11/2021</a:t>
+              <a:t>9/20/2021</a:t>
             </a:fld>
             <a:endParaRPr lang="en-US"/>
           </a:p>
@@ -1580,7 +1748,7 @@
           <a:p>
             <a:fld id="{82F69802-7DC8-4BEF-AD9B-F6A241A03C6C}" type="datetimeFigureOut">
               <a:rPr lang="en-US" smtClean="0"/>
-              <a:t>6/11/2021</a:t>
+              <a:t>9/20/2021</a:t>
             </a:fld>
             <a:endParaRPr lang="en-US"/>
           </a:p>
@@ -1778,7 +1946,7 @@
           <a:p>
             <a:fld id="{82F69802-7DC8-4BEF-AD9B-F6A241A03C6C}" type="datetimeFigureOut">
               <a:rPr lang="en-US" smtClean="0"/>
-              <a:t>6/11/2021</a:t>
+              <a:t>9/20/2021</a:t>
             </a:fld>
             <a:endParaRPr lang="en-US"/>
           </a:p>
@@ -2053,7 +2221,7 @@
           <a:p>
             <a:fld id="{82F69802-7DC8-4BEF-AD9B-F6A241A03C6C}" type="datetimeFigureOut">
               <a:rPr lang="en-US" smtClean="0"/>
-              <a:t>6/11/2021</a:t>
+              <a:t>9/20/2021</a:t>
             </a:fld>
             <a:endParaRPr lang="en-US"/>
           </a:p>
@@ -2318,7 +2486,7 @@
           <a:p>
             <a:fld id="{82F69802-7DC8-4BEF-AD9B-F6A241A03C6C}" type="datetimeFigureOut">
               <a:rPr lang="en-US" smtClean="0"/>
-              <a:t>6/11/2021</a:t>
+              <a:t>9/20/2021</a:t>
             </a:fld>
             <a:endParaRPr lang="en-US"/>
           </a:p>
@@ -2730,7 +2898,7 @@
           <a:p>
             <a:fld id="{82F69802-7DC8-4BEF-AD9B-F6A241A03C6C}" type="datetimeFigureOut">
               <a:rPr lang="en-US" smtClean="0"/>
-              <a:t>6/11/2021</a:t>
+              <a:t>9/20/2021</a:t>
             </a:fld>
             <a:endParaRPr lang="en-US"/>
           </a:p>
@@ -2871,7 +3039,7 @@
           <a:p>
             <a:fld id="{82F69802-7DC8-4BEF-AD9B-F6A241A03C6C}" type="datetimeFigureOut">
               <a:rPr lang="en-US" smtClean="0"/>
-              <a:t>6/11/2021</a:t>
+              <a:t>9/20/2021</a:t>
             </a:fld>
             <a:endParaRPr lang="en-US"/>
           </a:p>
@@ -2984,7 +3152,7 @@
           <a:p>
             <a:fld id="{82F69802-7DC8-4BEF-AD9B-F6A241A03C6C}" type="datetimeFigureOut">
               <a:rPr lang="en-US" smtClean="0"/>
-              <a:t>6/11/2021</a:t>
+              <a:t>9/20/2021</a:t>
             </a:fld>
             <a:endParaRPr lang="en-US"/>
           </a:p>
@@ -3295,7 +3463,7 @@
           <a:p>
             <a:fld id="{82F69802-7DC8-4BEF-AD9B-F6A241A03C6C}" type="datetimeFigureOut">
               <a:rPr lang="en-US" smtClean="0"/>
-              <a:t>6/11/2021</a:t>
+              <a:t>9/20/2021</a:t>
             </a:fld>
             <a:endParaRPr lang="en-US"/>
           </a:p>
@@ -3583,7 +3751,7 @@
           <a:p>
             <a:fld id="{82F69802-7DC8-4BEF-AD9B-F6A241A03C6C}" type="datetimeFigureOut">
               <a:rPr lang="en-US" smtClean="0"/>
-              <a:t>6/11/2021</a:t>
+              <a:t>9/20/2021</a:t>
             </a:fld>
             <a:endParaRPr lang="en-US"/>
           </a:p>
@@ -3824,7 +3992,7 @@
           <a:p>
             <a:fld id="{82F69802-7DC8-4BEF-AD9B-F6A241A03C6C}" type="datetimeFigureOut">
               <a:rPr lang="en-US" smtClean="0"/>
-              <a:t>6/11/2021</a:t>
+              <a:t>9/20/2021</a:t>
             </a:fld>
             <a:endParaRPr lang="en-US"/>
           </a:p>
@@ -6519,6 +6687,5881 @@
           <a:chExt cx="0" cy="0"/>
         </a:xfrm>
       </p:grpSpPr>
+      <p:pic>
+        <p:nvPicPr>
+          <p:cNvPr id="5" name="Picture 4">
+            <a:extLst>
+              <a:ext uri="{FF2B5EF4-FFF2-40B4-BE49-F238E27FC236}">
+                <a16:creationId xmlns:a16="http://schemas.microsoft.com/office/drawing/2014/main" id="{89C26952-631F-4DD4-891B-8305CCE8B690}"/>
+              </a:ext>
+            </a:extLst>
+          </p:cNvPr>
+          <p:cNvPicPr>
+            <a:picLocks noChangeAspect="1"/>
+          </p:cNvPicPr>
+          <p:nvPr/>
+        </p:nvPicPr>
+        <p:blipFill>
+          <a:blip r:embed="rId3"/>
+          <a:stretch>
+            <a:fillRect/>
+          </a:stretch>
+        </p:blipFill>
+        <p:spPr>
+          <a:xfrm>
+            <a:off x="0" y="0"/>
+            <a:ext cx="12192000" cy="195263"/>
+          </a:xfrm>
+          <a:prstGeom prst="rect">
+            <a:avLst/>
+          </a:prstGeom>
+        </p:spPr>
+      </p:pic>
+      <p:pic>
+        <p:nvPicPr>
+          <p:cNvPr id="7" name="Picture 6">
+            <a:extLst>
+              <a:ext uri="{FF2B5EF4-FFF2-40B4-BE49-F238E27FC236}">
+                <a16:creationId xmlns:a16="http://schemas.microsoft.com/office/drawing/2014/main" id="{BAE20906-687E-4DCB-8730-57A2889C1AAE}"/>
+              </a:ext>
+            </a:extLst>
+          </p:cNvPr>
+          <p:cNvPicPr>
+            <a:picLocks noChangeAspect="1"/>
+          </p:cNvPicPr>
+          <p:nvPr/>
+        </p:nvPicPr>
+        <p:blipFill>
+          <a:blip r:embed="rId4"/>
+          <a:stretch>
+            <a:fillRect/>
+          </a:stretch>
+        </p:blipFill>
+        <p:spPr>
+          <a:xfrm>
+            <a:off x="0" y="195263"/>
+            <a:ext cx="260360" cy="6662737"/>
+          </a:xfrm>
+          <a:prstGeom prst="rect">
+            <a:avLst/>
+          </a:prstGeom>
+        </p:spPr>
+      </p:pic>
+      <p:pic>
+        <p:nvPicPr>
+          <p:cNvPr id="11" name="Picture 10">
+            <a:extLst>
+              <a:ext uri="{FF2B5EF4-FFF2-40B4-BE49-F238E27FC236}">
+                <a16:creationId xmlns:a16="http://schemas.microsoft.com/office/drawing/2014/main" id="{6DC32C3A-19D7-44D9-8044-7F30B22D6BFB}"/>
+              </a:ext>
+            </a:extLst>
+          </p:cNvPr>
+          <p:cNvPicPr>
+            <a:picLocks noChangeAspect="1"/>
+          </p:cNvPicPr>
+          <p:nvPr/>
+        </p:nvPicPr>
+        <p:blipFill>
+          <a:blip r:embed="rId5"/>
+          <a:stretch>
+            <a:fillRect/>
+          </a:stretch>
+        </p:blipFill>
+        <p:spPr>
+          <a:xfrm>
+            <a:off x="251938" y="2142728"/>
+            <a:ext cx="1837346" cy="4160837"/>
+          </a:xfrm>
+          <a:prstGeom prst="rect">
+            <a:avLst/>
+          </a:prstGeom>
+        </p:spPr>
+      </p:pic>
+      <p:pic>
+        <p:nvPicPr>
+          <p:cNvPr id="15" name="Picture 14">
+            <a:extLst>
+              <a:ext uri="{FF2B5EF4-FFF2-40B4-BE49-F238E27FC236}">
+                <a16:creationId xmlns:a16="http://schemas.microsoft.com/office/drawing/2014/main" id="{DAC4ABEB-0170-47FE-9597-336AE0A28124}"/>
+              </a:ext>
+            </a:extLst>
+          </p:cNvPr>
+          <p:cNvPicPr>
+            <a:picLocks noChangeAspect="1"/>
+          </p:cNvPicPr>
+          <p:nvPr/>
+        </p:nvPicPr>
+        <p:blipFill>
+          <a:blip r:embed="rId6"/>
+          <a:stretch>
+            <a:fillRect/>
+          </a:stretch>
+        </p:blipFill>
+        <p:spPr>
+          <a:xfrm>
+            <a:off x="260360" y="699068"/>
+            <a:ext cx="1799241" cy="1443660"/>
+          </a:xfrm>
+          <a:prstGeom prst="rect">
+            <a:avLst/>
+          </a:prstGeom>
+        </p:spPr>
+      </p:pic>
+      <p:pic>
+        <p:nvPicPr>
+          <p:cNvPr id="17" name="Picture 16">
+            <a:extLst>
+              <a:ext uri="{FF2B5EF4-FFF2-40B4-BE49-F238E27FC236}">
+                <a16:creationId xmlns:a16="http://schemas.microsoft.com/office/drawing/2014/main" id="{D856F904-A5BD-42ED-83F8-6FEB983553A4}"/>
+              </a:ext>
+            </a:extLst>
+          </p:cNvPr>
+          <p:cNvPicPr>
+            <a:picLocks noChangeAspect="1"/>
+          </p:cNvPicPr>
+          <p:nvPr/>
+        </p:nvPicPr>
+        <p:blipFill>
+          <a:blip r:embed="rId7"/>
+          <a:stretch>
+            <a:fillRect/>
+          </a:stretch>
+        </p:blipFill>
+        <p:spPr>
+          <a:xfrm>
+            <a:off x="260360" y="212202"/>
+            <a:ext cx="12192000" cy="469927"/>
+          </a:xfrm>
+          <a:prstGeom prst="rect">
+            <a:avLst/>
+          </a:prstGeom>
+        </p:spPr>
+      </p:pic>
+      <p:sp>
+        <p:nvSpPr>
+          <p:cNvPr id="18" name="TextBox 17">
+            <a:extLst>
+              <a:ext uri="{FF2B5EF4-FFF2-40B4-BE49-F238E27FC236}">
+                <a16:creationId xmlns:a16="http://schemas.microsoft.com/office/drawing/2014/main" id="{14C6B988-03C4-4F61-8ED6-7D71439FF10C}"/>
+              </a:ext>
+            </a:extLst>
+          </p:cNvPr>
+          <p:cNvSpPr txBox="1"/>
+          <p:nvPr/>
+        </p:nvSpPr>
+        <p:spPr>
+          <a:xfrm>
+            <a:off x="442448" y="2392412"/>
+            <a:ext cx="732302" cy="230832"/>
+          </a:xfrm>
+          <a:prstGeom prst="rect">
+            <a:avLst/>
+          </a:prstGeom>
+          <a:solidFill>
+            <a:schemeClr val="bg1"/>
+          </a:solidFill>
+        </p:spPr>
+        <p:txBody>
+          <a:bodyPr wrap="square" rtlCol="0">
+            <a:spAutoFit/>
+          </a:bodyPr>
+          <a:lstStyle/>
+          <a:p>
+            <a:r>
+              <a:rPr lang="fr-FR" sz="900" dirty="0">
+                <a:latin typeface="+mj-lt"/>
+              </a:rPr>
+              <a:t>Design</a:t>
+            </a:r>
+            <a:endParaRPr lang="en-US" sz="900" dirty="0">
+              <a:latin typeface="+mj-lt"/>
+            </a:endParaRPr>
+          </a:p>
+        </p:txBody>
+      </p:sp>
+      <p:sp>
+        <p:nvSpPr>
+          <p:cNvPr id="20" name="TextBox 19">
+            <a:extLst>
+              <a:ext uri="{FF2B5EF4-FFF2-40B4-BE49-F238E27FC236}">
+                <a16:creationId xmlns:a16="http://schemas.microsoft.com/office/drawing/2014/main" id="{92423BF9-5555-4FA8-86B9-C05C9366398E}"/>
+              </a:ext>
+            </a:extLst>
+          </p:cNvPr>
+          <p:cNvSpPr txBox="1"/>
+          <p:nvPr/>
+        </p:nvSpPr>
+        <p:spPr>
+          <a:xfrm>
+            <a:off x="442448" y="2623244"/>
+            <a:ext cx="979952" cy="230832"/>
+          </a:xfrm>
+          <a:prstGeom prst="rect">
+            <a:avLst/>
+          </a:prstGeom>
+          <a:solidFill>
+            <a:schemeClr val="bg1"/>
+          </a:solidFill>
+        </p:spPr>
+        <p:txBody>
+          <a:bodyPr wrap="square" rtlCol="0">
+            <a:spAutoFit/>
+          </a:bodyPr>
+          <a:lstStyle/>
+          <a:p>
+            <a:r>
+              <a:rPr lang="fr-FR" sz="900" dirty="0">
+                <a:latin typeface="+mj-lt"/>
+              </a:rPr>
+              <a:t>Configuration</a:t>
+            </a:r>
+            <a:endParaRPr lang="en-US" sz="900" dirty="0">
+              <a:latin typeface="+mj-lt"/>
+            </a:endParaRPr>
+          </a:p>
+        </p:txBody>
+      </p:sp>
+      <p:sp>
+        <p:nvSpPr>
+          <p:cNvPr id="22" name="TextBox 21">
+            <a:extLst>
+              <a:ext uri="{FF2B5EF4-FFF2-40B4-BE49-F238E27FC236}">
+                <a16:creationId xmlns:a16="http://schemas.microsoft.com/office/drawing/2014/main" id="{7682D592-429D-4C49-9CAC-65885AA4A295}"/>
+              </a:ext>
+            </a:extLst>
+          </p:cNvPr>
+          <p:cNvSpPr txBox="1"/>
+          <p:nvPr/>
+        </p:nvSpPr>
+        <p:spPr>
+          <a:xfrm>
+            <a:off x="836210" y="340120"/>
+            <a:ext cx="1627590" cy="230832"/>
+          </a:xfrm>
+          <a:prstGeom prst="rect">
+            <a:avLst/>
+          </a:prstGeom>
+          <a:solidFill>
+            <a:schemeClr val="bg1"/>
+          </a:solidFill>
+        </p:spPr>
+        <p:txBody>
+          <a:bodyPr wrap="square" rtlCol="0">
+            <a:spAutoFit/>
+          </a:bodyPr>
+          <a:lstStyle/>
+          <a:p>
+            <a:r>
+              <a:rPr lang="fr-FR" sz="900" dirty="0">
+                <a:latin typeface="+mj-lt"/>
+              </a:rPr>
+              <a:t>Design</a:t>
+            </a:r>
+            <a:endParaRPr lang="en-US" sz="900" dirty="0">
+              <a:latin typeface="+mj-lt"/>
+            </a:endParaRPr>
+          </a:p>
+        </p:txBody>
+      </p:sp>
+      <p:sp>
+        <p:nvSpPr>
+          <p:cNvPr id="24" name="TextBox 23">
+            <a:extLst>
+              <a:ext uri="{FF2B5EF4-FFF2-40B4-BE49-F238E27FC236}">
+                <a16:creationId xmlns:a16="http://schemas.microsoft.com/office/drawing/2014/main" id="{3F9D8EDB-BA2A-4BD2-B08E-1E4171648F28}"/>
+              </a:ext>
+            </a:extLst>
+          </p:cNvPr>
+          <p:cNvSpPr txBox="1"/>
+          <p:nvPr/>
+        </p:nvSpPr>
+        <p:spPr>
+          <a:xfrm>
+            <a:off x="520720" y="519192"/>
+            <a:ext cx="768330" cy="184666"/>
+          </a:xfrm>
+          <a:prstGeom prst="rect">
+            <a:avLst/>
+          </a:prstGeom>
+          <a:solidFill>
+            <a:schemeClr val="bg1"/>
+          </a:solidFill>
+        </p:spPr>
+        <p:txBody>
+          <a:bodyPr wrap="square" rtlCol="0">
+            <a:spAutoFit/>
+          </a:bodyPr>
+          <a:lstStyle/>
+          <a:p>
+            <a:r>
+              <a:rPr lang="fr-FR" sz="600" dirty="0">
+                <a:latin typeface="+mj-lt"/>
+              </a:rPr>
+              <a:t>Visual Intelligence</a:t>
+            </a:r>
+            <a:endParaRPr lang="en-US" sz="600" dirty="0">
+              <a:latin typeface="+mj-lt"/>
+            </a:endParaRPr>
+          </a:p>
+        </p:txBody>
+      </p:sp>
+      <p:sp>
+        <p:nvSpPr>
+          <p:cNvPr id="26" name="TextBox 25">
+            <a:extLst>
+              <a:ext uri="{FF2B5EF4-FFF2-40B4-BE49-F238E27FC236}">
+                <a16:creationId xmlns:a16="http://schemas.microsoft.com/office/drawing/2014/main" id="{FE9F31D9-AC86-4937-93ED-835992B21EF1}"/>
+              </a:ext>
+            </a:extLst>
+          </p:cNvPr>
+          <p:cNvSpPr txBox="1"/>
+          <p:nvPr/>
+        </p:nvSpPr>
+        <p:spPr>
+          <a:xfrm>
+            <a:off x="442447" y="2854076"/>
+            <a:ext cx="1321739" cy="230832"/>
+          </a:xfrm>
+          <a:prstGeom prst="rect">
+            <a:avLst/>
+          </a:prstGeom>
+          <a:solidFill>
+            <a:schemeClr val="bg1"/>
+          </a:solidFill>
+        </p:spPr>
+        <p:txBody>
+          <a:bodyPr wrap="square" rtlCol="0">
+            <a:spAutoFit/>
+          </a:bodyPr>
+          <a:lstStyle/>
+          <a:p>
+            <a:r>
+              <a:rPr lang="fr-FR" sz="900" dirty="0">
+                <a:latin typeface="+mj-lt"/>
+              </a:rPr>
+              <a:t>Display</a:t>
+            </a:r>
+            <a:endParaRPr lang="en-US" sz="900" dirty="0">
+              <a:latin typeface="+mj-lt"/>
+            </a:endParaRPr>
+          </a:p>
+        </p:txBody>
+      </p:sp>
+      <p:grpSp>
+        <p:nvGrpSpPr>
+          <p:cNvPr id="47" name="Group 46">
+            <a:extLst>
+              <a:ext uri="{FF2B5EF4-FFF2-40B4-BE49-F238E27FC236}">
+                <a16:creationId xmlns:a16="http://schemas.microsoft.com/office/drawing/2014/main" id="{E7F82E26-7F33-42B6-9501-C4FB670FC6AF}"/>
+              </a:ext>
+            </a:extLst>
+          </p:cNvPr>
+          <p:cNvGrpSpPr/>
+          <p:nvPr/>
+        </p:nvGrpSpPr>
+        <p:grpSpPr>
+          <a:xfrm>
+            <a:off x="2046901" y="1199290"/>
+            <a:ext cx="2171269" cy="5947529"/>
+            <a:chOff x="2046901" y="913540"/>
+            <a:chExt cx="2171269" cy="5947529"/>
+          </a:xfrm>
+        </p:grpSpPr>
+        <p:pic>
+          <p:nvPicPr>
+            <p:cNvPr id="32" name="Picture 31">
+              <a:extLst>
+                <a:ext uri="{FF2B5EF4-FFF2-40B4-BE49-F238E27FC236}">
+                  <a16:creationId xmlns:a16="http://schemas.microsoft.com/office/drawing/2014/main" id="{8565B668-D6F9-49CB-85DF-BB8A89385E77}"/>
+                </a:ext>
+              </a:extLst>
+            </p:cNvPr>
+            <p:cNvPicPr>
+              <a:picLocks noChangeAspect="1"/>
+            </p:cNvPicPr>
+            <p:nvPr/>
+          </p:nvPicPr>
+          <p:blipFill>
+            <a:blip r:embed="rId8"/>
+            <a:stretch>
+              <a:fillRect/>
+            </a:stretch>
+          </p:blipFill>
+          <p:spPr>
+            <a:xfrm>
+              <a:off x="2046901" y="913540"/>
+              <a:ext cx="1191599" cy="178740"/>
+            </a:xfrm>
+            <a:prstGeom prst="rect">
+              <a:avLst/>
+            </a:prstGeom>
+          </p:spPr>
+        </p:pic>
+        <p:pic>
+          <p:nvPicPr>
+            <p:cNvPr id="36" name="Picture 35">
+              <a:extLst>
+                <a:ext uri="{FF2B5EF4-FFF2-40B4-BE49-F238E27FC236}">
+                  <a16:creationId xmlns:a16="http://schemas.microsoft.com/office/drawing/2014/main" id="{1BF59442-5DEC-424F-A148-FFAA33B6F781}"/>
+                </a:ext>
+              </a:extLst>
+            </p:cNvPr>
+            <p:cNvPicPr>
+              <a:picLocks noChangeAspect="1"/>
+            </p:cNvPicPr>
+            <p:nvPr/>
+          </p:nvPicPr>
+          <p:blipFill>
+            <a:blip r:embed="rId9"/>
+            <a:stretch>
+              <a:fillRect/>
+            </a:stretch>
+          </p:blipFill>
+          <p:spPr>
+            <a:xfrm>
+              <a:off x="2174676" y="1090699"/>
+              <a:ext cx="1190953" cy="2856310"/>
+            </a:xfrm>
+            <a:prstGeom prst="rect">
+              <a:avLst/>
+            </a:prstGeom>
+          </p:spPr>
+        </p:pic>
+        <p:pic>
+          <p:nvPicPr>
+            <p:cNvPr id="38" name="Picture 37">
+              <a:extLst>
+                <a:ext uri="{FF2B5EF4-FFF2-40B4-BE49-F238E27FC236}">
+                  <a16:creationId xmlns:a16="http://schemas.microsoft.com/office/drawing/2014/main" id="{30FD5F2B-BD38-4F6D-ADAD-C8F4FE699DAE}"/>
+                </a:ext>
+              </a:extLst>
+            </p:cNvPr>
+            <p:cNvPicPr>
+              <a:picLocks noChangeAspect="1"/>
+            </p:cNvPicPr>
+            <p:nvPr/>
+          </p:nvPicPr>
+          <p:blipFill>
+            <a:blip r:embed="rId10"/>
+            <a:stretch>
+              <a:fillRect/>
+            </a:stretch>
+          </p:blipFill>
+          <p:spPr>
+            <a:xfrm>
+              <a:off x="2174676" y="6076238"/>
+              <a:ext cx="1514674" cy="784831"/>
+            </a:xfrm>
+            <a:prstGeom prst="rect">
+              <a:avLst/>
+            </a:prstGeom>
+          </p:spPr>
+        </p:pic>
+        <p:pic>
+          <p:nvPicPr>
+            <p:cNvPr id="40" name="Picture 39">
+              <a:extLst>
+                <a:ext uri="{FF2B5EF4-FFF2-40B4-BE49-F238E27FC236}">
+                  <a16:creationId xmlns:a16="http://schemas.microsoft.com/office/drawing/2014/main" id="{DEFDF9DE-329E-4CC1-A042-E431EDF7E860}"/>
+                </a:ext>
+              </a:extLst>
+            </p:cNvPr>
+            <p:cNvPicPr>
+              <a:picLocks noChangeAspect="1"/>
+            </p:cNvPicPr>
+            <p:nvPr/>
+          </p:nvPicPr>
+          <p:blipFill>
+            <a:blip r:embed="rId11"/>
+            <a:stretch>
+              <a:fillRect/>
+            </a:stretch>
+          </p:blipFill>
+          <p:spPr>
+            <a:xfrm>
+              <a:off x="2284229" y="3931322"/>
+              <a:ext cx="1933941" cy="2144916"/>
+            </a:xfrm>
+            <a:prstGeom prst="rect">
+              <a:avLst/>
+            </a:prstGeom>
+          </p:spPr>
+        </p:pic>
+      </p:grpSp>
+      <p:pic>
+        <p:nvPicPr>
+          <p:cNvPr id="42" name="Picture 41">
+            <a:extLst>
+              <a:ext uri="{FF2B5EF4-FFF2-40B4-BE49-F238E27FC236}">
+                <a16:creationId xmlns:a16="http://schemas.microsoft.com/office/drawing/2014/main" id="{1ABD143F-8CC2-4696-A5D1-49EC796E519D}"/>
+              </a:ext>
+            </a:extLst>
+          </p:cNvPr>
+          <p:cNvPicPr>
+            <a:picLocks noChangeAspect="1"/>
+          </p:cNvPicPr>
+          <p:nvPr/>
+        </p:nvPicPr>
+        <p:blipFill>
+          <a:blip r:embed="rId12"/>
+          <a:stretch>
+            <a:fillRect/>
+          </a:stretch>
+        </p:blipFill>
+        <p:spPr>
+          <a:xfrm>
+            <a:off x="4105333" y="781762"/>
+            <a:ext cx="112837" cy="6076238"/>
+          </a:xfrm>
+          <a:prstGeom prst="rect">
+            <a:avLst/>
+          </a:prstGeom>
+        </p:spPr>
+      </p:pic>
+      <p:pic>
+        <p:nvPicPr>
+          <p:cNvPr id="46" name="Picture 45">
+            <a:extLst>
+              <a:ext uri="{FF2B5EF4-FFF2-40B4-BE49-F238E27FC236}">
+                <a16:creationId xmlns:a16="http://schemas.microsoft.com/office/drawing/2014/main" id="{F3B41365-A061-4F5D-AB35-3C8295D4A1DA}"/>
+              </a:ext>
+            </a:extLst>
+          </p:cNvPr>
+          <p:cNvPicPr>
+            <a:picLocks noChangeAspect="1"/>
+          </p:cNvPicPr>
+          <p:nvPr/>
+        </p:nvPicPr>
+        <p:blipFill>
+          <a:blip r:embed="rId13"/>
+          <a:stretch>
+            <a:fillRect/>
+          </a:stretch>
+        </p:blipFill>
+        <p:spPr>
+          <a:xfrm>
+            <a:off x="2062211" y="970934"/>
+            <a:ext cx="515499" cy="211487"/>
+          </a:xfrm>
+          <a:prstGeom prst="rect">
+            <a:avLst/>
+          </a:prstGeom>
+        </p:spPr>
+      </p:pic>
+      <p:pic>
+        <p:nvPicPr>
+          <p:cNvPr id="49" name="Picture 48">
+            <a:extLst>
+              <a:ext uri="{FF2B5EF4-FFF2-40B4-BE49-F238E27FC236}">
+                <a16:creationId xmlns:a16="http://schemas.microsoft.com/office/drawing/2014/main" id="{C5558FE2-379F-4606-BC83-08D49CEC5477}"/>
+              </a:ext>
+            </a:extLst>
+          </p:cNvPr>
+          <p:cNvPicPr>
+            <a:picLocks noChangeAspect="1"/>
+          </p:cNvPicPr>
+          <p:nvPr/>
+        </p:nvPicPr>
+        <p:blipFill>
+          <a:blip r:embed="rId14"/>
+          <a:stretch>
+            <a:fillRect/>
+          </a:stretch>
+        </p:blipFill>
+        <p:spPr>
+          <a:xfrm>
+            <a:off x="3356162" y="963621"/>
+            <a:ext cx="524543" cy="242097"/>
+          </a:xfrm>
+          <a:prstGeom prst="rect">
+            <a:avLst/>
+          </a:prstGeom>
+        </p:spPr>
+      </p:pic>
+      <p:pic>
+        <p:nvPicPr>
+          <p:cNvPr id="51" name="Picture 50">
+            <a:extLst>
+              <a:ext uri="{FF2B5EF4-FFF2-40B4-BE49-F238E27FC236}">
+                <a16:creationId xmlns:a16="http://schemas.microsoft.com/office/drawing/2014/main" id="{0A1ABBFC-255E-49D4-91F0-C65F0348A215}"/>
+              </a:ext>
+            </a:extLst>
+          </p:cNvPr>
+          <p:cNvPicPr>
+            <a:picLocks noChangeAspect="1"/>
+          </p:cNvPicPr>
+          <p:nvPr/>
+        </p:nvPicPr>
+        <p:blipFill>
+          <a:blip r:embed="rId15"/>
+          <a:stretch>
+            <a:fillRect/>
+          </a:stretch>
+        </p:blipFill>
+        <p:spPr>
+          <a:xfrm>
+            <a:off x="2040933" y="797663"/>
+            <a:ext cx="1933941" cy="236940"/>
+          </a:xfrm>
+          <a:prstGeom prst="rect">
+            <a:avLst/>
+          </a:prstGeom>
+        </p:spPr>
+      </p:pic>
+      <p:pic>
+        <p:nvPicPr>
+          <p:cNvPr id="55" name="Picture 54">
+            <a:extLst>
+              <a:ext uri="{FF2B5EF4-FFF2-40B4-BE49-F238E27FC236}">
+                <a16:creationId xmlns:a16="http://schemas.microsoft.com/office/drawing/2014/main" id="{CD61C4C2-9068-41FA-B0AC-E51EA4E675B7}"/>
+              </a:ext>
+            </a:extLst>
+          </p:cNvPr>
+          <p:cNvPicPr>
+            <a:picLocks noChangeAspect="1"/>
+          </p:cNvPicPr>
+          <p:nvPr/>
+        </p:nvPicPr>
+        <p:blipFill>
+          <a:blip r:embed="rId16"/>
+          <a:stretch>
+            <a:fillRect/>
+          </a:stretch>
+        </p:blipFill>
+        <p:spPr>
+          <a:xfrm>
+            <a:off x="3856024" y="990153"/>
+            <a:ext cx="267142" cy="182938"/>
+          </a:xfrm>
+          <a:prstGeom prst="rect">
+            <a:avLst/>
+          </a:prstGeom>
+        </p:spPr>
+      </p:pic>
+      <p:sp>
+        <p:nvSpPr>
+          <p:cNvPr id="57" name="TextBox 56">
+            <a:extLst>
+              <a:ext uri="{FF2B5EF4-FFF2-40B4-BE49-F238E27FC236}">
+                <a16:creationId xmlns:a16="http://schemas.microsoft.com/office/drawing/2014/main" id="{C25B3AF1-92B6-4B84-9858-424914E0DA48}"/>
+              </a:ext>
+            </a:extLst>
+          </p:cNvPr>
+          <p:cNvSpPr txBox="1"/>
+          <p:nvPr/>
+        </p:nvSpPr>
+        <p:spPr>
+          <a:xfrm>
+            <a:off x="4398814" y="766365"/>
+            <a:ext cx="992336" cy="230832"/>
+          </a:xfrm>
+          <a:prstGeom prst="rect">
+            <a:avLst/>
+          </a:prstGeom>
+          <a:solidFill>
+            <a:schemeClr val="bg1"/>
+          </a:solidFill>
+        </p:spPr>
+        <p:txBody>
+          <a:bodyPr wrap="square" rtlCol="0">
+            <a:spAutoFit/>
+          </a:bodyPr>
+          <a:lstStyle/>
+          <a:p>
+            <a:r>
+              <a:rPr lang="fr-FR" sz="900" dirty="0">
+                <a:latin typeface="Segoe UI" panose="020B0502040204020203" pitchFamily="34" charset="0"/>
+                <a:cs typeface="Segoe UI" panose="020B0502040204020203" pitchFamily="34" charset="0"/>
+              </a:rPr>
+              <a:t>Visualisation</a:t>
+            </a:r>
+            <a:endParaRPr lang="en-US" sz="900" dirty="0">
+              <a:latin typeface="Segoe UI" panose="020B0502040204020203" pitchFamily="34" charset="0"/>
+              <a:cs typeface="Segoe UI" panose="020B0502040204020203" pitchFamily="34" charset="0"/>
+            </a:endParaRPr>
+          </a:p>
+        </p:txBody>
+      </p:sp>
+      <p:sp>
+        <p:nvSpPr>
+          <p:cNvPr id="58" name="Rectangle 57">
+            <a:extLst>
+              <a:ext uri="{FF2B5EF4-FFF2-40B4-BE49-F238E27FC236}">
+                <a16:creationId xmlns:a16="http://schemas.microsoft.com/office/drawing/2014/main" id="{C656019D-1984-401A-9961-D3DC131280C6}"/>
+              </a:ext>
+            </a:extLst>
+          </p:cNvPr>
+          <p:cNvSpPr/>
+          <p:nvPr/>
+        </p:nvSpPr>
+        <p:spPr>
+          <a:xfrm>
+            <a:off x="6451600" y="2254250"/>
+            <a:ext cx="4959350" cy="2622550"/>
+          </a:xfrm>
+          <a:prstGeom prst="rect">
+            <a:avLst/>
+          </a:prstGeom>
+          <a:noFill/>
+          <a:ln>
+            <a:solidFill>
+              <a:schemeClr val="accent1"/>
+            </a:solidFill>
+            <a:prstDash val="sysDot"/>
+          </a:ln>
+        </p:spPr>
+        <p:style>
+          <a:lnRef idx="2">
+            <a:schemeClr val="accent1">
+              <a:shade val="50000"/>
+            </a:schemeClr>
+          </a:lnRef>
+          <a:fillRef idx="1">
+            <a:schemeClr val="accent1"/>
+          </a:fillRef>
+          <a:effectRef idx="0">
+            <a:schemeClr val="accent1"/>
+          </a:effectRef>
+          <a:fontRef idx="minor">
+            <a:schemeClr val="lt1"/>
+          </a:fontRef>
+        </p:style>
+        <p:txBody>
+          <a:bodyPr rtlCol="0" anchor="ctr"/>
+          <a:lstStyle/>
+          <a:p>
+            <a:pPr algn="ctr"/>
+            <a:endParaRPr lang="en-US"/>
+          </a:p>
+        </p:txBody>
+      </p:sp>
+      <p:pic>
+        <p:nvPicPr>
+          <p:cNvPr id="64" name="Picture 63">
+            <a:extLst>
+              <a:ext uri="{FF2B5EF4-FFF2-40B4-BE49-F238E27FC236}">
+                <a16:creationId xmlns:a16="http://schemas.microsoft.com/office/drawing/2014/main" id="{ACE45B76-9707-4D82-BFE5-5A33B60A1197}"/>
+              </a:ext>
+            </a:extLst>
+          </p:cNvPr>
+          <p:cNvPicPr>
+            <a:picLocks noChangeAspect="1"/>
+          </p:cNvPicPr>
+          <p:nvPr/>
+        </p:nvPicPr>
+        <p:blipFill>
+          <a:blip r:embed="rId17"/>
+          <a:stretch>
+            <a:fillRect/>
+          </a:stretch>
+        </p:blipFill>
+        <p:spPr>
+          <a:xfrm>
+            <a:off x="4527316" y="3159896"/>
+            <a:ext cx="503591" cy="752424"/>
+          </a:xfrm>
+          <a:prstGeom prst="rect">
+            <a:avLst/>
+          </a:prstGeom>
+        </p:spPr>
+      </p:pic>
+      <p:sp>
+        <p:nvSpPr>
+          <p:cNvPr id="65" name="Rectangle 64">
+            <a:extLst>
+              <a:ext uri="{FF2B5EF4-FFF2-40B4-BE49-F238E27FC236}">
+                <a16:creationId xmlns:a16="http://schemas.microsoft.com/office/drawing/2014/main" id="{33259A08-02B1-4530-86C1-DF054F11644E}"/>
+              </a:ext>
+            </a:extLst>
+          </p:cNvPr>
+          <p:cNvSpPr/>
+          <p:nvPr/>
+        </p:nvSpPr>
+        <p:spPr>
+          <a:xfrm>
+            <a:off x="6533421" y="2365572"/>
+            <a:ext cx="1531080" cy="2337966"/>
+          </a:xfrm>
+          <a:prstGeom prst="rect">
+            <a:avLst/>
+          </a:prstGeom>
+          <a:solidFill>
+            <a:srgbClr val="F2F2F2"/>
+          </a:solidFill>
+          <a:ln>
+            <a:noFill/>
+          </a:ln>
+        </p:spPr>
+        <p:style>
+          <a:lnRef idx="2">
+            <a:schemeClr val="accent1">
+              <a:shade val="50000"/>
+            </a:schemeClr>
+          </a:lnRef>
+          <a:fillRef idx="1">
+            <a:schemeClr val="accent1"/>
+          </a:fillRef>
+          <a:effectRef idx="0">
+            <a:schemeClr val="accent1"/>
+          </a:effectRef>
+          <a:fontRef idx="minor">
+            <a:schemeClr val="lt1"/>
+          </a:fontRef>
+        </p:style>
+        <p:txBody>
+          <a:bodyPr rtlCol="0" anchor="ctr"/>
+          <a:lstStyle/>
+          <a:p>
+            <a:pPr algn="ctr"/>
+            <a:endParaRPr lang="en-US"/>
+          </a:p>
+        </p:txBody>
+      </p:sp>
+      <p:sp>
+        <p:nvSpPr>
+          <p:cNvPr id="69" name="Rectangle 68">
+            <a:extLst>
+              <a:ext uri="{FF2B5EF4-FFF2-40B4-BE49-F238E27FC236}">
+                <a16:creationId xmlns:a16="http://schemas.microsoft.com/office/drawing/2014/main" id="{8C311536-4316-4622-8AA3-BC4F12EE6F5C}"/>
+              </a:ext>
+            </a:extLst>
+          </p:cNvPr>
+          <p:cNvSpPr/>
+          <p:nvPr/>
+        </p:nvSpPr>
+        <p:spPr>
+          <a:xfrm>
+            <a:off x="8165735" y="2362428"/>
+            <a:ext cx="1531080" cy="2341110"/>
+          </a:xfrm>
+          <a:prstGeom prst="rect">
+            <a:avLst/>
+          </a:prstGeom>
+          <a:solidFill>
+            <a:srgbClr val="F2F2F2"/>
+          </a:solidFill>
+          <a:ln>
+            <a:noFill/>
+          </a:ln>
+        </p:spPr>
+        <p:style>
+          <a:lnRef idx="2">
+            <a:schemeClr val="accent1">
+              <a:shade val="50000"/>
+            </a:schemeClr>
+          </a:lnRef>
+          <a:fillRef idx="1">
+            <a:schemeClr val="accent1"/>
+          </a:fillRef>
+          <a:effectRef idx="0">
+            <a:schemeClr val="accent1"/>
+          </a:effectRef>
+          <a:fontRef idx="minor">
+            <a:schemeClr val="lt1"/>
+          </a:fontRef>
+        </p:style>
+        <p:txBody>
+          <a:bodyPr rtlCol="0" anchor="ctr"/>
+          <a:lstStyle/>
+          <a:p>
+            <a:pPr algn="ctr"/>
+            <a:endParaRPr lang="en-US"/>
+          </a:p>
+        </p:txBody>
+      </p:sp>
+      <p:sp>
+        <p:nvSpPr>
+          <p:cNvPr id="71" name="Rectangle 70">
+            <a:extLst>
+              <a:ext uri="{FF2B5EF4-FFF2-40B4-BE49-F238E27FC236}">
+                <a16:creationId xmlns:a16="http://schemas.microsoft.com/office/drawing/2014/main" id="{987AF519-C322-40CD-942C-68CF4DA1E11A}"/>
+              </a:ext>
+            </a:extLst>
+          </p:cNvPr>
+          <p:cNvSpPr/>
+          <p:nvPr/>
+        </p:nvSpPr>
+        <p:spPr>
+          <a:xfrm>
+            <a:off x="9800938" y="2365572"/>
+            <a:ext cx="1531080" cy="2337966"/>
+          </a:xfrm>
+          <a:prstGeom prst="rect">
+            <a:avLst/>
+          </a:prstGeom>
+          <a:solidFill>
+            <a:srgbClr val="F2F2F2"/>
+          </a:solidFill>
+          <a:ln>
+            <a:noFill/>
+          </a:ln>
+        </p:spPr>
+        <p:style>
+          <a:lnRef idx="2">
+            <a:schemeClr val="accent1">
+              <a:shade val="50000"/>
+            </a:schemeClr>
+          </a:lnRef>
+          <a:fillRef idx="1">
+            <a:schemeClr val="accent1"/>
+          </a:fillRef>
+          <a:effectRef idx="0">
+            <a:schemeClr val="accent1"/>
+          </a:effectRef>
+          <a:fontRef idx="minor">
+            <a:schemeClr val="lt1"/>
+          </a:fontRef>
+        </p:style>
+        <p:txBody>
+          <a:bodyPr rtlCol="0" anchor="ctr"/>
+          <a:lstStyle/>
+          <a:p>
+            <a:pPr algn="ctr"/>
+            <a:endParaRPr lang="en-US"/>
+          </a:p>
+        </p:txBody>
+      </p:sp>
+      <p:pic>
+        <p:nvPicPr>
+          <p:cNvPr id="77" name="Graphic 76">
+            <a:extLst>
+              <a:ext uri="{FF2B5EF4-FFF2-40B4-BE49-F238E27FC236}">
+                <a16:creationId xmlns:a16="http://schemas.microsoft.com/office/drawing/2014/main" id="{E16CA98E-534B-412B-B145-D2C0F8F87D26}"/>
+              </a:ext>
+            </a:extLst>
+          </p:cNvPr>
+          <p:cNvPicPr>
+            <a:picLocks noChangeAspect="1"/>
+          </p:cNvPicPr>
+          <p:nvPr/>
+        </p:nvPicPr>
+        <p:blipFill>
+          <a:blip r:embed="rId18">
+            <a:extLst>
+              <a:ext uri="{28A0092B-C50C-407E-A947-70E740481C1C}">
+                <a14:useLocalDpi xmlns:a14="http://schemas.microsoft.com/office/drawing/2010/main" val="0"/>
+              </a:ext>
+              <a:ext uri="{96DAC541-7B7A-43D3-8B79-37D633B846F1}">
+                <asvg:svgBlip xmlns:asvg="http://schemas.microsoft.com/office/drawing/2016/SVG/main" r:embed="rId19"/>
+              </a:ext>
+            </a:extLst>
+          </a:blip>
+          <a:stretch>
+            <a:fillRect/>
+          </a:stretch>
+        </p:blipFill>
+        <p:spPr>
+          <a:xfrm>
+            <a:off x="10482987" y="2643298"/>
+            <a:ext cx="652387" cy="652387"/>
+          </a:xfrm>
+          <a:prstGeom prst="rect">
+            <a:avLst/>
+          </a:prstGeom>
+        </p:spPr>
+      </p:pic>
+      <p:grpSp>
+        <p:nvGrpSpPr>
+          <p:cNvPr id="6" name="Group 5">
+            <a:extLst>
+              <a:ext uri="{FF2B5EF4-FFF2-40B4-BE49-F238E27FC236}">
+                <a16:creationId xmlns:a16="http://schemas.microsoft.com/office/drawing/2014/main" id="{8B23C13C-2E55-4EEC-89A8-D8A3DF30020E}"/>
+              </a:ext>
+            </a:extLst>
+          </p:cNvPr>
+          <p:cNvGrpSpPr/>
+          <p:nvPr/>
+        </p:nvGrpSpPr>
+        <p:grpSpPr>
+          <a:xfrm>
+            <a:off x="8750110" y="2654026"/>
+            <a:ext cx="738144" cy="583525"/>
+            <a:chOff x="8509675" y="2623244"/>
+            <a:chExt cx="738144" cy="583525"/>
+          </a:xfrm>
+        </p:grpSpPr>
+        <p:pic>
+          <p:nvPicPr>
+            <p:cNvPr id="79" name="Graphic 78">
+              <a:extLst>
+                <a:ext uri="{FF2B5EF4-FFF2-40B4-BE49-F238E27FC236}">
+                  <a16:creationId xmlns:a16="http://schemas.microsoft.com/office/drawing/2014/main" id="{76709CFB-6573-4032-B225-861B3D956625}"/>
+                </a:ext>
+              </a:extLst>
+            </p:cNvPr>
+            <p:cNvPicPr>
+              <a:picLocks noChangeAspect="1"/>
+            </p:cNvPicPr>
+            <p:nvPr/>
+          </p:nvPicPr>
+          <p:blipFill>
+            <a:blip r:embed="rId20">
+              <a:extLst>
+                <a:ext uri="{28A0092B-C50C-407E-A947-70E740481C1C}">
+                  <a14:useLocalDpi xmlns:a14="http://schemas.microsoft.com/office/drawing/2010/main" val="0"/>
+                </a:ext>
+                <a:ext uri="{96DAC541-7B7A-43D3-8B79-37D633B846F1}">
+                  <asvg:svgBlip xmlns:asvg="http://schemas.microsoft.com/office/drawing/2016/SVG/main" r:embed="rId21"/>
+                </a:ext>
+              </a:extLst>
+            </a:blip>
+            <a:stretch>
+              <a:fillRect/>
+            </a:stretch>
+          </p:blipFill>
+          <p:spPr>
+            <a:xfrm>
+              <a:off x="8509675" y="2623244"/>
+              <a:ext cx="583525" cy="583525"/>
+            </a:xfrm>
+            <a:prstGeom prst="rect">
+              <a:avLst/>
+            </a:prstGeom>
+          </p:spPr>
+        </p:pic>
+        <p:pic>
+          <p:nvPicPr>
+            <p:cNvPr id="83" name="Graphic 82">
+              <a:extLst>
+                <a:ext uri="{FF2B5EF4-FFF2-40B4-BE49-F238E27FC236}">
+                  <a16:creationId xmlns:a16="http://schemas.microsoft.com/office/drawing/2014/main" id="{47B71A50-CE48-4FFA-8EF6-10AA50EB7476}"/>
+                </a:ext>
+              </a:extLst>
+            </p:cNvPr>
+            <p:cNvPicPr>
+              <a:picLocks noChangeAspect="1"/>
+            </p:cNvPicPr>
+            <p:nvPr/>
+          </p:nvPicPr>
+          <p:blipFill>
+            <a:blip r:embed="rId22">
+              <a:extLst>
+                <a:ext uri="{28A0092B-C50C-407E-A947-70E740481C1C}">
+                  <a14:useLocalDpi xmlns:a14="http://schemas.microsoft.com/office/drawing/2010/main" val="0"/>
+                </a:ext>
+                <a:ext uri="{96DAC541-7B7A-43D3-8B79-37D633B846F1}">
+                  <asvg:svgBlip xmlns:asvg="http://schemas.microsoft.com/office/drawing/2016/SVG/main" r:embed="rId23"/>
+                </a:ext>
+              </a:extLst>
+            </a:blip>
+            <a:stretch>
+              <a:fillRect/>
+            </a:stretch>
+          </p:blipFill>
+          <p:spPr>
+            <a:xfrm>
+              <a:off x="9059537" y="2883767"/>
+              <a:ext cx="171450" cy="171450"/>
+            </a:xfrm>
+            <a:prstGeom prst="rect">
+              <a:avLst/>
+            </a:prstGeom>
+          </p:spPr>
+        </p:pic>
+        <p:pic>
+          <p:nvPicPr>
+            <p:cNvPr id="85" name="Graphic 84">
+              <a:extLst>
+                <a:ext uri="{FF2B5EF4-FFF2-40B4-BE49-F238E27FC236}">
+                  <a16:creationId xmlns:a16="http://schemas.microsoft.com/office/drawing/2014/main" id="{3A615AF0-D10B-4E76-B2F7-A9F724D7D992}"/>
+                </a:ext>
+              </a:extLst>
+            </p:cNvPr>
+            <p:cNvPicPr>
+              <a:picLocks noChangeAspect="1"/>
+            </p:cNvPicPr>
+            <p:nvPr/>
+          </p:nvPicPr>
+          <p:blipFill>
+            <a:blip r:embed="rId24">
+              <a:extLst>
+                <a:ext uri="{28A0092B-C50C-407E-A947-70E740481C1C}">
+                  <a14:useLocalDpi xmlns:a14="http://schemas.microsoft.com/office/drawing/2010/main" val="0"/>
+                </a:ext>
+                <a:ext uri="{96DAC541-7B7A-43D3-8B79-37D633B846F1}">
+                  <asvg:svgBlip xmlns:asvg="http://schemas.microsoft.com/office/drawing/2016/SVG/main" r:embed="rId25"/>
+                </a:ext>
+              </a:extLst>
+            </a:blip>
+            <a:stretch>
+              <a:fillRect/>
+            </a:stretch>
+          </p:blipFill>
+          <p:spPr>
+            <a:xfrm>
+              <a:off x="9076369" y="2682626"/>
+              <a:ext cx="171450" cy="171450"/>
+            </a:xfrm>
+            <a:prstGeom prst="rect">
+              <a:avLst/>
+            </a:prstGeom>
+          </p:spPr>
+        </p:pic>
+      </p:grpSp>
+      <p:pic>
+        <p:nvPicPr>
+          <p:cNvPr id="87" name="Graphic 86">
+            <a:extLst>
+              <a:ext uri="{FF2B5EF4-FFF2-40B4-BE49-F238E27FC236}">
+                <a16:creationId xmlns:a16="http://schemas.microsoft.com/office/drawing/2014/main" id="{2B1881FE-6F6F-462F-AA9E-AC3BBC787C1B}"/>
+              </a:ext>
+            </a:extLst>
+          </p:cNvPr>
+          <p:cNvPicPr>
+            <a:picLocks noChangeAspect="1"/>
+          </p:cNvPicPr>
+          <p:nvPr/>
+        </p:nvPicPr>
+        <p:blipFill>
+          <a:blip r:embed="rId26">
+            <a:extLst>
+              <a:ext uri="{28A0092B-C50C-407E-A947-70E740481C1C}">
+                <a14:useLocalDpi xmlns:a14="http://schemas.microsoft.com/office/drawing/2010/main" val="0"/>
+              </a:ext>
+              <a:ext uri="{96DAC541-7B7A-43D3-8B79-37D633B846F1}">
+                <asvg:svgBlip xmlns:asvg="http://schemas.microsoft.com/office/drawing/2016/SVG/main" r:embed="rId27"/>
+              </a:ext>
+            </a:extLst>
+          </a:blip>
+          <a:stretch>
+            <a:fillRect/>
+          </a:stretch>
+        </p:blipFill>
+        <p:spPr>
+          <a:xfrm>
+            <a:off x="11040477" y="4791075"/>
+            <a:ext cx="171450" cy="171450"/>
+          </a:xfrm>
+          <a:prstGeom prst="rect">
+            <a:avLst/>
+          </a:prstGeom>
+        </p:spPr>
+      </p:pic>
+      <p:pic>
+        <p:nvPicPr>
+          <p:cNvPr id="89" name="Graphic 88">
+            <a:extLst>
+              <a:ext uri="{FF2B5EF4-FFF2-40B4-BE49-F238E27FC236}">
+                <a16:creationId xmlns:a16="http://schemas.microsoft.com/office/drawing/2014/main" id="{515A8AF8-FD80-4236-82DB-059697E0AC8B}"/>
+              </a:ext>
+            </a:extLst>
+          </p:cNvPr>
+          <p:cNvPicPr>
+            <a:picLocks noChangeAspect="1"/>
+          </p:cNvPicPr>
+          <p:nvPr/>
+        </p:nvPicPr>
+        <p:blipFill>
+          <a:blip r:embed="rId28">
+            <a:extLst>
+              <a:ext uri="{28A0092B-C50C-407E-A947-70E740481C1C}">
+                <a14:useLocalDpi xmlns:a14="http://schemas.microsoft.com/office/drawing/2010/main" val="0"/>
+              </a:ext>
+              <a:ext uri="{96DAC541-7B7A-43D3-8B79-37D633B846F1}">
+                <asvg:svgBlip xmlns:asvg="http://schemas.microsoft.com/office/drawing/2016/SVG/main" r:embed="rId29"/>
+              </a:ext>
+            </a:extLst>
+          </a:blip>
+          <a:stretch>
+            <a:fillRect/>
+          </a:stretch>
+        </p:blipFill>
+        <p:spPr>
+          <a:xfrm>
+            <a:off x="5529852" y="3339518"/>
+            <a:ext cx="421098" cy="421098"/>
+          </a:xfrm>
+          <a:prstGeom prst="rect">
+            <a:avLst/>
+          </a:prstGeom>
+        </p:spPr>
+      </p:pic>
+      <p:pic>
+        <p:nvPicPr>
+          <p:cNvPr id="2" name="Graphic 1">
+            <a:extLst>
+              <a:ext uri="{FF2B5EF4-FFF2-40B4-BE49-F238E27FC236}">
+                <a16:creationId xmlns:a16="http://schemas.microsoft.com/office/drawing/2014/main" id="{EBD39A06-989E-47AB-9183-A5971D28F38F}"/>
+              </a:ext>
+            </a:extLst>
+          </p:cNvPr>
+          <p:cNvPicPr>
+            <a:picLocks noChangeAspect="1"/>
+          </p:cNvPicPr>
+          <p:nvPr/>
+        </p:nvPicPr>
+        <p:blipFill>
+          <a:blip r:embed="rId18">
+            <a:extLst>
+              <a:ext uri="{28A0092B-C50C-407E-A947-70E740481C1C}">
+                <a14:useLocalDpi xmlns:a14="http://schemas.microsoft.com/office/drawing/2010/main" val="0"/>
+              </a:ext>
+              <a:ext uri="{96DAC541-7B7A-43D3-8B79-37D633B846F1}">
+                <asvg:svgBlip xmlns:asvg="http://schemas.microsoft.com/office/drawing/2016/SVG/main" r:embed="rId19"/>
+              </a:ext>
+            </a:extLst>
+          </a:blip>
+          <a:stretch>
+            <a:fillRect/>
+          </a:stretch>
+        </p:blipFill>
+        <p:spPr>
+          <a:xfrm>
+            <a:off x="10482987" y="3633091"/>
+            <a:ext cx="652387" cy="652387"/>
+          </a:xfrm>
+          <a:prstGeom prst="rect">
+            <a:avLst/>
+          </a:prstGeom>
+        </p:spPr>
+      </p:pic>
+      <p:pic>
+        <p:nvPicPr>
+          <p:cNvPr id="4" name="Graphic 3">
+            <a:extLst>
+              <a:ext uri="{FF2B5EF4-FFF2-40B4-BE49-F238E27FC236}">
+                <a16:creationId xmlns:a16="http://schemas.microsoft.com/office/drawing/2014/main" id="{6212221C-1525-4F37-B6A4-605704C02357}"/>
+              </a:ext>
+            </a:extLst>
+          </p:cNvPr>
+          <p:cNvPicPr>
+            <a:picLocks noChangeAspect="1"/>
+          </p:cNvPicPr>
+          <p:nvPr/>
+        </p:nvPicPr>
+        <p:blipFill>
+          <a:blip r:embed="rId30">
+            <a:extLst>
+              <a:ext uri="{28A0092B-C50C-407E-A947-70E740481C1C}">
+                <a14:useLocalDpi xmlns:a14="http://schemas.microsoft.com/office/drawing/2010/main" val="0"/>
+              </a:ext>
+              <a:ext uri="{96DAC541-7B7A-43D3-8B79-37D633B846F1}">
+                <asvg:svgBlip xmlns:asvg="http://schemas.microsoft.com/office/drawing/2016/SVG/main" r:embed="rId31"/>
+              </a:ext>
+            </a:extLst>
+          </a:blip>
+          <a:stretch>
+            <a:fillRect/>
+          </a:stretch>
+        </p:blipFill>
+        <p:spPr>
+          <a:xfrm>
+            <a:off x="8226414" y="3200981"/>
+            <a:ext cx="456038" cy="456038"/>
+          </a:xfrm>
+          <a:prstGeom prst="rect">
+            <a:avLst/>
+          </a:prstGeom>
+        </p:spPr>
+      </p:pic>
+      <p:grpSp>
+        <p:nvGrpSpPr>
+          <p:cNvPr id="43" name="Group 42">
+            <a:extLst>
+              <a:ext uri="{FF2B5EF4-FFF2-40B4-BE49-F238E27FC236}">
+                <a16:creationId xmlns:a16="http://schemas.microsoft.com/office/drawing/2014/main" id="{8369332E-356E-4769-96C0-643EA1B196C5}"/>
+              </a:ext>
+            </a:extLst>
+          </p:cNvPr>
+          <p:cNvGrpSpPr/>
+          <p:nvPr/>
+        </p:nvGrpSpPr>
+        <p:grpSpPr>
+          <a:xfrm>
+            <a:off x="8746550" y="3738942"/>
+            <a:ext cx="738144" cy="583525"/>
+            <a:chOff x="8509675" y="2623244"/>
+            <a:chExt cx="738144" cy="583525"/>
+          </a:xfrm>
+        </p:grpSpPr>
+        <p:pic>
+          <p:nvPicPr>
+            <p:cNvPr id="44" name="Graphic 43">
+              <a:extLst>
+                <a:ext uri="{FF2B5EF4-FFF2-40B4-BE49-F238E27FC236}">
+                  <a16:creationId xmlns:a16="http://schemas.microsoft.com/office/drawing/2014/main" id="{D18085BA-1249-4519-886E-19F07DADA11F}"/>
+                </a:ext>
+              </a:extLst>
+            </p:cNvPr>
+            <p:cNvPicPr>
+              <a:picLocks noChangeAspect="1"/>
+            </p:cNvPicPr>
+            <p:nvPr/>
+          </p:nvPicPr>
+          <p:blipFill>
+            <a:blip r:embed="rId20">
+              <a:extLst>
+                <a:ext uri="{28A0092B-C50C-407E-A947-70E740481C1C}">
+                  <a14:useLocalDpi xmlns:a14="http://schemas.microsoft.com/office/drawing/2010/main" val="0"/>
+                </a:ext>
+                <a:ext uri="{96DAC541-7B7A-43D3-8B79-37D633B846F1}">
+                  <asvg:svgBlip xmlns:asvg="http://schemas.microsoft.com/office/drawing/2016/SVG/main" r:embed="rId21"/>
+                </a:ext>
+              </a:extLst>
+            </a:blip>
+            <a:stretch>
+              <a:fillRect/>
+            </a:stretch>
+          </p:blipFill>
+          <p:spPr>
+            <a:xfrm>
+              <a:off x="8509675" y="2623244"/>
+              <a:ext cx="583525" cy="583525"/>
+            </a:xfrm>
+            <a:prstGeom prst="rect">
+              <a:avLst/>
+            </a:prstGeom>
+          </p:spPr>
+        </p:pic>
+        <p:pic>
+          <p:nvPicPr>
+            <p:cNvPr id="45" name="Graphic 44">
+              <a:extLst>
+                <a:ext uri="{FF2B5EF4-FFF2-40B4-BE49-F238E27FC236}">
+                  <a16:creationId xmlns:a16="http://schemas.microsoft.com/office/drawing/2014/main" id="{AB3922DF-5BE0-4688-86EF-CF6F4256F2AC}"/>
+                </a:ext>
+              </a:extLst>
+            </p:cNvPr>
+            <p:cNvPicPr>
+              <a:picLocks noChangeAspect="1"/>
+            </p:cNvPicPr>
+            <p:nvPr/>
+          </p:nvPicPr>
+          <p:blipFill>
+            <a:blip r:embed="rId22">
+              <a:extLst>
+                <a:ext uri="{28A0092B-C50C-407E-A947-70E740481C1C}">
+                  <a14:useLocalDpi xmlns:a14="http://schemas.microsoft.com/office/drawing/2010/main" val="0"/>
+                </a:ext>
+                <a:ext uri="{96DAC541-7B7A-43D3-8B79-37D633B846F1}">
+                  <asvg:svgBlip xmlns:asvg="http://schemas.microsoft.com/office/drawing/2016/SVG/main" r:embed="rId23"/>
+                </a:ext>
+              </a:extLst>
+            </a:blip>
+            <a:stretch>
+              <a:fillRect/>
+            </a:stretch>
+          </p:blipFill>
+          <p:spPr>
+            <a:xfrm>
+              <a:off x="9059537" y="2883767"/>
+              <a:ext cx="171450" cy="171450"/>
+            </a:xfrm>
+            <a:prstGeom prst="rect">
+              <a:avLst/>
+            </a:prstGeom>
+          </p:spPr>
+        </p:pic>
+        <p:pic>
+          <p:nvPicPr>
+            <p:cNvPr id="48" name="Graphic 47">
+              <a:extLst>
+                <a:ext uri="{FF2B5EF4-FFF2-40B4-BE49-F238E27FC236}">
+                  <a16:creationId xmlns:a16="http://schemas.microsoft.com/office/drawing/2014/main" id="{0BBA6BA0-E726-4F16-97B3-7B1EAE04167D}"/>
+                </a:ext>
+              </a:extLst>
+            </p:cNvPr>
+            <p:cNvPicPr>
+              <a:picLocks noChangeAspect="1"/>
+            </p:cNvPicPr>
+            <p:nvPr/>
+          </p:nvPicPr>
+          <p:blipFill>
+            <a:blip r:embed="rId24">
+              <a:extLst>
+                <a:ext uri="{28A0092B-C50C-407E-A947-70E740481C1C}">
+                  <a14:useLocalDpi xmlns:a14="http://schemas.microsoft.com/office/drawing/2010/main" val="0"/>
+                </a:ext>
+                <a:ext uri="{96DAC541-7B7A-43D3-8B79-37D633B846F1}">
+                  <asvg:svgBlip xmlns:asvg="http://schemas.microsoft.com/office/drawing/2016/SVG/main" r:embed="rId25"/>
+                </a:ext>
+              </a:extLst>
+            </a:blip>
+            <a:stretch>
+              <a:fillRect/>
+            </a:stretch>
+          </p:blipFill>
+          <p:spPr>
+            <a:xfrm>
+              <a:off x="9076369" y="2682626"/>
+              <a:ext cx="171450" cy="171450"/>
+            </a:xfrm>
+            <a:prstGeom prst="rect">
+              <a:avLst/>
+            </a:prstGeom>
+          </p:spPr>
+        </p:pic>
+      </p:grpSp>
+      <p:grpSp>
+        <p:nvGrpSpPr>
+          <p:cNvPr id="50" name="Group 49">
+            <a:extLst>
+              <a:ext uri="{FF2B5EF4-FFF2-40B4-BE49-F238E27FC236}">
+                <a16:creationId xmlns:a16="http://schemas.microsoft.com/office/drawing/2014/main" id="{DA94861D-E79F-4F43-A41C-72B0906FB7DA}"/>
+              </a:ext>
+            </a:extLst>
+          </p:cNvPr>
+          <p:cNvGrpSpPr/>
+          <p:nvPr/>
+        </p:nvGrpSpPr>
+        <p:grpSpPr>
+          <a:xfrm>
+            <a:off x="7229983" y="2654026"/>
+            <a:ext cx="738144" cy="583525"/>
+            <a:chOff x="8509675" y="2623244"/>
+            <a:chExt cx="738144" cy="583525"/>
+          </a:xfrm>
+        </p:grpSpPr>
+        <p:pic>
+          <p:nvPicPr>
+            <p:cNvPr id="52" name="Graphic 51">
+              <a:extLst>
+                <a:ext uri="{FF2B5EF4-FFF2-40B4-BE49-F238E27FC236}">
+                  <a16:creationId xmlns:a16="http://schemas.microsoft.com/office/drawing/2014/main" id="{B5B838FD-B29B-4169-9882-CD5B0CFF9B08}"/>
+                </a:ext>
+              </a:extLst>
+            </p:cNvPr>
+            <p:cNvPicPr>
+              <a:picLocks noChangeAspect="1"/>
+            </p:cNvPicPr>
+            <p:nvPr/>
+          </p:nvPicPr>
+          <p:blipFill>
+            <a:blip r:embed="rId20">
+              <a:extLst>
+                <a:ext uri="{28A0092B-C50C-407E-A947-70E740481C1C}">
+                  <a14:useLocalDpi xmlns:a14="http://schemas.microsoft.com/office/drawing/2010/main" val="0"/>
+                </a:ext>
+                <a:ext uri="{96DAC541-7B7A-43D3-8B79-37D633B846F1}">
+                  <asvg:svgBlip xmlns:asvg="http://schemas.microsoft.com/office/drawing/2016/SVG/main" r:embed="rId21"/>
+                </a:ext>
+              </a:extLst>
+            </a:blip>
+            <a:stretch>
+              <a:fillRect/>
+            </a:stretch>
+          </p:blipFill>
+          <p:spPr>
+            <a:xfrm>
+              <a:off x="8509675" y="2623244"/>
+              <a:ext cx="583525" cy="583525"/>
+            </a:xfrm>
+            <a:prstGeom prst="rect">
+              <a:avLst/>
+            </a:prstGeom>
+          </p:spPr>
+        </p:pic>
+        <p:pic>
+          <p:nvPicPr>
+            <p:cNvPr id="53" name="Graphic 52">
+              <a:extLst>
+                <a:ext uri="{FF2B5EF4-FFF2-40B4-BE49-F238E27FC236}">
+                  <a16:creationId xmlns:a16="http://schemas.microsoft.com/office/drawing/2014/main" id="{FA164896-EE58-4D2B-A726-6B538FF4CDB8}"/>
+                </a:ext>
+              </a:extLst>
+            </p:cNvPr>
+            <p:cNvPicPr>
+              <a:picLocks noChangeAspect="1"/>
+            </p:cNvPicPr>
+            <p:nvPr/>
+          </p:nvPicPr>
+          <p:blipFill>
+            <a:blip r:embed="rId22">
+              <a:extLst>
+                <a:ext uri="{28A0092B-C50C-407E-A947-70E740481C1C}">
+                  <a14:useLocalDpi xmlns:a14="http://schemas.microsoft.com/office/drawing/2010/main" val="0"/>
+                </a:ext>
+                <a:ext uri="{96DAC541-7B7A-43D3-8B79-37D633B846F1}">
+                  <asvg:svgBlip xmlns:asvg="http://schemas.microsoft.com/office/drawing/2016/SVG/main" r:embed="rId23"/>
+                </a:ext>
+              </a:extLst>
+            </a:blip>
+            <a:stretch>
+              <a:fillRect/>
+            </a:stretch>
+          </p:blipFill>
+          <p:spPr>
+            <a:xfrm>
+              <a:off x="9059537" y="2883767"/>
+              <a:ext cx="171450" cy="171450"/>
+            </a:xfrm>
+            <a:prstGeom prst="rect">
+              <a:avLst/>
+            </a:prstGeom>
+          </p:spPr>
+        </p:pic>
+        <p:pic>
+          <p:nvPicPr>
+            <p:cNvPr id="54" name="Graphic 53">
+              <a:extLst>
+                <a:ext uri="{FF2B5EF4-FFF2-40B4-BE49-F238E27FC236}">
+                  <a16:creationId xmlns:a16="http://schemas.microsoft.com/office/drawing/2014/main" id="{F3E2BF90-0D88-4FD7-ADB6-9CCE0A03B6A0}"/>
+                </a:ext>
+              </a:extLst>
+            </p:cNvPr>
+            <p:cNvPicPr>
+              <a:picLocks noChangeAspect="1"/>
+            </p:cNvPicPr>
+            <p:nvPr/>
+          </p:nvPicPr>
+          <p:blipFill>
+            <a:blip r:embed="rId24">
+              <a:extLst>
+                <a:ext uri="{28A0092B-C50C-407E-A947-70E740481C1C}">
+                  <a14:useLocalDpi xmlns:a14="http://schemas.microsoft.com/office/drawing/2010/main" val="0"/>
+                </a:ext>
+                <a:ext uri="{96DAC541-7B7A-43D3-8B79-37D633B846F1}">
+                  <asvg:svgBlip xmlns:asvg="http://schemas.microsoft.com/office/drawing/2016/SVG/main" r:embed="rId25"/>
+                </a:ext>
+              </a:extLst>
+            </a:blip>
+            <a:stretch>
+              <a:fillRect/>
+            </a:stretch>
+          </p:blipFill>
+          <p:spPr>
+            <a:xfrm>
+              <a:off x="9076369" y="2682626"/>
+              <a:ext cx="171450" cy="171450"/>
+            </a:xfrm>
+            <a:prstGeom prst="rect">
+              <a:avLst/>
+            </a:prstGeom>
+          </p:spPr>
+        </p:pic>
+      </p:grpSp>
+      <p:grpSp>
+        <p:nvGrpSpPr>
+          <p:cNvPr id="56" name="Group 55">
+            <a:extLst>
+              <a:ext uri="{FF2B5EF4-FFF2-40B4-BE49-F238E27FC236}">
+                <a16:creationId xmlns:a16="http://schemas.microsoft.com/office/drawing/2014/main" id="{D3E11D87-6020-46BA-9B08-C06DB82FEEA3}"/>
+              </a:ext>
+            </a:extLst>
+          </p:cNvPr>
+          <p:cNvGrpSpPr/>
+          <p:nvPr/>
+        </p:nvGrpSpPr>
+        <p:grpSpPr>
+          <a:xfrm>
+            <a:off x="7234367" y="3738942"/>
+            <a:ext cx="738144" cy="583525"/>
+            <a:chOff x="8509675" y="2623244"/>
+            <a:chExt cx="738144" cy="583525"/>
+          </a:xfrm>
+        </p:grpSpPr>
+        <p:pic>
+          <p:nvPicPr>
+            <p:cNvPr id="59" name="Graphic 58">
+              <a:extLst>
+                <a:ext uri="{FF2B5EF4-FFF2-40B4-BE49-F238E27FC236}">
+                  <a16:creationId xmlns:a16="http://schemas.microsoft.com/office/drawing/2014/main" id="{100E35E6-6ACD-40EC-B459-DA39E24F3112}"/>
+                </a:ext>
+              </a:extLst>
+            </p:cNvPr>
+            <p:cNvPicPr>
+              <a:picLocks noChangeAspect="1"/>
+            </p:cNvPicPr>
+            <p:nvPr/>
+          </p:nvPicPr>
+          <p:blipFill>
+            <a:blip r:embed="rId20">
+              <a:extLst>
+                <a:ext uri="{28A0092B-C50C-407E-A947-70E740481C1C}">
+                  <a14:useLocalDpi xmlns:a14="http://schemas.microsoft.com/office/drawing/2010/main" val="0"/>
+                </a:ext>
+                <a:ext uri="{96DAC541-7B7A-43D3-8B79-37D633B846F1}">
+                  <asvg:svgBlip xmlns:asvg="http://schemas.microsoft.com/office/drawing/2016/SVG/main" r:embed="rId21"/>
+                </a:ext>
+              </a:extLst>
+            </a:blip>
+            <a:stretch>
+              <a:fillRect/>
+            </a:stretch>
+          </p:blipFill>
+          <p:spPr>
+            <a:xfrm>
+              <a:off x="8509675" y="2623244"/>
+              <a:ext cx="583525" cy="583525"/>
+            </a:xfrm>
+            <a:prstGeom prst="rect">
+              <a:avLst/>
+            </a:prstGeom>
+          </p:spPr>
+        </p:pic>
+        <p:pic>
+          <p:nvPicPr>
+            <p:cNvPr id="60" name="Graphic 59">
+              <a:extLst>
+                <a:ext uri="{FF2B5EF4-FFF2-40B4-BE49-F238E27FC236}">
+                  <a16:creationId xmlns:a16="http://schemas.microsoft.com/office/drawing/2014/main" id="{6E933CF9-9065-4CA5-BB6E-6DCF86D4C1A7}"/>
+                </a:ext>
+              </a:extLst>
+            </p:cNvPr>
+            <p:cNvPicPr>
+              <a:picLocks noChangeAspect="1"/>
+            </p:cNvPicPr>
+            <p:nvPr/>
+          </p:nvPicPr>
+          <p:blipFill>
+            <a:blip r:embed="rId22">
+              <a:extLst>
+                <a:ext uri="{28A0092B-C50C-407E-A947-70E740481C1C}">
+                  <a14:useLocalDpi xmlns:a14="http://schemas.microsoft.com/office/drawing/2010/main" val="0"/>
+                </a:ext>
+                <a:ext uri="{96DAC541-7B7A-43D3-8B79-37D633B846F1}">
+                  <asvg:svgBlip xmlns:asvg="http://schemas.microsoft.com/office/drawing/2016/SVG/main" r:embed="rId23"/>
+                </a:ext>
+              </a:extLst>
+            </a:blip>
+            <a:stretch>
+              <a:fillRect/>
+            </a:stretch>
+          </p:blipFill>
+          <p:spPr>
+            <a:xfrm>
+              <a:off x="9059537" y="2883767"/>
+              <a:ext cx="171450" cy="171450"/>
+            </a:xfrm>
+            <a:prstGeom prst="rect">
+              <a:avLst/>
+            </a:prstGeom>
+          </p:spPr>
+        </p:pic>
+        <p:pic>
+          <p:nvPicPr>
+            <p:cNvPr id="61" name="Graphic 60">
+              <a:extLst>
+                <a:ext uri="{FF2B5EF4-FFF2-40B4-BE49-F238E27FC236}">
+                  <a16:creationId xmlns:a16="http://schemas.microsoft.com/office/drawing/2014/main" id="{010B8E89-F70A-4ED3-A422-E6B2FF8DC291}"/>
+                </a:ext>
+              </a:extLst>
+            </p:cNvPr>
+            <p:cNvPicPr>
+              <a:picLocks noChangeAspect="1"/>
+            </p:cNvPicPr>
+            <p:nvPr/>
+          </p:nvPicPr>
+          <p:blipFill>
+            <a:blip r:embed="rId24">
+              <a:extLst>
+                <a:ext uri="{28A0092B-C50C-407E-A947-70E740481C1C}">
+                  <a14:useLocalDpi xmlns:a14="http://schemas.microsoft.com/office/drawing/2010/main" val="0"/>
+                </a:ext>
+                <a:ext uri="{96DAC541-7B7A-43D3-8B79-37D633B846F1}">
+                  <asvg:svgBlip xmlns:asvg="http://schemas.microsoft.com/office/drawing/2016/SVG/main" r:embed="rId25"/>
+                </a:ext>
+              </a:extLst>
+            </a:blip>
+            <a:stretch>
+              <a:fillRect/>
+            </a:stretch>
+          </p:blipFill>
+          <p:spPr>
+            <a:xfrm>
+              <a:off x="9076369" y="2682626"/>
+              <a:ext cx="171450" cy="171450"/>
+            </a:xfrm>
+            <a:prstGeom prst="rect">
+              <a:avLst/>
+            </a:prstGeom>
+          </p:spPr>
+        </p:pic>
+      </p:grpSp>
+      <p:pic>
+        <p:nvPicPr>
+          <p:cNvPr id="8" name="Graphic 7">
+            <a:extLst>
+              <a:ext uri="{FF2B5EF4-FFF2-40B4-BE49-F238E27FC236}">
+                <a16:creationId xmlns:a16="http://schemas.microsoft.com/office/drawing/2014/main" id="{169B3D2A-E389-45B1-9A30-7BA179E45EF1}"/>
+              </a:ext>
+            </a:extLst>
+          </p:cNvPr>
+          <p:cNvPicPr>
+            <a:picLocks noChangeAspect="1"/>
+          </p:cNvPicPr>
+          <p:nvPr/>
+        </p:nvPicPr>
+        <p:blipFill>
+          <a:blip r:embed="rId30">
+            <a:extLst>
+              <a:ext uri="{28A0092B-C50C-407E-A947-70E740481C1C}">
+                <a14:useLocalDpi xmlns:a14="http://schemas.microsoft.com/office/drawing/2010/main" val="0"/>
+              </a:ext>
+              <a:ext uri="{96DAC541-7B7A-43D3-8B79-37D633B846F1}">
+                <asvg:svgBlip xmlns:asvg="http://schemas.microsoft.com/office/drawing/2016/SVG/main" r:embed="rId31"/>
+              </a:ext>
+            </a:extLst>
+          </a:blip>
+          <a:stretch>
+            <a:fillRect/>
+          </a:stretch>
+        </p:blipFill>
+        <p:spPr>
+          <a:xfrm>
+            <a:off x="9841893" y="3206769"/>
+            <a:ext cx="456038" cy="456038"/>
+          </a:xfrm>
+          <a:prstGeom prst="rect">
+            <a:avLst/>
+          </a:prstGeom>
+        </p:spPr>
+      </p:pic>
+      <p:pic>
+        <p:nvPicPr>
+          <p:cNvPr id="9" name="Graphic 8">
+            <a:extLst>
+              <a:ext uri="{FF2B5EF4-FFF2-40B4-BE49-F238E27FC236}">
+                <a16:creationId xmlns:a16="http://schemas.microsoft.com/office/drawing/2014/main" id="{29FB4652-2E0C-401B-BF5E-691EB8FDB384}"/>
+              </a:ext>
+            </a:extLst>
+          </p:cNvPr>
+          <p:cNvPicPr>
+            <a:picLocks noChangeAspect="1"/>
+          </p:cNvPicPr>
+          <p:nvPr/>
+        </p:nvPicPr>
+        <p:blipFill>
+          <a:blip r:embed="rId30">
+            <a:extLst>
+              <a:ext uri="{28A0092B-C50C-407E-A947-70E740481C1C}">
+                <a14:useLocalDpi xmlns:a14="http://schemas.microsoft.com/office/drawing/2010/main" val="0"/>
+              </a:ext>
+              <a:ext uri="{96DAC541-7B7A-43D3-8B79-37D633B846F1}">
+                <asvg:svgBlip xmlns:asvg="http://schemas.microsoft.com/office/drawing/2016/SVG/main" r:embed="rId31"/>
+              </a:ext>
+            </a:extLst>
+          </a:blip>
+          <a:stretch>
+            <a:fillRect/>
+          </a:stretch>
+        </p:blipFill>
+        <p:spPr>
+          <a:xfrm>
+            <a:off x="6653589" y="3219902"/>
+            <a:ext cx="456038" cy="456038"/>
+          </a:xfrm>
+          <a:prstGeom prst="rect">
+            <a:avLst/>
+          </a:prstGeom>
+        </p:spPr>
+      </p:pic>
+      <p:cxnSp>
+        <p:nvCxnSpPr>
+          <p:cNvPr id="14" name="Straight Arrow Connector 13">
+            <a:extLst>
+              <a:ext uri="{FF2B5EF4-FFF2-40B4-BE49-F238E27FC236}">
+                <a16:creationId xmlns:a16="http://schemas.microsoft.com/office/drawing/2014/main" id="{FD319165-C002-455D-AF3B-7B13C57567EE}"/>
+              </a:ext>
+            </a:extLst>
+          </p:cNvPr>
+          <p:cNvCxnSpPr>
+            <a:cxnSpLocks/>
+            <a:stCxn id="64" idx="3"/>
+            <a:endCxn id="65" idx="1"/>
+          </p:cNvCxnSpPr>
+          <p:nvPr/>
+        </p:nvCxnSpPr>
+        <p:spPr>
+          <a:xfrm flipV="1">
+            <a:off x="5030907" y="3534555"/>
+            <a:ext cx="1502514" cy="1553"/>
+          </a:xfrm>
+          <a:prstGeom prst="straightConnector1">
+            <a:avLst/>
+          </a:prstGeom>
+          <a:ln>
+            <a:tailEnd type="triangle"/>
+          </a:ln>
+        </p:spPr>
+        <p:style>
+          <a:lnRef idx="1">
+            <a:schemeClr val="accent6"/>
+          </a:lnRef>
+          <a:fillRef idx="0">
+            <a:schemeClr val="accent6"/>
+          </a:fillRef>
+          <a:effectRef idx="0">
+            <a:schemeClr val="accent6"/>
+          </a:effectRef>
+          <a:fontRef idx="minor">
+            <a:schemeClr val="tx1"/>
+          </a:fontRef>
+        </p:style>
+      </p:cxnSp>
+      <p:cxnSp>
+        <p:nvCxnSpPr>
+          <p:cNvPr id="25" name="Connector: Elbow 24">
+            <a:extLst>
+              <a:ext uri="{FF2B5EF4-FFF2-40B4-BE49-F238E27FC236}">
+                <a16:creationId xmlns:a16="http://schemas.microsoft.com/office/drawing/2014/main" id="{A85467A0-89C1-454A-AD5A-593872B313C0}"/>
+              </a:ext>
+            </a:extLst>
+          </p:cNvPr>
+          <p:cNvCxnSpPr>
+            <a:stCxn id="9" idx="0"/>
+            <a:endCxn id="52" idx="1"/>
+          </p:cNvCxnSpPr>
+          <p:nvPr/>
+        </p:nvCxnSpPr>
+        <p:spPr>
+          <a:xfrm rot="5400000" flipH="1" flipV="1">
+            <a:off x="6918739" y="2908659"/>
+            <a:ext cx="274113" cy="348375"/>
+          </a:xfrm>
+          <a:prstGeom prst="bentConnector2">
+            <a:avLst/>
+          </a:prstGeom>
+          <a:ln>
+            <a:tailEnd type="triangle"/>
+          </a:ln>
+        </p:spPr>
+        <p:style>
+          <a:lnRef idx="1">
+            <a:schemeClr val="accent6"/>
+          </a:lnRef>
+          <a:fillRef idx="0">
+            <a:schemeClr val="accent6"/>
+          </a:fillRef>
+          <a:effectRef idx="0">
+            <a:schemeClr val="accent6"/>
+          </a:effectRef>
+          <a:fontRef idx="minor">
+            <a:schemeClr val="tx1"/>
+          </a:fontRef>
+        </p:style>
+      </p:cxnSp>
+      <p:cxnSp>
+        <p:nvCxnSpPr>
+          <p:cNvPr id="27" name="Connector: Elbow 26">
+            <a:extLst>
+              <a:ext uri="{FF2B5EF4-FFF2-40B4-BE49-F238E27FC236}">
+                <a16:creationId xmlns:a16="http://schemas.microsoft.com/office/drawing/2014/main" id="{CF02DB64-A241-4F77-91C3-54E815726B58}"/>
+              </a:ext>
+            </a:extLst>
+          </p:cNvPr>
+          <p:cNvCxnSpPr>
+            <a:cxnSpLocks/>
+            <a:stCxn id="9" idx="2"/>
+            <a:endCxn id="59" idx="1"/>
+          </p:cNvCxnSpPr>
+          <p:nvPr/>
+        </p:nvCxnSpPr>
+        <p:spPr>
+          <a:xfrm rot="16200000" flipH="1">
+            <a:off x="6880605" y="3676942"/>
+            <a:ext cx="354765" cy="352759"/>
+          </a:xfrm>
+          <a:prstGeom prst="bentConnector2">
+            <a:avLst/>
+          </a:prstGeom>
+          <a:ln>
+            <a:tailEnd type="triangle"/>
+          </a:ln>
+        </p:spPr>
+        <p:style>
+          <a:lnRef idx="1">
+            <a:schemeClr val="accent6"/>
+          </a:lnRef>
+          <a:fillRef idx="0">
+            <a:schemeClr val="accent6"/>
+          </a:fillRef>
+          <a:effectRef idx="0">
+            <a:schemeClr val="accent6"/>
+          </a:effectRef>
+          <a:fontRef idx="minor">
+            <a:schemeClr val="tx1"/>
+          </a:fontRef>
+        </p:style>
+      </p:cxnSp>
+      <p:cxnSp>
+        <p:nvCxnSpPr>
+          <p:cNvPr id="30" name="Connector: Elbow 29">
+            <a:extLst>
+              <a:ext uri="{FF2B5EF4-FFF2-40B4-BE49-F238E27FC236}">
+                <a16:creationId xmlns:a16="http://schemas.microsoft.com/office/drawing/2014/main" id="{6E4F9027-2BC5-496F-B1B9-A538739EE37A}"/>
+              </a:ext>
+            </a:extLst>
+          </p:cNvPr>
+          <p:cNvCxnSpPr>
+            <a:cxnSpLocks/>
+            <a:stCxn id="4" idx="0"/>
+            <a:endCxn id="79" idx="1"/>
+          </p:cNvCxnSpPr>
+          <p:nvPr/>
+        </p:nvCxnSpPr>
+        <p:spPr>
+          <a:xfrm rot="5400000" flipH="1" flipV="1">
+            <a:off x="8474675" y="2925547"/>
+            <a:ext cx="255192" cy="295677"/>
+          </a:xfrm>
+          <a:prstGeom prst="bentConnector2">
+            <a:avLst/>
+          </a:prstGeom>
+          <a:ln>
+            <a:tailEnd type="triangle"/>
+          </a:ln>
+        </p:spPr>
+        <p:style>
+          <a:lnRef idx="1">
+            <a:schemeClr val="accent6"/>
+          </a:lnRef>
+          <a:fillRef idx="0">
+            <a:schemeClr val="accent6"/>
+          </a:fillRef>
+          <a:effectRef idx="0">
+            <a:schemeClr val="accent6"/>
+          </a:effectRef>
+          <a:fontRef idx="minor">
+            <a:schemeClr val="tx1"/>
+          </a:fontRef>
+        </p:style>
+      </p:cxnSp>
+      <p:cxnSp>
+        <p:nvCxnSpPr>
+          <p:cNvPr id="35" name="Connector: Elbow 34">
+            <a:extLst>
+              <a:ext uri="{FF2B5EF4-FFF2-40B4-BE49-F238E27FC236}">
+                <a16:creationId xmlns:a16="http://schemas.microsoft.com/office/drawing/2014/main" id="{1E138A4F-AD12-467B-8869-17E23012C172}"/>
+              </a:ext>
+            </a:extLst>
+          </p:cNvPr>
+          <p:cNvCxnSpPr>
+            <a:cxnSpLocks/>
+            <a:stCxn id="4" idx="2"/>
+            <a:endCxn id="44" idx="1"/>
+          </p:cNvCxnSpPr>
+          <p:nvPr/>
+        </p:nvCxnSpPr>
+        <p:spPr>
+          <a:xfrm rot="16200000" flipH="1">
+            <a:off x="8413648" y="3697803"/>
+            <a:ext cx="373686" cy="292117"/>
+          </a:xfrm>
+          <a:prstGeom prst="bentConnector2">
+            <a:avLst/>
+          </a:prstGeom>
+          <a:ln>
+            <a:tailEnd type="triangle"/>
+          </a:ln>
+        </p:spPr>
+        <p:style>
+          <a:lnRef idx="1">
+            <a:schemeClr val="accent6"/>
+          </a:lnRef>
+          <a:fillRef idx="0">
+            <a:schemeClr val="accent6"/>
+          </a:fillRef>
+          <a:effectRef idx="0">
+            <a:schemeClr val="accent6"/>
+          </a:effectRef>
+          <a:fontRef idx="minor">
+            <a:schemeClr val="tx1"/>
+          </a:fontRef>
+        </p:style>
+      </p:cxnSp>
+      <p:cxnSp>
+        <p:nvCxnSpPr>
+          <p:cNvPr id="68" name="Connector: Elbow 67">
+            <a:extLst>
+              <a:ext uri="{FF2B5EF4-FFF2-40B4-BE49-F238E27FC236}">
+                <a16:creationId xmlns:a16="http://schemas.microsoft.com/office/drawing/2014/main" id="{8A11DAF0-8C04-4D0F-9871-8D4047ACD50A}"/>
+              </a:ext>
+            </a:extLst>
+          </p:cNvPr>
+          <p:cNvCxnSpPr>
+            <a:cxnSpLocks/>
+            <a:stCxn id="8" idx="0"/>
+            <a:endCxn id="77" idx="1"/>
+          </p:cNvCxnSpPr>
+          <p:nvPr/>
+        </p:nvCxnSpPr>
+        <p:spPr>
+          <a:xfrm rot="5400000" flipH="1" flipV="1">
+            <a:off x="10157811" y="2881594"/>
+            <a:ext cx="237277" cy="413075"/>
+          </a:xfrm>
+          <a:prstGeom prst="bentConnector2">
+            <a:avLst/>
+          </a:prstGeom>
+          <a:ln>
+            <a:tailEnd type="triangle"/>
+          </a:ln>
+        </p:spPr>
+        <p:style>
+          <a:lnRef idx="1">
+            <a:schemeClr val="accent6"/>
+          </a:lnRef>
+          <a:fillRef idx="0">
+            <a:schemeClr val="accent6"/>
+          </a:fillRef>
+          <a:effectRef idx="0">
+            <a:schemeClr val="accent6"/>
+          </a:effectRef>
+          <a:fontRef idx="minor">
+            <a:schemeClr val="tx1"/>
+          </a:fontRef>
+        </p:style>
+      </p:cxnSp>
+      <p:cxnSp>
+        <p:nvCxnSpPr>
+          <p:cNvPr id="78" name="Connector: Elbow 77">
+            <a:extLst>
+              <a:ext uri="{FF2B5EF4-FFF2-40B4-BE49-F238E27FC236}">
+                <a16:creationId xmlns:a16="http://schemas.microsoft.com/office/drawing/2014/main" id="{D145F760-9CA9-4D0B-8F06-2708F323782E}"/>
+              </a:ext>
+            </a:extLst>
+          </p:cNvPr>
+          <p:cNvCxnSpPr>
+            <a:cxnSpLocks/>
+            <a:stCxn id="8" idx="2"/>
+            <a:endCxn id="2" idx="1"/>
+          </p:cNvCxnSpPr>
+          <p:nvPr/>
+        </p:nvCxnSpPr>
+        <p:spPr>
+          <a:xfrm rot="16200000" flipH="1">
+            <a:off x="10128210" y="3604508"/>
+            <a:ext cx="296478" cy="413075"/>
+          </a:xfrm>
+          <a:prstGeom prst="bentConnector2">
+            <a:avLst/>
+          </a:prstGeom>
+          <a:ln>
+            <a:tailEnd type="triangle"/>
+          </a:ln>
+        </p:spPr>
+        <p:style>
+          <a:lnRef idx="1">
+            <a:schemeClr val="accent1"/>
+          </a:lnRef>
+          <a:fillRef idx="0">
+            <a:schemeClr val="accent1"/>
+          </a:fillRef>
+          <a:effectRef idx="0">
+            <a:schemeClr val="accent1"/>
+          </a:effectRef>
+          <a:fontRef idx="minor">
+            <a:schemeClr val="tx1"/>
+          </a:fontRef>
+        </p:style>
+      </p:cxnSp>
+      <p:cxnSp>
+        <p:nvCxnSpPr>
+          <p:cNvPr id="86" name="Connector: Elbow 85">
+            <a:extLst>
+              <a:ext uri="{FF2B5EF4-FFF2-40B4-BE49-F238E27FC236}">
+                <a16:creationId xmlns:a16="http://schemas.microsoft.com/office/drawing/2014/main" id="{07823E7D-2AFC-4CD5-98DF-1CBD563201E1}"/>
+              </a:ext>
+            </a:extLst>
+          </p:cNvPr>
+          <p:cNvCxnSpPr>
+            <a:cxnSpLocks/>
+            <a:stCxn id="44" idx="0"/>
+            <a:endCxn id="8" idx="1"/>
+          </p:cNvCxnSpPr>
+          <p:nvPr/>
+        </p:nvCxnSpPr>
+        <p:spPr>
+          <a:xfrm rot="5400000" flipH="1" flipV="1">
+            <a:off x="9288026" y="3185075"/>
+            <a:ext cx="304154" cy="803580"/>
+          </a:xfrm>
+          <a:prstGeom prst="bentConnector2">
+            <a:avLst/>
+          </a:prstGeom>
+          <a:ln>
+            <a:tailEnd type="triangle"/>
+          </a:ln>
+        </p:spPr>
+        <p:style>
+          <a:lnRef idx="1">
+            <a:schemeClr val="accent6"/>
+          </a:lnRef>
+          <a:fillRef idx="0">
+            <a:schemeClr val="accent6"/>
+          </a:fillRef>
+          <a:effectRef idx="0">
+            <a:schemeClr val="accent6"/>
+          </a:effectRef>
+          <a:fontRef idx="minor">
+            <a:schemeClr val="tx1"/>
+          </a:fontRef>
+        </p:style>
+      </p:cxnSp>
+      <p:cxnSp>
+        <p:nvCxnSpPr>
+          <p:cNvPr id="93" name="Connector: Elbow 92">
+            <a:extLst>
+              <a:ext uri="{FF2B5EF4-FFF2-40B4-BE49-F238E27FC236}">
+                <a16:creationId xmlns:a16="http://schemas.microsoft.com/office/drawing/2014/main" id="{4DE7BD81-B818-497A-93AA-3369F74BB20F}"/>
+              </a:ext>
+            </a:extLst>
+          </p:cNvPr>
+          <p:cNvCxnSpPr>
+            <a:cxnSpLocks/>
+            <a:stCxn id="79" idx="2"/>
+            <a:endCxn id="8" idx="1"/>
+          </p:cNvCxnSpPr>
+          <p:nvPr/>
+        </p:nvCxnSpPr>
+        <p:spPr>
+          <a:xfrm rot="16200000" flipH="1">
+            <a:off x="9343265" y="2936159"/>
+            <a:ext cx="197237" cy="800020"/>
+          </a:xfrm>
+          <a:prstGeom prst="bentConnector2">
+            <a:avLst/>
+          </a:prstGeom>
+          <a:ln>
+            <a:tailEnd type="triangle"/>
+          </a:ln>
+        </p:spPr>
+        <p:style>
+          <a:lnRef idx="1">
+            <a:schemeClr val="accent6"/>
+          </a:lnRef>
+          <a:fillRef idx="0">
+            <a:schemeClr val="accent6"/>
+          </a:fillRef>
+          <a:effectRef idx="0">
+            <a:schemeClr val="accent6"/>
+          </a:effectRef>
+          <a:fontRef idx="minor">
+            <a:schemeClr val="tx1"/>
+          </a:fontRef>
+        </p:style>
+      </p:cxnSp>
+      <p:cxnSp>
+        <p:nvCxnSpPr>
+          <p:cNvPr id="97" name="Connector: Elbow 96">
+            <a:extLst>
+              <a:ext uri="{FF2B5EF4-FFF2-40B4-BE49-F238E27FC236}">
+                <a16:creationId xmlns:a16="http://schemas.microsoft.com/office/drawing/2014/main" id="{E4BCBDF0-810F-42B4-9E32-93E0B349A4DE}"/>
+              </a:ext>
+            </a:extLst>
+          </p:cNvPr>
+          <p:cNvCxnSpPr>
+            <a:cxnSpLocks/>
+            <a:stCxn id="52" idx="2"/>
+            <a:endCxn id="4" idx="1"/>
+          </p:cNvCxnSpPr>
+          <p:nvPr/>
+        </p:nvCxnSpPr>
+        <p:spPr>
+          <a:xfrm rot="16200000" flipH="1">
+            <a:off x="7778356" y="2980941"/>
+            <a:ext cx="191449" cy="704668"/>
+          </a:xfrm>
+          <a:prstGeom prst="bentConnector2">
+            <a:avLst/>
+          </a:prstGeom>
+          <a:ln>
+            <a:tailEnd type="triangle"/>
+          </a:ln>
+        </p:spPr>
+        <p:style>
+          <a:lnRef idx="1">
+            <a:schemeClr val="accent6"/>
+          </a:lnRef>
+          <a:fillRef idx="0">
+            <a:schemeClr val="accent6"/>
+          </a:fillRef>
+          <a:effectRef idx="0">
+            <a:schemeClr val="accent6"/>
+          </a:effectRef>
+          <a:fontRef idx="minor">
+            <a:schemeClr val="tx1"/>
+          </a:fontRef>
+        </p:style>
+      </p:cxnSp>
+      <p:cxnSp>
+        <p:nvCxnSpPr>
+          <p:cNvPr id="103" name="Connector: Elbow 102">
+            <a:extLst>
+              <a:ext uri="{FF2B5EF4-FFF2-40B4-BE49-F238E27FC236}">
+                <a16:creationId xmlns:a16="http://schemas.microsoft.com/office/drawing/2014/main" id="{F037F50A-B434-460C-AD20-B10BAB3FD027}"/>
+              </a:ext>
+            </a:extLst>
+          </p:cNvPr>
+          <p:cNvCxnSpPr>
+            <a:cxnSpLocks/>
+            <a:stCxn id="59" idx="0"/>
+            <a:endCxn id="4" idx="1"/>
+          </p:cNvCxnSpPr>
+          <p:nvPr/>
+        </p:nvCxnSpPr>
+        <p:spPr>
+          <a:xfrm rot="5400000" flipH="1" flipV="1">
+            <a:off x="7721301" y="3233829"/>
+            <a:ext cx="309942" cy="700284"/>
+          </a:xfrm>
+          <a:prstGeom prst="bentConnector2">
+            <a:avLst/>
+          </a:prstGeom>
+          <a:ln>
+            <a:tailEnd type="triangle"/>
+          </a:ln>
+        </p:spPr>
+        <p:style>
+          <a:lnRef idx="1">
+            <a:schemeClr val="accent6"/>
+          </a:lnRef>
+          <a:fillRef idx="0">
+            <a:schemeClr val="accent6"/>
+          </a:fillRef>
+          <a:effectRef idx="0">
+            <a:schemeClr val="accent6"/>
+          </a:effectRef>
+          <a:fontRef idx="minor">
+            <a:schemeClr val="tx1"/>
+          </a:fontRef>
+        </p:style>
+      </p:cxnSp>
+      <p:grpSp>
+        <p:nvGrpSpPr>
+          <p:cNvPr id="113" name="Group 112">
+            <a:extLst>
+              <a:ext uri="{FF2B5EF4-FFF2-40B4-BE49-F238E27FC236}">
+                <a16:creationId xmlns:a16="http://schemas.microsoft.com/office/drawing/2014/main" id="{1889E31A-A723-4357-8D44-5A8D18B86A9D}"/>
+              </a:ext>
+            </a:extLst>
+          </p:cNvPr>
+          <p:cNvGrpSpPr/>
+          <p:nvPr/>
+        </p:nvGrpSpPr>
+        <p:grpSpPr>
+          <a:xfrm>
+            <a:off x="4400837" y="961995"/>
+            <a:ext cx="526302" cy="215444"/>
+            <a:chOff x="4359039" y="955128"/>
+            <a:chExt cx="526302" cy="215444"/>
+          </a:xfrm>
+        </p:grpSpPr>
+        <p:sp>
+          <p:nvSpPr>
+            <p:cNvPr id="111" name="TextBox 110">
+              <a:extLst>
+                <a:ext uri="{FF2B5EF4-FFF2-40B4-BE49-F238E27FC236}">
+                  <a16:creationId xmlns:a16="http://schemas.microsoft.com/office/drawing/2014/main" id="{4C716A6C-7F75-4F6D-9C09-A8BBFC79B09D}"/>
+                </a:ext>
+              </a:extLst>
+            </p:cNvPr>
+            <p:cNvSpPr txBox="1"/>
+            <p:nvPr/>
+          </p:nvSpPr>
+          <p:spPr>
+            <a:xfrm>
+              <a:off x="4370456" y="955128"/>
+              <a:ext cx="514885" cy="215444"/>
+            </a:xfrm>
+            <a:prstGeom prst="rect">
+              <a:avLst/>
+            </a:prstGeom>
+            <a:noFill/>
+          </p:spPr>
+          <p:txBody>
+            <a:bodyPr wrap="none" rtlCol="0">
+              <a:spAutoFit/>
+            </a:bodyPr>
+            <a:lstStyle/>
+            <a:p>
+              <a:r>
+                <a:rPr lang="fr-FR" sz="800" dirty="0">
+                  <a:solidFill>
+                    <a:srgbClr val="00B0F0"/>
+                  </a:solidFill>
+                  <a:latin typeface="Segoe UI" panose="020B0502040204020203" pitchFamily="34" charset="0"/>
+                  <a:cs typeface="Segoe UI" panose="020B0502040204020203" pitchFamily="34" charset="0"/>
+                </a:rPr>
+                <a:t>Display</a:t>
+              </a:r>
+              <a:endParaRPr lang="en-US" sz="800" dirty="0">
+                <a:solidFill>
+                  <a:srgbClr val="00B0F0"/>
+                </a:solidFill>
+                <a:latin typeface="Segoe UI" panose="020B0502040204020203" pitchFamily="34" charset="0"/>
+                <a:cs typeface="Segoe UI" panose="020B0502040204020203" pitchFamily="34" charset="0"/>
+              </a:endParaRPr>
+            </a:p>
+          </p:txBody>
+        </p:sp>
+        <p:sp>
+          <p:nvSpPr>
+            <p:cNvPr id="112" name="Isosceles Triangle 111">
+              <a:extLst>
+                <a:ext uri="{FF2B5EF4-FFF2-40B4-BE49-F238E27FC236}">
+                  <a16:creationId xmlns:a16="http://schemas.microsoft.com/office/drawing/2014/main" id="{B562871B-EAEC-427B-A96F-4161D5EA3022}"/>
+                </a:ext>
+              </a:extLst>
+            </p:cNvPr>
+            <p:cNvSpPr/>
+            <p:nvPr/>
+          </p:nvSpPr>
+          <p:spPr>
+            <a:xfrm flipV="1">
+              <a:off x="4359039" y="1040777"/>
+              <a:ext cx="83759" cy="45719"/>
+            </a:xfrm>
+            <a:prstGeom prst="triangle">
+              <a:avLst/>
+            </a:prstGeom>
+            <a:solidFill>
+              <a:srgbClr val="00B0F0"/>
+            </a:solidFill>
+            <a:ln>
+              <a:solidFill>
+                <a:srgbClr val="00B0F0"/>
+              </a:solidFill>
+            </a:ln>
+          </p:spPr>
+          <p:style>
+            <a:lnRef idx="2">
+              <a:schemeClr val="accent1">
+                <a:shade val="50000"/>
+              </a:schemeClr>
+            </a:lnRef>
+            <a:fillRef idx="1">
+              <a:schemeClr val="accent1"/>
+            </a:fillRef>
+            <a:effectRef idx="0">
+              <a:schemeClr val="accent1"/>
+            </a:effectRef>
+            <a:fontRef idx="minor">
+              <a:schemeClr val="lt1"/>
+            </a:fontRef>
+          </p:style>
+          <p:txBody>
+            <a:bodyPr rtlCol="0" anchor="ctr"/>
+            <a:lstStyle/>
+            <a:p>
+              <a:pPr algn="ctr"/>
+              <a:endParaRPr lang="en-US"/>
+            </a:p>
+          </p:txBody>
+        </p:sp>
+      </p:grpSp>
+      <p:grpSp>
+        <p:nvGrpSpPr>
+          <p:cNvPr id="80" name="Group 79">
+            <a:extLst>
+              <a:ext uri="{FF2B5EF4-FFF2-40B4-BE49-F238E27FC236}">
+                <a16:creationId xmlns:a16="http://schemas.microsoft.com/office/drawing/2014/main" id="{EE57EC73-8ED9-47F2-B693-4DA177F05EEA}"/>
+              </a:ext>
+            </a:extLst>
+          </p:cNvPr>
+          <p:cNvGrpSpPr/>
+          <p:nvPr/>
+        </p:nvGrpSpPr>
+        <p:grpSpPr>
+          <a:xfrm>
+            <a:off x="5599122" y="962430"/>
+            <a:ext cx="1042468" cy="215444"/>
+            <a:chOff x="4359039" y="955128"/>
+            <a:chExt cx="1042468" cy="215444"/>
+          </a:xfrm>
+        </p:grpSpPr>
+        <p:sp>
+          <p:nvSpPr>
+            <p:cNvPr id="81" name="TextBox 80">
+              <a:extLst>
+                <a:ext uri="{FF2B5EF4-FFF2-40B4-BE49-F238E27FC236}">
+                  <a16:creationId xmlns:a16="http://schemas.microsoft.com/office/drawing/2014/main" id="{99C903EE-F030-4BCD-A951-0E57EC7933D6}"/>
+                </a:ext>
+              </a:extLst>
+            </p:cNvPr>
+            <p:cNvSpPr txBox="1"/>
+            <p:nvPr/>
+          </p:nvSpPr>
+          <p:spPr>
+            <a:xfrm>
+              <a:off x="4370456" y="955128"/>
+              <a:ext cx="1031051" cy="215444"/>
+            </a:xfrm>
+            <a:prstGeom prst="rect">
+              <a:avLst/>
+            </a:prstGeom>
+            <a:noFill/>
+          </p:spPr>
+          <p:txBody>
+            <a:bodyPr wrap="none" rtlCol="0">
+              <a:spAutoFit/>
+            </a:bodyPr>
+            <a:lstStyle/>
+            <a:p>
+              <a:r>
+                <a:rPr lang="fr-FR" sz="800" dirty="0">
+                  <a:solidFill>
+                    <a:srgbClr val="00B0F0"/>
+                  </a:solidFill>
+                  <a:latin typeface="Segoe UI" panose="020B0502040204020203" pitchFamily="34" charset="0"/>
+                  <a:cs typeface="Segoe UI" panose="020B0502040204020203" pitchFamily="34" charset="0"/>
+                </a:rPr>
+                <a:t>Recommandations</a:t>
+              </a:r>
+              <a:endParaRPr lang="en-US" sz="800" dirty="0">
+                <a:solidFill>
+                  <a:srgbClr val="00B0F0"/>
+                </a:solidFill>
+                <a:latin typeface="Segoe UI" panose="020B0502040204020203" pitchFamily="34" charset="0"/>
+                <a:cs typeface="Segoe UI" panose="020B0502040204020203" pitchFamily="34" charset="0"/>
+              </a:endParaRPr>
+            </a:p>
+          </p:txBody>
+        </p:sp>
+        <p:sp>
+          <p:nvSpPr>
+            <p:cNvPr id="82" name="Isosceles Triangle 81">
+              <a:extLst>
+                <a:ext uri="{FF2B5EF4-FFF2-40B4-BE49-F238E27FC236}">
+                  <a16:creationId xmlns:a16="http://schemas.microsoft.com/office/drawing/2014/main" id="{4CD906B4-D4F3-4648-9608-0B48AA14EA7E}"/>
+                </a:ext>
+              </a:extLst>
+            </p:cNvPr>
+            <p:cNvSpPr/>
+            <p:nvPr/>
+          </p:nvSpPr>
+          <p:spPr>
+            <a:xfrm flipV="1">
+              <a:off x="4359039" y="1040777"/>
+              <a:ext cx="83759" cy="45719"/>
+            </a:xfrm>
+            <a:prstGeom prst="triangle">
+              <a:avLst/>
+            </a:prstGeom>
+            <a:solidFill>
+              <a:srgbClr val="00B0F0"/>
+            </a:solidFill>
+            <a:ln>
+              <a:solidFill>
+                <a:srgbClr val="00B0F0"/>
+              </a:solidFill>
+            </a:ln>
+          </p:spPr>
+          <p:style>
+            <a:lnRef idx="2">
+              <a:schemeClr val="accent1">
+                <a:shade val="50000"/>
+              </a:schemeClr>
+            </a:lnRef>
+            <a:fillRef idx="1">
+              <a:schemeClr val="accent1"/>
+            </a:fillRef>
+            <a:effectRef idx="0">
+              <a:schemeClr val="accent1"/>
+            </a:effectRef>
+            <a:fontRef idx="minor">
+              <a:schemeClr val="lt1"/>
+            </a:fontRef>
+          </p:style>
+          <p:txBody>
+            <a:bodyPr rtlCol="0" anchor="ctr"/>
+            <a:lstStyle/>
+            <a:p>
+              <a:pPr algn="ctr"/>
+              <a:endParaRPr lang="en-US"/>
+            </a:p>
+          </p:txBody>
+        </p:sp>
+      </p:grpSp>
+      <p:sp>
+        <p:nvSpPr>
+          <p:cNvPr id="88" name="TextBox 87">
+            <a:extLst>
+              <a:ext uri="{FF2B5EF4-FFF2-40B4-BE49-F238E27FC236}">
+                <a16:creationId xmlns:a16="http://schemas.microsoft.com/office/drawing/2014/main" id="{9D194169-034A-4EDF-961F-8C075C67740C}"/>
+              </a:ext>
+            </a:extLst>
+          </p:cNvPr>
+          <p:cNvSpPr txBox="1"/>
+          <p:nvPr/>
+        </p:nvSpPr>
+        <p:spPr>
+          <a:xfrm>
+            <a:off x="6924628" y="965646"/>
+            <a:ext cx="394660" cy="215444"/>
+          </a:xfrm>
+          <a:prstGeom prst="rect">
+            <a:avLst/>
+          </a:prstGeom>
+          <a:noFill/>
+        </p:spPr>
+        <p:txBody>
+          <a:bodyPr wrap="none" rtlCol="0">
+            <a:spAutoFit/>
+          </a:bodyPr>
+          <a:lstStyle/>
+          <a:p>
+            <a:r>
+              <a:rPr lang="fr-FR" sz="800" dirty="0">
+                <a:solidFill>
+                  <a:srgbClr val="00B0F0"/>
+                </a:solidFill>
+                <a:latin typeface="Segoe UI" panose="020B0502040204020203" pitchFamily="34" charset="0"/>
+                <a:cs typeface="Segoe UI" panose="020B0502040204020203" pitchFamily="34" charset="0"/>
+              </a:rPr>
+              <a:t>Save</a:t>
+            </a:r>
+            <a:endParaRPr lang="en-US" sz="800" dirty="0">
+              <a:solidFill>
+                <a:srgbClr val="00B0F0"/>
+              </a:solidFill>
+              <a:latin typeface="Segoe UI" panose="020B0502040204020203" pitchFamily="34" charset="0"/>
+              <a:cs typeface="Segoe UI" panose="020B0502040204020203" pitchFamily="34" charset="0"/>
+            </a:endParaRPr>
+          </a:p>
+        </p:txBody>
+      </p:sp>
+      <p:sp>
+        <p:nvSpPr>
+          <p:cNvPr id="21" name="TextBox 20">
+            <a:extLst>
+              <a:ext uri="{FF2B5EF4-FFF2-40B4-BE49-F238E27FC236}">
+                <a16:creationId xmlns:a16="http://schemas.microsoft.com/office/drawing/2014/main" id="{26028FC2-8A5F-4ED2-B627-9A406BAC9716}"/>
+              </a:ext>
+            </a:extLst>
+          </p:cNvPr>
+          <p:cNvSpPr txBox="1"/>
+          <p:nvPr/>
+        </p:nvSpPr>
+        <p:spPr>
+          <a:xfrm>
+            <a:off x="7568724" y="961995"/>
+            <a:ext cx="474810" cy="215444"/>
+          </a:xfrm>
+          <a:prstGeom prst="rect">
+            <a:avLst/>
+          </a:prstGeom>
+          <a:noFill/>
+        </p:spPr>
+        <p:txBody>
+          <a:bodyPr wrap="none" rtlCol="0">
+            <a:spAutoFit/>
+          </a:bodyPr>
+          <a:lstStyle/>
+          <a:p>
+            <a:r>
+              <a:rPr lang="fr-FR" sz="800" dirty="0">
+                <a:solidFill>
+                  <a:srgbClr val="00B0F0"/>
+                </a:solidFill>
+                <a:latin typeface="Segoe UI" panose="020B0502040204020203" pitchFamily="34" charset="0"/>
+                <a:cs typeface="Segoe UI" panose="020B0502040204020203" pitchFamily="34" charset="0"/>
+              </a:rPr>
+              <a:t>Export</a:t>
+            </a:r>
+            <a:endParaRPr lang="en-US" sz="800" dirty="0">
+              <a:solidFill>
+                <a:srgbClr val="00B0F0"/>
+              </a:solidFill>
+              <a:latin typeface="Segoe UI" panose="020B0502040204020203" pitchFamily="34" charset="0"/>
+              <a:cs typeface="Segoe UI" panose="020B0502040204020203" pitchFamily="34" charset="0"/>
+            </a:endParaRPr>
+          </a:p>
+        </p:txBody>
+      </p:sp>
+      <p:cxnSp>
+        <p:nvCxnSpPr>
+          <p:cNvPr id="34" name="Connector: Elbow 33">
+            <a:extLst>
+              <a:ext uri="{FF2B5EF4-FFF2-40B4-BE49-F238E27FC236}">
+                <a16:creationId xmlns:a16="http://schemas.microsoft.com/office/drawing/2014/main" id="{36EE5EF3-07DC-4E52-83F7-042517588856}"/>
+              </a:ext>
+            </a:extLst>
+          </p:cNvPr>
+          <p:cNvCxnSpPr>
+            <a:cxnSpLocks/>
+            <a:stCxn id="64" idx="2"/>
+            <a:endCxn id="44" idx="2"/>
+          </p:cNvCxnSpPr>
+          <p:nvPr/>
+        </p:nvCxnSpPr>
+        <p:spPr>
+          <a:xfrm rot="16200000" flipH="1">
+            <a:off x="6703639" y="1987792"/>
+            <a:ext cx="410147" cy="4259201"/>
+          </a:xfrm>
+          <a:prstGeom prst="bentConnector3">
+            <a:avLst>
+              <a:gd name="adj1" fmla="val 324221"/>
+            </a:avLst>
+          </a:prstGeom>
+          <a:ln>
+            <a:solidFill>
+              <a:srgbClr val="FF0000"/>
+            </a:solidFill>
+            <a:tailEnd type="triangle"/>
+          </a:ln>
+        </p:spPr>
+        <p:style>
+          <a:lnRef idx="1">
+            <a:schemeClr val="accent1"/>
+          </a:lnRef>
+          <a:fillRef idx="0">
+            <a:schemeClr val="accent1"/>
+          </a:fillRef>
+          <a:effectRef idx="0">
+            <a:schemeClr val="accent1"/>
+          </a:effectRef>
+          <a:fontRef idx="minor">
+            <a:schemeClr val="tx1"/>
+          </a:fontRef>
+        </p:style>
+      </p:cxnSp>
+      <p:grpSp>
+        <p:nvGrpSpPr>
+          <p:cNvPr id="73" name="Group 72">
+            <a:extLst>
+              <a:ext uri="{FF2B5EF4-FFF2-40B4-BE49-F238E27FC236}">
+                <a16:creationId xmlns:a16="http://schemas.microsoft.com/office/drawing/2014/main" id="{C2CD5E17-8FF1-4A8E-8565-375438E6A900}"/>
+              </a:ext>
+            </a:extLst>
+          </p:cNvPr>
+          <p:cNvGrpSpPr/>
+          <p:nvPr/>
+        </p:nvGrpSpPr>
+        <p:grpSpPr>
+          <a:xfrm>
+            <a:off x="6926497" y="6203536"/>
+            <a:ext cx="976486" cy="200055"/>
+            <a:chOff x="7319288" y="6203537"/>
+            <a:chExt cx="976486" cy="200055"/>
+          </a:xfrm>
+        </p:grpSpPr>
+        <p:cxnSp>
+          <p:nvCxnSpPr>
+            <p:cNvPr id="67" name="Straight Arrow Connector 66">
+              <a:extLst>
+                <a:ext uri="{FF2B5EF4-FFF2-40B4-BE49-F238E27FC236}">
+                  <a16:creationId xmlns:a16="http://schemas.microsoft.com/office/drawing/2014/main" id="{6EEF2814-DF7A-48CB-AAC3-6F0E89E30DAE}"/>
+                </a:ext>
+              </a:extLst>
+            </p:cNvPr>
+            <p:cNvCxnSpPr>
+              <a:cxnSpLocks/>
+            </p:cNvCxnSpPr>
+            <p:nvPr/>
+          </p:nvCxnSpPr>
+          <p:spPr>
+            <a:xfrm>
+              <a:off x="7319288" y="6303565"/>
+              <a:ext cx="206842" cy="0"/>
+            </a:xfrm>
+            <a:prstGeom prst="straightConnector1">
+              <a:avLst/>
+            </a:prstGeom>
+            <a:ln>
+              <a:tailEnd type="triangle"/>
+            </a:ln>
+          </p:spPr>
+          <p:style>
+            <a:lnRef idx="1">
+              <a:schemeClr val="accent1"/>
+            </a:lnRef>
+            <a:fillRef idx="0">
+              <a:schemeClr val="accent1"/>
+            </a:fillRef>
+            <a:effectRef idx="0">
+              <a:schemeClr val="accent1"/>
+            </a:effectRef>
+            <a:fontRef idx="minor">
+              <a:schemeClr val="tx1"/>
+            </a:fontRef>
+          </p:style>
+        </p:cxnSp>
+        <p:sp>
+          <p:nvSpPr>
+            <p:cNvPr id="72" name="TextBox 71">
+              <a:extLst>
+                <a:ext uri="{FF2B5EF4-FFF2-40B4-BE49-F238E27FC236}">
+                  <a16:creationId xmlns:a16="http://schemas.microsoft.com/office/drawing/2014/main" id="{192A4A19-7782-4398-AE17-DA13D77A8D35}"/>
+                </a:ext>
+              </a:extLst>
+            </p:cNvPr>
+            <p:cNvSpPr txBox="1"/>
+            <p:nvPr/>
+          </p:nvSpPr>
+          <p:spPr>
+            <a:xfrm>
+              <a:off x="7526129" y="6203537"/>
+              <a:ext cx="769645" cy="200055"/>
+            </a:xfrm>
+            <a:prstGeom prst="rect">
+              <a:avLst/>
+            </a:prstGeom>
+            <a:noFill/>
+          </p:spPr>
+          <p:txBody>
+            <a:bodyPr wrap="square" rtlCol="0">
+              <a:spAutoFit/>
+            </a:bodyPr>
+            <a:lstStyle/>
+            <a:p>
+              <a:r>
+                <a:rPr lang="fr-FR" sz="700" dirty="0">
+                  <a:latin typeface="Segoe UI" panose="020B0502040204020203" pitchFamily="34" charset="0"/>
+                  <a:cs typeface="Segoe UI" panose="020B0502040204020203" pitchFamily="34" charset="0"/>
+                </a:rPr>
+                <a:t>Defined Link</a:t>
+              </a:r>
+              <a:endParaRPr lang="en-US" sz="700" dirty="0">
+                <a:latin typeface="Segoe UI" panose="020B0502040204020203" pitchFamily="34" charset="0"/>
+                <a:cs typeface="Segoe UI" panose="020B0502040204020203" pitchFamily="34" charset="0"/>
+              </a:endParaRPr>
+            </a:p>
+          </p:txBody>
+        </p:sp>
+      </p:grpSp>
+      <p:grpSp>
+        <p:nvGrpSpPr>
+          <p:cNvPr id="105" name="Group 104">
+            <a:extLst>
+              <a:ext uri="{FF2B5EF4-FFF2-40B4-BE49-F238E27FC236}">
+                <a16:creationId xmlns:a16="http://schemas.microsoft.com/office/drawing/2014/main" id="{DC229D63-29FA-409D-9580-C7DBD0736A67}"/>
+              </a:ext>
+            </a:extLst>
+          </p:cNvPr>
+          <p:cNvGrpSpPr/>
+          <p:nvPr/>
+        </p:nvGrpSpPr>
+        <p:grpSpPr>
+          <a:xfrm>
+            <a:off x="7923715" y="6203536"/>
+            <a:ext cx="1753405" cy="200055"/>
+            <a:chOff x="7319288" y="6203537"/>
+            <a:chExt cx="1753405" cy="200055"/>
+          </a:xfrm>
+        </p:grpSpPr>
+        <p:cxnSp>
+          <p:nvCxnSpPr>
+            <p:cNvPr id="106" name="Straight Arrow Connector 105">
+              <a:extLst>
+                <a:ext uri="{FF2B5EF4-FFF2-40B4-BE49-F238E27FC236}">
+                  <a16:creationId xmlns:a16="http://schemas.microsoft.com/office/drawing/2014/main" id="{9603ECD4-19A0-4A1B-A760-3EFF5EA84270}"/>
+                </a:ext>
+              </a:extLst>
+            </p:cNvPr>
+            <p:cNvCxnSpPr>
+              <a:cxnSpLocks/>
+            </p:cNvCxnSpPr>
+            <p:nvPr/>
+          </p:nvCxnSpPr>
+          <p:spPr>
+            <a:xfrm>
+              <a:off x="7319288" y="6303565"/>
+              <a:ext cx="206842" cy="0"/>
+            </a:xfrm>
+            <a:prstGeom prst="straightConnector1">
+              <a:avLst/>
+            </a:prstGeom>
+            <a:ln>
+              <a:tailEnd type="triangle"/>
+            </a:ln>
+          </p:spPr>
+          <p:style>
+            <a:lnRef idx="1">
+              <a:schemeClr val="accent6"/>
+            </a:lnRef>
+            <a:fillRef idx="0">
+              <a:schemeClr val="accent6"/>
+            </a:fillRef>
+            <a:effectRef idx="0">
+              <a:schemeClr val="accent6"/>
+            </a:effectRef>
+            <a:fontRef idx="minor">
+              <a:schemeClr val="tx1"/>
+            </a:fontRef>
+          </p:style>
+        </p:cxnSp>
+        <p:sp>
+          <p:nvSpPr>
+            <p:cNvPr id="107" name="TextBox 106">
+              <a:extLst>
+                <a:ext uri="{FF2B5EF4-FFF2-40B4-BE49-F238E27FC236}">
+                  <a16:creationId xmlns:a16="http://schemas.microsoft.com/office/drawing/2014/main" id="{B31694D5-E4CF-497B-B91E-9652C3C87823}"/>
+                </a:ext>
+              </a:extLst>
+            </p:cNvPr>
+            <p:cNvSpPr txBox="1"/>
+            <p:nvPr/>
+          </p:nvSpPr>
+          <p:spPr>
+            <a:xfrm>
+              <a:off x="7526129" y="6203537"/>
+              <a:ext cx="1546564" cy="200055"/>
+            </a:xfrm>
+            <a:prstGeom prst="rect">
+              <a:avLst/>
+            </a:prstGeom>
+            <a:noFill/>
+          </p:spPr>
+          <p:txBody>
+            <a:bodyPr wrap="square" rtlCol="0">
+              <a:spAutoFit/>
+            </a:bodyPr>
+            <a:lstStyle/>
+            <a:p>
+              <a:r>
+                <a:rPr lang="fr-FR" sz="700" dirty="0">
+                  <a:latin typeface="Segoe UI" panose="020B0502040204020203" pitchFamily="34" charset="0"/>
+                  <a:cs typeface="Segoe UI" panose="020B0502040204020203" pitchFamily="34" charset="0"/>
+                </a:rPr>
+                <a:t>Defined Link – Traffic Observed</a:t>
+              </a:r>
+            </a:p>
+          </p:txBody>
+        </p:sp>
+      </p:grpSp>
+      <p:grpSp>
+        <p:nvGrpSpPr>
+          <p:cNvPr id="108" name="Group 107">
+            <a:extLst>
+              <a:ext uri="{FF2B5EF4-FFF2-40B4-BE49-F238E27FC236}">
+                <a16:creationId xmlns:a16="http://schemas.microsoft.com/office/drawing/2014/main" id="{72829E9C-0F42-4CF1-B270-A7272D0EC54D}"/>
+              </a:ext>
+            </a:extLst>
+          </p:cNvPr>
+          <p:cNvGrpSpPr/>
+          <p:nvPr/>
+        </p:nvGrpSpPr>
+        <p:grpSpPr>
+          <a:xfrm>
+            <a:off x="9487527" y="6203536"/>
+            <a:ext cx="1753403" cy="200055"/>
+            <a:chOff x="7319288" y="6203537"/>
+            <a:chExt cx="1753403" cy="200055"/>
+          </a:xfrm>
+        </p:grpSpPr>
+        <p:cxnSp>
+          <p:nvCxnSpPr>
+            <p:cNvPr id="109" name="Straight Arrow Connector 108">
+              <a:extLst>
+                <a:ext uri="{FF2B5EF4-FFF2-40B4-BE49-F238E27FC236}">
+                  <a16:creationId xmlns:a16="http://schemas.microsoft.com/office/drawing/2014/main" id="{2B058F79-008A-4BB8-BFB2-D16BEAFF1287}"/>
+                </a:ext>
+              </a:extLst>
+            </p:cNvPr>
+            <p:cNvCxnSpPr>
+              <a:cxnSpLocks/>
+            </p:cNvCxnSpPr>
+            <p:nvPr/>
+          </p:nvCxnSpPr>
+          <p:spPr>
+            <a:xfrm>
+              <a:off x="7319288" y="6303565"/>
+              <a:ext cx="206842" cy="0"/>
+            </a:xfrm>
+            <a:prstGeom prst="straightConnector1">
+              <a:avLst/>
+            </a:prstGeom>
+            <a:ln>
+              <a:solidFill>
+                <a:srgbClr val="FF0000"/>
+              </a:solidFill>
+              <a:tailEnd type="triangle"/>
+            </a:ln>
+          </p:spPr>
+          <p:style>
+            <a:lnRef idx="1">
+              <a:schemeClr val="accent2"/>
+            </a:lnRef>
+            <a:fillRef idx="0">
+              <a:schemeClr val="accent2"/>
+            </a:fillRef>
+            <a:effectRef idx="0">
+              <a:schemeClr val="accent2"/>
+            </a:effectRef>
+            <a:fontRef idx="minor">
+              <a:schemeClr val="tx1"/>
+            </a:fontRef>
+          </p:style>
+        </p:cxnSp>
+        <p:sp>
+          <p:nvSpPr>
+            <p:cNvPr id="110" name="TextBox 109">
+              <a:extLst>
+                <a:ext uri="{FF2B5EF4-FFF2-40B4-BE49-F238E27FC236}">
+                  <a16:creationId xmlns:a16="http://schemas.microsoft.com/office/drawing/2014/main" id="{3FB8E0CD-7798-4061-8CB0-A4D7C08C7C7E}"/>
+                </a:ext>
+              </a:extLst>
+            </p:cNvPr>
+            <p:cNvSpPr txBox="1"/>
+            <p:nvPr/>
+          </p:nvSpPr>
+          <p:spPr>
+            <a:xfrm>
+              <a:off x="7526128" y="6203537"/>
+              <a:ext cx="1546563" cy="200055"/>
+            </a:xfrm>
+            <a:prstGeom prst="rect">
+              <a:avLst/>
+            </a:prstGeom>
+            <a:noFill/>
+          </p:spPr>
+          <p:txBody>
+            <a:bodyPr wrap="square" rtlCol="0">
+              <a:spAutoFit/>
+            </a:bodyPr>
+            <a:lstStyle/>
+            <a:p>
+              <a:r>
+                <a:rPr lang="fr-FR" sz="700" dirty="0">
+                  <a:latin typeface="Segoe UI" panose="020B0502040204020203" pitchFamily="34" charset="0"/>
+                  <a:cs typeface="Segoe UI" panose="020B0502040204020203" pitchFamily="34" charset="0"/>
+                </a:rPr>
+                <a:t>Undefined Link – Traffic Observed</a:t>
+              </a:r>
+              <a:endParaRPr lang="en-US" sz="700" dirty="0">
+                <a:latin typeface="Segoe UI" panose="020B0502040204020203" pitchFamily="34" charset="0"/>
+                <a:cs typeface="Segoe UI" panose="020B0502040204020203" pitchFamily="34" charset="0"/>
+              </a:endParaRPr>
+            </a:p>
+          </p:txBody>
+        </p:sp>
+      </p:grpSp>
+      <p:pic>
+        <p:nvPicPr>
+          <p:cNvPr id="118" name="Graphic 117">
+            <a:extLst>
+              <a:ext uri="{FF2B5EF4-FFF2-40B4-BE49-F238E27FC236}">
+                <a16:creationId xmlns:a16="http://schemas.microsoft.com/office/drawing/2014/main" id="{7F5C8260-8764-453B-B949-041D727E1412}"/>
+              </a:ext>
+            </a:extLst>
+          </p:cNvPr>
+          <p:cNvPicPr>
+            <a:picLocks noChangeAspect="1"/>
+          </p:cNvPicPr>
+          <p:nvPr/>
+        </p:nvPicPr>
+        <p:blipFill>
+          <a:blip r:embed="rId32">
+            <a:extLst>
+              <a:ext uri="{28A0092B-C50C-407E-A947-70E740481C1C}">
+                <a14:useLocalDpi xmlns:a14="http://schemas.microsoft.com/office/drawing/2010/main" val="0"/>
+              </a:ext>
+              <a:ext uri="{96DAC541-7B7A-43D3-8B79-37D633B846F1}">
+                <asvg:svgBlip xmlns:asvg="http://schemas.microsoft.com/office/drawing/2016/SVG/main" r:embed="rId33"/>
+              </a:ext>
+            </a:extLst>
+          </a:blip>
+          <a:stretch>
+            <a:fillRect/>
+          </a:stretch>
+        </p:blipFill>
+        <p:spPr>
+          <a:xfrm>
+            <a:off x="7871555" y="4451247"/>
+            <a:ext cx="171450" cy="171450"/>
+          </a:xfrm>
+          <a:prstGeom prst="rect">
+            <a:avLst/>
+          </a:prstGeom>
+        </p:spPr>
+      </p:pic>
+      <p:pic>
+        <p:nvPicPr>
+          <p:cNvPr id="119" name="Graphic 118">
+            <a:extLst>
+              <a:ext uri="{FF2B5EF4-FFF2-40B4-BE49-F238E27FC236}">
+                <a16:creationId xmlns:a16="http://schemas.microsoft.com/office/drawing/2014/main" id="{B6B9439F-41B2-4C1F-A6E2-E24FFAE02968}"/>
+              </a:ext>
+            </a:extLst>
+          </p:cNvPr>
+          <p:cNvPicPr>
+            <a:picLocks noChangeAspect="1"/>
+          </p:cNvPicPr>
+          <p:nvPr/>
+        </p:nvPicPr>
+        <p:blipFill>
+          <a:blip r:embed="rId32">
+            <a:extLst>
+              <a:ext uri="{28A0092B-C50C-407E-A947-70E740481C1C}">
+                <a14:useLocalDpi xmlns:a14="http://schemas.microsoft.com/office/drawing/2010/main" val="0"/>
+              </a:ext>
+              <a:ext uri="{96DAC541-7B7A-43D3-8B79-37D633B846F1}">
+                <asvg:svgBlip xmlns:asvg="http://schemas.microsoft.com/office/drawing/2016/SVG/main" r:embed="rId33"/>
+              </a:ext>
+            </a:extLst>
+          </a:blip>
+          <a:stretch>
+            <a:fillRect/>
+          </a:stretch>
+        </p:blipFill>
+        <p:spPr>
+          <a:xfrm>
+            <a:off x="9464442" y="4454458"/>
+            <a:ext cx="171450" cy="171450"/>
+          </a:xfrm>
+          <a:prstGeom prst="rect">
+            <a:avLst/>
+          </a:prstGeom>
+        </p:spPr>
+      </p:pic>
+      <p:pic>
+        <p:nvPicPr>
+          <p:cNvPr id="120" name="Graphic 119">
+            <a:extLst>
+              <a:ext uri="{FF2B5EF4-FFF2-40B4-BE49-F238E27FC236}">
+                <a16:creationId xmlns:a16="http://schemas.microsoft.com/office/drawing/2014/main" id="{1B98CC09-88B6-4A13-8785-D9C83922DBDC}"/>
+              </a:ext>
+            </a:extLst>
+          </p:cNvPr>
+          <p:cNvPicPr>
+            <a:picLocks noChangeAspect="1"/>
+          </p:cNvPicPr>
+          <p:nvPr/>
+        </p:nvPicPr>
+        <p:blipFill>
+          <a:blip r:embed="rId32">
+            <a:extLst>
+              <a:ext uri="{28A0092B-C50C-407E-A947-70E740481C1C}">
+                <a14:useLocalDpi xmlns:a14="http://schemas.microsoft.com/office/drawing/2010/main" val="0"/>
+              </a:ext>
+              <a:ext uri="{96DAC541-7B7A-43D3-8B79-37D633B846F1}">
+                <asvg:svgBlip xmlns:asvg="http://schemas.microsoft.com/office/drawing/2016/SVG/main" r:embed="rId33"/>
+              </a:ext>
+            </a:extLst>
+          </a:blip>
+          <a:stretch>
+            <a:fillRect/>
+          </a:stretch>
+        </p:blipFill>
+        <p:spPr>
+          <a:xfrm>
+            <a:off x="11128463" y="4459631"/>
+            <a:ext cx="171450" cy="171450"/>
+          </a:xfrm>
+          <a:prstGeom prst="rect">
+            <a:avLst/>
+          </a:prstGeom>
+        </p:spPr>
+      </p:pic>
+      <p:grpSp>
+        <p:nvGrpSpPr>
+          <p:cNvPr id="10" name="Group 9">
+            <a:extLst>
+              <a:ext uri="{FF2B5EF4-FFF2-40B4-BE49-F238E27FC236}">
+                <a16:creationId xmlns:a16="http://schemas.microsoft.com/office/drawing/2014/main" id="{6EA57B26-ABEB-4D62-823E-75847C869463}"/>
+              </a:ext>
+            </a:extLst>
+          </p:cNvPr>
+          <p:cNvGrpSpPr/>
+          <p:nvPr/>
+        </p:nvGrpSpPr>
+        <p:grpSpPr>
+          <a:xfrm>
+            <a:off x="5521825" y="1165353"/>
+            <a:ext cx="1747838" cy="838201"/>
+            <a:chOff x="0" y="-465138"/>
+            <a:chExt cx="1747838" cy="838201"/>
+          </a:xfrm>
+        </p:grpSpPr>
+        <p:sp>
+          <p:nvSpPr>
+            <p:cNvPr id="3" name="Rectangle 1">
+              <a:extLst>
+                <a:ext uri="{FF2B5EF4-FFF2-40B4-BE49-F238E27FC236}">
+                  <a16:creationId xmlns:a16="http://schemas.microsoft.com/office/drawing/2014/main" id="{84C50C5E-2B76-45BA-8CDE-A5EC20A3F0D2}"/>
+                </a:ext>
+              </a:extLst>
+            </p:cNvPr>
+            <p:cNvSpPr>
+              <a:spLocks noChangeArrowheads="1"/>
+            </p:cNvSpPr>
+            <p:nvPr/>
+          </p:nvSpPr>
+          <p:spPr bwMode="auto">
+            <a:xfrm>
+              <a:off x="0" y="0"/>
+              <a:ext cx="1747838" cy="0"/>
+            </a:xfrm>
+            <a:prstGeom prst="rect">
+              <a:avLst/>
+            </a:prstGeom>
+            <a:noFill/>
+            <a:ln>
+              <a:noFill/>
+            </a:ln>
+            <a:effectLst/>
+            <a:extLst>
+              <a:ext uri="{909E8E84-426E-40DD-AFC4-6F175D3DCCD1}">
+                <a14:hiddenFill xmlns:a14="http://schemas.microsoft.com/office/drawing/2010/main">
+                  <a:solidFill>
+                    <a:schemeClr val="accent1"/>
+                  </a:solidFill>
+                </a14:hiddenFill>
+              </a:ext>
+              <a:ext uri="{91240B29-F687-4F45-9708-019B960494DF}">
+                <a14:hiddenLine xmlns:a14="http://schemas.microsoft.com/office/drawing/2010/main" w="9525">
+                  <a:solidFill>
+                    <a:schemeClr val="tx1"/>
+                  </a:solidFill>
+                  <a:miter lim="800000"/>
+                  <a:headEnd/>
+                  <a:tailEnd/>
+                </a14:hiddenLine>
+              </a:ext>
+              <a:ext uri="{AF507438-7753-43E0-B8FC-AC1667EBCBE1}">
+                <a14:hiddenEffects xmlns:a14="http://schemas.microsoft.com/office/drawing/2010/main">
+                  <a:effectLst>
+                    <a:outerShdw dist="35921" dir="2700000" algn="ctr" rotWithShape="0">
+                      <a:schemeClr val="bg2"/>
+                    </a:outerShdw>
+                  </a:effectLst>
+                </a14:hiddenEffects>
+              </a:ext>
+            </a:extLst>
+          </p:spPr>
+          <p:txBody>
+            <a:bodyPr vert="horz" wrap="none" lIns="222180" tIns="0" rIns="91440" bIns="0" numCol="1" anchor="ctr" anchorCtr="0" compatLnSpc="1">
+              <a:prstTxWarp prst="textNoShape">
+                <a:avLst/>
+              </a:prstTxWarp>
+              <a:spAutoFit/>
+            </a:bodyPr>
+            <a:lstStyle>
+              <a:lvl1pPr eaLnBrk="0" fontAlgn="base" hangingPunct="0">
+                <a:spcBef>
+                  <a:spcPct val="0"/>
+                </a:spcBef>
+                <a:spcAft>
+                  <a:spcPct val="0"/>
+                </a:spcAft>
+                <a:defRPr>
+                  <a:solidFill>
+                    <a:schemeClr val="tx1"/>
+                  </a:solidFill>
+                  <a:latin typeface="Arial" panose="020B0604020202020204" pitchFamily="34" charset="0"/>
+                </a:defRPr>
+              </a:lvl1pPr>
+              <a:lvl2pPr eaLnBrk="0" fontAlgn="base" hangingPunct="0">
+                <a:spcBef>
+                  <a:spcPct val="0"/>
+                </a:spcBef>
+                <a:spcAft>
+                  <a:spcPct val="0"/>
+                </a:spcAft>
+                <a:defRPr>
+                  <a:solidFill>
+                    <a:schemeClr val="tx1"/>
+                  </a:solidFill>
+                  <a:latin typeface="Arial" panose="020B0604020202020204" pitchFamily="34" charset="0"/>
+                </a:defRPr>
+              </a:lvl2pPr>
+              <a:lvl3pPr eaLnBrk="0" fontAlgn="base" hangingPunct="0">
+                <a:spcBef>
+                  <a:spcPct val="0"/>
+                </a:spcBef>
+                <a:spcAft>
+                  <a:spcPct val="0"/>
+                </a:spcAft>
+                <a:defRPr>
+                  <a:solidFill>
+                    <a:schemeClr val="tx1"/>
+                  </a:solidFill>
+                  <a:latin typeface="Arial" panose="020B0604020202020204" pitchFamily="34" charset="0"/>
+                </a:defRPr>
+              </a:lvl3pPr>
+              <a:lvl4pPr eaLnBrk="0" fontAlgn="base" hangingPunct="0">
+                <a:spcBef>
+                  <a:spcPct val="0"/>
+                </a:spcBef>
+                <a:spcAft>
+                  <a:spcPct val="0"/>
+                </a:spcAft>
+                <a:defRPr>
+                  <a:solidFill>
+                    <a:schemeClr val="tx1"/>
+                  </a:solidFill>
+                  <a:latin typeface="Arial" panose="020B0604020202020204" pitchFamily="34" charset="0"/>
+                </a:defRPr>
+              </a:lvl4pPr>
+              <a:lvl5pPr eaLnBrk="0" fontAlgn="base" hangingPunct="0">
+                <a:spcBef>
+                  <a:spcPct val="0"/>
+                </a:spcBef>
+                <a:spcAft>
+                  <a:spcPct val="0"/>
+                </a:spcAft>
+                <a:defRPr>
+                  <a:solidFill>
+                    <a:schemeClr val="tx1"/>
+                  </a:solidFill>
+                  <a:latin typeface="Arial" panose="020B0604020202020204" pitchFamily="34" charset="0"/>
+                </a:defRPr>
+              </a:lvl5pPr>
+              <a:lvl6pPr eaLnBrk="0" fontAlgn="base" hangingPunct="0">
+                <a:spcBef>
+                  <a:spcPct val="0"/>
+                </a:spcBef>
+                <a:spcAft>
+                  <a:spcPct val="0"/>
+                </a:spcAft>
+                <a:defRPr>
+                  <a:solidFill>
+                    <a:schemeClr val="tx1"/>
+                  </a:solidFill>
+                  <a:latin typeface="Arial" panose="020B0604020202020204" pitchFamily="34" charset="0"/>
+                </a:defRPr>
+              </a:lvl6pPr>
+              <a:lvl7pPr eaLnBrk="0" fontAlgn="base" hangingPunct="0">
+                <a:spcBef>
+                  <a:spcPct val="0"/>
+                </a:spcBef>
+                <a:spcAft>
+                  <a:spcPct val="0"/>
+                </a:spcAft>
+                <a:defRPr>
+                  <a:solidFill>
+                    <a:schemeClr val="tx1"/>
+                  </a:solidFill>
+                  <a:latin typeface="Arial" panose="020B0604020202020204" pitchFamily="34" charset="0"/>
+                </a:defRPr>
+              </a:lvl7pPr>
+              <a:lvl8pPr eaLnBrk="0" fontAlgn="base" hangingPunct="0">
+                <a:spcBef>
+                  <a:spcPct val="0"/>
+                </a:spcBef>
+                <a:spcAft>
+                  <a:spcPct val="0"/>
+                </a:spcAft>
+                <a:defRPr>
+                  <a:solidFill>
+                    <a:schemeClr val="tx1"/>
+                  </a:solidFill>
+                  <a:latin typeface="Arial" panose="020B0604020202020204" pitchFamily="34" charset="0"/>
+                </a:defRPr>
+              </a:lvl8pPr>
+              <a:lvl9pPr eaLnBrk="0" fontAlgn="base" hangingPunct="0">
+                <a:spcBef>
+                  <a:spcPct val="0"/>
+                </a:spcBef>
+                <a:spcAft>
+                  <a:spcPct val="0"/>
+                </a:spcAft>
+                <a:defRPr>
+                  <a:solidFill>
+                    <a:schemeClr val="tx1"/>
+                  </a:solidFill>
+                  <a:latin typeface="Arial" panose="020B0604020202020204" pitchFamily="34" charset="0"/>
+                </a:defRPr>
+              </a:lvl9pPr>
+            </a:lstStyle>
+            <a:p>
+              <a:pPr marL="0" marR="0" lvl="0" indent="0" algn="l" defTabSz="914400" rtl="0" eaLnBrk="0" fontAlgn="base" latinLnBrk="0" hangingPunct="0">
+                <a:lnSpc>
+                  <a:spcPct val="100000"/>
+                </a:lnSpc>
+                <a:spcBef>
+                  <a:spcPct val="0"/>
+                </a:spcBef>
+                <a:spcAft>
+                  <a:spcPct val="0"/>
+                </a:spcAft>
+                <a:buClrTx/>
+                <a:buSzTx/>
+                <a:buFontTx/>
+                <a:buNone/>
+                <a:tabLst/>
+              </a:pPr>
+              <a:endParaRPr kumimoji="0" lang="en-US" altLang="en-US" sz="1100" b="0" i="0" u="none" strike="noStrike" cap="none" normalizeH="0" baseline="0">
+                <a:ln>
+                  <a:noFill/>
+                </a:ln>
+                <a:solidFill>
+                  <a:schemeClr val="tx1"/>
+                </a:solidFill>
+                <a:effectLst/>
+                <a:latin typeface="Calibri" panose="020F0502020204030204" pitchFamily="34" charset="0"/>
+                <a:cs typeface="Calibri" panose="020F0502020204030204" pitchFamily="34" charset="0"/>
+              </a:endParaRPr>
+            </a:p>
+            <a:p>
+              <a:pPr marL="0" marR="0" lvl="0" indent="0" algn="l" defTabSz="914400" rtl="0" eaLnBrk="0" fontAlgn="base" latinLnBrk="0" hangingPunct="0">
+                <a:lnSpc>
+                  <a:spcPct val="100000"/>
+                </a:lnSpc>
+                <a:spcBef>
+                  <a:spcPct val="0"/>
+                </a:spcBef>
+                <a:spcAft>
+                  <a:spcPct val="0"/>
+                </a:spcAft>
+                <a:buClrTx/>
+                <a:buSzTx/>
+                <a:buFontTx/>
+                <a:buNone/>
+                <a:tabLst/>
+              </a:pPr>
+              <a:r>
+                <a:rPr kumimoji="0" lang="fr-FR" altLang="en-US" sz="700" b="0" i="0" u="none" strike="noStrike" cap="none" normalizeH="0" baseline="0">
+                  <a:ln>
+                    <a:noFill/>
+                  </a:ln>
+                  <a:solidFill>
+                    <a:srgbClr val="000000"/>
+                  </a:solidFill>
+                  <a:effectLst/>
+                  <a:latin typeface="Segoe UI" panose="020B0502040204020203" pitchFamily="34" charset="0"/>
+                  <a:cs typeface="Segoe UI" panose="020B0502040204020203" pitchFamily="34" charset="0"/>
+                </a:rPr>
+                <a:t>  </a:t>
+              </a:r>
+              <a:r>
+                <a:rPr kumimoji="0" lang="fr-FR" altLang="en-US" sz="900" b="0" i="0" u="none" strike="noStrike" cap="none" normalizeH="0" baseline="0">
+                  <a:ln>
+                    <a:noFill/>
+                  </a:ln>
+                  <a:solidFill>
+                    <a:srgbClr val="000000"/>
+                  </a:solidFill>
+                  <a:effectLst/>
+                  <a:latin typeface="Segoe UI" panose="020B0502040204020203" pitchFamily="34" charset="0"/>
+                  <a:cs typeface="Segoe UI" panose="020B0502040204020203" pitchFamily="34" charset="0"/>
+                </a:rPr>
+                <a:t>     </a:t>
+              </a:r>
+              <a:r>
+                <a:rPr kumimoji="0" lang="fr-FR" altLang="en-US" sz="700" b="0" i="0" u="none" strike="noStrike" cap="none" normalizeH="0" baseline="0">
+                  <a:ln>
+                    <a:noFill/>
+                  </a:ln>
+                  <a:solidFill>
+                    <a:srgbClr val="000000"/>
+                  </a:solidFill>
+                  <a:effectLst/>
+                  <a:latin typeface="Segoe UI" panose="020B0502040204020203" pitchFamily="34" charset="0"/>
+                  <a:cs typeface="Segoe UI" panose="020B0502040204020203" pitchFamily="34" charset="0"/>
+                </a:rPr>
+                <a:t> Azure Advisor</a:t>
+              </a:r>
+              <a:endParaRPr kumimoji="0" lang="en-US" altLang="en-US" sz="1100" b="0" i="0" u="none" strike="noStrike" cap="none" normalizeH="0" baseline="0">
+                <a:ln>
+                  <a:noFill/>
+                </a:ln>
+                <a:solidFill>
+                  <a:schemeClr val="tx1"/>
+                </a:solidFill>
+                <a:effectLst/>
+                <a:latin typeface="Calibri" panose="020F0502020204030204" pitchFamily="34" charset="0"/>
+                <a:cs typeface="Calibri" panose="020F0502020204030204" pitchFamily="34" charset="0"/>
+              </a:endParaRPr>
+            </a:p>
+            <a:p>
+              <a:pPr marL="0" marR="0" lvl="0" indent="0" algn="l" defTabSz="914400" rtl="0" eaLnBrk="0" fontAlgn="base" latinLnBrk="0" hangingPunct="0">
+                <a:lnSpc>
+                  <a:spcPct val="100000"/>
+                </a:lnSpc>
+                <a:spcBef>
+                  <a:spcPct val="0"/>
+                </a:spcBef>
+                <a:spcAft>
+                  <a:spcPct val="0"/>
+                </a:spcAft>
+                <a:buClrTx/>
+                <a:buSzTx/>
+                <a:buFontTx/>
+                <a:buNone/>
+                <a:tabLst/>
+              </a:pPr>
+              <a:r>
+                <a:rPr kumimoji="0" lang="fr-FR" altLang="en-US" sz="700" b="0" i="0" u="none" strike="noStrike" cap="none" normalizeH="0" baseline="0">
+                  <a:ln>
+                    <a:noFill/>
+                  </a:ln>
+                  <a:solidFill>
+                    <a:srgbClr val="000000"/>
+                  </a:solidFill>
+                  <a:effectLst/>
+                  <a:latin typeface="Segoe UI" panose="020B0502040204020203" pitchFamily="34" charset="0"/>
+                  <a:cs typeface="Segoe UI" panose="020B0502040204020203" pitchFamily="34" charset="0"/>
+                </a:rPr>
+                <a:t>  </a:t>
+              </a:r>
+              <a:r>
+                <a:rPr kumimoji="0" lang="fr-FR" altLang="en-US" sz="900" b="0" i="0" u="none" strike="noStrike" cap="none" normalizeH="0" baseline="0">
+                  <a:ln>
+                    <a:noFill/>
+                  </a:ln>
+                  <a:solidFill>
+                    <a:srgbClr val="000000"/>
+                  </a:solidFill>
+                  <a:effectLst/>
+                  <a:latin typeface="Segoe UI" panose="020B0502040204020203" pitchFamily="34" charset="0"/>
+                  <a:cs typeface="Segoe UI" panose="020B0502040204020203" pitchFamily="34" charset="0"/>
+                </a:rPr>
+                <a:t>     </a:t>
+              </a:r>
+              <a:r>
+                <a:rPr kumimoji="0" lang="fr-FR" altLang="en-US" sz="700" b="0" i="0" u="none" strike="noStrike" cap="none" normalizeH="0" baseline="0">
+                  <a:ln>
+                    <a:noFill/>
+                  </a:ln>
+                  <a:solidFill>
+                    <a:srgbClr val="000000"/>
+                  </a:solidFill>
+                  <a:effectLst/>
+                  <a:latin typeface="Segoe UI" panose="020B0502040204020203" pitchFamily="34" charset="0"/>
+                  <a:cs typeface="Segoe UI" panose="020B0502040204020203" pitchFamily="34" charset="0"/>
+                </a:rPr>
+                <a:t> Azure Monitor</a:t>
+              </a:r>
+              <a:endParaRPr kumimoji="0" lang="en-US" altLang="en-US" sz="1100" b="0" i="0" u="none" strike="noStrike" cap="none" normalizeH="0" baseline="0">
+                <a:ln>
+                  <a:noFill/>
+                </a:ln>
+                <a:solidFill>
+                  <a:schemeClr val="tx1"/>
+                </a:solidFill>
+                <a:effectLst/>
+                <a:latin typeface="Calibri" panose="020F0502020204030204" pitchFamily="34" charset="0"/>
+                <a:cs typeface="Calibri" panose="020F0502020204030204" pitchFamily="34" charset="0"/>
+              </a:endParaRPr>
+            </a:p>
+            <a:p>
+              <a:pPr marL="0" marR="0" lvl="0" indent="0" algn="l" defTabSz="914400" rtl="0" eaLnBrk="0" fontAlgn="base" latinLnBrk="0" hangingPunct="0">
+                <a:lnSpc>
+                  <a:spcPct val="100000"/>
+                </a:lnSpc>
+                <a:spcBef>
+                  <a:spcPct val="0"/>
+                </a:spcBef>
+                <a:spcAft>
+                  <a:spcPct val="0"/>
+                </a:spcAft>
+                <a:buClrTx/>
+                <a:buSzTx/>
+                <a:buFontTx/>
+                <a:buNone/>
+                <a:tabLst/>
+              </a:pPr>
+              <a:r>
+                <a:rPr kumimoji="0" lang="fr-FR" altLang="en-US" sz="700" b="0" i="0" u="none" strike="noStrike" cap="none" normalizeH="0" baseline="0">
+                  <a:ln>
+                    <a:noFill/>
+                  </a:ln>
+                  <a:solidFill>
+                    <a:srgbClr val="000000"/>
+                  </a:solidFill>
+                  <a:effectLst/>
+                  <a:latin typeface="Segoe UI" panose="020B0502040204020203" pitchFamily="34" charset="0"/>
+                  <a:cs typeface="Segoe UI" panose="020B0502040204020203" pitchFamily="34" charset="0"/>
+                </a:rPr>
+                <a:t>  </a:t>
+              </a:r>
+              <a:r>
+                <a:rPr kumimoji="0" lang="fr-FR" altLang="en-US" sz="900" b="0" i="0" u="none" strike="noStrike" cap="none" normalizeH="0" baseline="0">
+                  <a:ln>
+                    <a:noFill/>
+                  </a:ln>
+                  <a:solidFill>
+                    <a:srgbClr val="000000"/>
+                  </a:solidFill>
+                  <a:effectLst/>
+                  <a:latin typeface="Segoe UI" panose="020B0502040204020203" pitchFamily="34" charset="0"/>
+                  <a:cs typeface="Segoe UI" panose="020B0502040204020203" pitchFamily="34" charset="0"/>
+                </a:rPr>
+                <a:t>     </a:t>
+              </a:r>
+              <a:r>
+                <a:rPr kumimoji="0" lang="fr-FR" altLang="en-US" sz="700" b="0" i="0" u="none" strike="noStrike" cap="none" normalizeH="0" baseline="0">
+                  <a:ln>
+                    <a:noFill/>
+                  </a:ln>
+                  <a:solidFill>
+                    <a:srgbClr val="000000"/>
+                  </a:solidFill>
+                  <a:effectLst/>
+                  <a:latin typeface="Segoe UI" panose="020B0502040204020203" pitchFamily="34" charset="0"/>
+                  <a:cs typeface="Segoe UI" panose="020B0502040204020203" pitchFamily="34" charset="0"/>
+                </a:rPr>
+                <a:t> Azure Policy</a:t>
+              </a:r>
+              <a:endParaRPr kumimoji="0" lang="en-US" altLang="en-US" sz="1100" b="0" i="0" u="none" strike="noStrike" cap="none" normalizeH="0" baseline="0">
+                <a:ln>
+                  <a:noFill/>
+                </a:ln>
+                <a:solidFill>
+                  <a:schemeClr val="tx1"/>
+                </a:solidFill>
+                <a:effectLst/>
+                <a:latin typeface="Calibri" panose="020F0502020204030204" pitchFamily="34" charset="0"/>
+                <a:cs typeface="Calibri" panose="020F0502020204030204" pitchFamily="34" charset="0"/>
+              </a:endParaRPr>
+            </a:p>
+            <a:p>
+              <a:pPr marL="0" marR="0" lvl="0" indent="0" algn="l" defTabSz="914400" rtl="0" eaLnBrk="0" fontAlgn="base" latinLnBrk="0" hangingPunct="0">
+                <a:lnSpc>
+                  <a:spcPct val="100000"/>
+                </a:lnSpc>
+                <a:spcBef>
+                  <a:spcPct val="0"/>
+                </a:spcBef>
+                <a:spcAft>
+                  <a:spcPct val="0"/>
+                </a:spcAft>
+                <a:buClrTx/>
+                <a:buSzTx/>
+                <a:buFontTx/>
+                <a:buNone/>
+                <a:tabLst/>
+              </a:pPr>
+              <a:r>
+                <a:rPr kumimoji="0" lang="fr-FR" altLang="en-US" sz="700" b="0" i="0" u="none" strike="noStrike" cap="none" normalizeH="0" baseline="0">
+                  <a:ln>
+                    <a:noFill/>
+                  </a:ln>
+                  <a:solidFill>
+                    <a:srgbClr val="000000"/>
+                  </a:solidFill>
+                  <a:effectLst/>
+                  <a:latin typeface="Segoe UI" panose="020B0502040204020203" pitchFamily="34" charset="0"/>
+                  <a:cs typeface="Segoe UI" panose="020B0502040204020203" pitchFamily="34" charset="0"/>
+                </a:rPr>
+                <a:t>  </a:t>
+              </a:r>
+              <a:r>
+                <a:rPr kumimoji="0" lang="fr-FR" altLang="en-US" sz="900" b="0" i="0" u="none" strike="noStrike" cap="none" normalizeH="0" baseline="0">
+                  <a:ln>
+                    <a:noFill/>
+                  </a:ln>
+                  <a:solidFill>
+                    <a:srgbClr val="000000"/>
+                  </a:solidFill>
+                  <a:effectLst/>
+                  <a:latin typeface="Segoe UI" panose="020B0502040204020203" pitchFamily="34" charset="0"/>
+                  <a:cs typeface="Segoe UI" panose="020B0502040204020203" pitchFamily="34" charset="0"/>
+                </a:rPr>
+                <a:t>     </a:t>
+              </a:r>
+              <a:r>
+                <a:rPr kumimoji="0" lang="fr-FR" altLang="en-US" sz="700" b="0" i="0" u="none" strike="noStrike" cap="none" normalizeH="0" baseline="0">
+                  <a:ln>
+                    <a:noFill/>
+                  </a:ln>
+                  <a:solidFill>
+                    <a:srgbClr val="000000"/>
+                  </a:solidFill>
+                  <a:effectLst/>
+                  <a:latin typeface="Segoe UI" panose="020B0502040204020203" pitchFamily="34" charset="0"/>
+                  <a:cs typeface="Segoe UI" panose="020B0502040204020203" pitchFamily="34" charset="0"/>
+                </a:rPr>
+                <a:t> Azure Security Center</a:t>
+              </a:r>
+              <a:endParaRPr kumimoji="0" lang="en-US" altLang="en-US" sz="1100" b="0" i="0" u="none" strike="noStrike" cap="none" normalizeH="0" baseline="0">
+                <a:ln>
+                  <a:noFill/>
+                </a:ln>
+                <a:solidFill>
+                  <a:schemeClr val="tx1"/>
+                </a:solidFill>
+                <a:effectLst/>
+                <a:latin typeface="Calibri" panose="020F0502020204030204" pitchFamily="34" charset="0"/>
+                <a:cs typeface="Calibri" panose="020F0502020204030204" pitchFamily="34" charset="0"/>
+              </a:endParaRPr>
+            </a:p>
+            <a:p>
+              <a:pPr marL="0" marR="0" lvl="0" indent="0" algn="l" defTabSz="914400" rtl="0" eaLnBrk="0" fontAlgn="base" latinLnBrk="0" hangingPunct="0">
+                <a:lnSpc>
+                  <a:spcPct val="100000"/>
+                </a:lnSpc>
+                <a:spcBef>
+                  <a:spcPct val="0"/>
+                </a:spcBef>
+                <a:spcAft>
+                  <a:spcPct val="0"/>
+                </a:spcAft>
+                <a:buClrTx/>
+                <a:buSzTx/>
+                <a:buFontTx/>
+                <a:buNone/>
+                <a:tabLst/>
+              </a:pPr>
+              <a:r>
+                <a:rPr kumimoji="0" lang="fr-FR" altLang="en-US" sz="700" b="0" i="0" u="none" strike="noStrike" cap="none" normalizeH="0" baseline="0">
+                  <a:ln>
+                    <a:noFill/>
+                  </a:ln>
+                  <a:solidFill>
+                    <a:srgbClr val="000000"/>
+                  </a:solidFill>
+                  <a:effectLst/>
+                  <a:latin typeface="Segoe UI" panose="020B0502040204020203" pitchFamily="34" charset="0"/>
+                  <a:cs typeface="Segoe UI" panose="020B0502040204020203" pitchFamily="34" charset="0"/>
+                </a:rPr>
+                <a:t>  </a:t>
+              </a:r>
+              <a:r>
+                <a:rPr kumimoji="0" lang="fr-FR" altLang="en-US" sz="900" b="0" i="0" u="none" strike="noStrike" cap="none" normalizeH="0" baseline="0">
+                  <a:ln>
+                    <a:noFill/>
+                  </a:ln>
+                  <a:solidFill>
+                    <a:srgbClr val="000000"/>
+                  </a:solidFill>
+                  <a:effectLst/>
+                  <a:latin typeface="Segoe UI" panose="020B0502040204020203" pitchFamily="34" charset="0"/>
+                  <a:cs typeface="Segoe UI" panose="020B0502040204020203" pitchFamily="34" charset="0"/>
+                </a:rPr>
+                <a:t>     </a:t>
+              </a:r>
+              <a:r>
+                <a:rPr kumimoji="0" lang="fr-FR" altLang="en-US" sz="700" b="0" i="0" u="none" strike="noStrike" cap="none" normalizeH="0" baseline="0">
+                  <a:ln>
+                    <a:noFill/>
+                  </a:ln>
+                  <a:solidFill>
+                    <a:srgbClr val="000000"/>
+                  </a:solidFill>
+                  <a:effectLst/>
+                  <a:latin typeface="Segoe UI" panose="020B0502040204020203" pitchFamily="34" charset="0"/>
+                  <a:cs typeface="Segoe UI" panose="020B0502040204020203" pitchFamily="34" charset="0"/>
+                </a:rPr>
+                <a:t> Custom Recommandation</a:t>
+              </a:r>
+              <a:endParaRPr kumimoji="0" lang="en-US" altLang="en-US" sz="1100" b="0" i="0" u="none" strike="noStrike" cap="none" normalizeH="0" baseline="0">
+                <a:ln>
+                  <a:noFill/>
+                </a:ln>
+                <a:solidFill>
+                  <a:schemeClr val="tx1"/>
+                </a:solidFill>
+                <a:effectLst/>
+                <a:latin typeface="Calibri" panose="020F0502020204030204" pitchFamily="34" charset="0"/>
+                <a:cs typeface="Calibri" panose="020F0502020204030204" pitchFamily="34" charset="0"/>
+              </a:endParaRPr>
+            </a:p>
+            <a:p>
+              <a:pPr marL="0" marR="0" lvl="0" indent="0" algn="l" defTabSz="914400" rtl="0" eaLnBrk="0" fontAlgn="base" latinLnBrk="0" hangingPunct="0">
+                <a:lnSpc>
+                  <a:spcPct val="100000"/>
+                </a:lnSpc>
+                <a:spcBef>
+                  <a:spcPct val="0"/>
+                </a:spcBef>
+                <a:spcAft>
+                  <a:spcPct val="0"/>
+                </a:spcAft>
+                <a:buClrTx/>
+                <a:buSzTx/>
+                <a:buFontTx/>
+                <a:buNone/>
+                <a:tabLst/>
+              </a:pPr>
+              <a:r>
+                <a:rPr kumimoji="0" lang="fr-FR" altLang="en-US" sz="700" b="0" i="0" u="none" strike="noStrike" cap="none" normalizeH="0" baseline="0">
+                  <a:ln>
+                    <a:noFill/>
+                  </a:ln>
+                  <a:solidFill>
+                    <a:srgbClr val="000000"/>
+                  </a:solidFill>
+                  <a:effectLst/>
+                  <a:latin typeface="Segoe UI" panose="020B0502040204020203" pitchFamily="34" charset="0"/>
+                  <a:cs typeface="Segoe UI" panose="020B0502040204020203" pitchFamily="34" charset="0"/>
+                </a:rPr>
+                <a:t>  </a:t>
+              </a:r>
+              <a:r>
+                <a:rPr kumimoji="0" lang="fr-FR" altLang="en-US" sz="900" b="0" i="0" u="none" strike="noStrike" cap="none" normalizeH="0" baseline="0">
+                  <a:ln>
+                    <a:noFill/>
+                  </a:ln>
+                  <a:solidFill>
+                    <a:srgbClr val="000000"/>
+                  </a:solidFill>
+                  <a:effectLst/>
+                  <a:latin typeface="Segoe UI" panose="020B0502040204020203" pitchFamily="34" charset="0"/>
+                  <a:cs typeface="Segoe UI" panose="020B0502040204020203" pitchFamily="34" charset="0"/>
+                </a:rPr>
+                <a:t>     </a:t>
+              </a:r>
+              <a:r>
+                <a:rPr kumimoji="0" lang="fr-FR" altLang="en-US" sz="700" b="0" i="0" u="none" strike="noStrike" cap="none" normalizeH="0" baseline="0">
+                  <a:ln>
+                    <a:noFill/>
+                  </a:ln>
+                  <a:solidFill>
+                    <a:srgbClr val="000000"/>
+                  </a:solidFill>
+                  <a:effectLst/>
+                  <a:latin typeface="Segoe UI" panose="020B0502040204020203" pitchFamily="34" charset="0"/>
+                  <a:cs typeface="Segoe UI" panose="020B0502040204020203" pitchFamily="34" charset="0"/>
+                </a:rPr>
+                <a:t> Network Analysis</a:t>
+              </a:r>
+              <a:endParaRPr kumimoji="0" lang="en-US" altLang="en-US" sz="1100" b="0" i="0" u="none" strike="noStrike" cap="none" normalizeH="0" baseline="0">
+                <a:ln>
+                  <a:noFill/>
+                </a:ln>
+                <a:solidFill>
+                  <a:schemeClr val="tx1"/>
+                </a:solidFill>
+                <a:effectLst/>
+                <a:latin typeface="Calibri" panose="020F0502020204030204" pitchFamily="34" charset="0"/>
+                <a:cs typeface="Calibri" panose="020F0502020204030204" pitchFamily="34" charset="0"/>
+              </a:endParaRPr>
+            </a:p>
+            <a:p>
+              <a:pPr marL="0" marR="0" lvl="0" indent="0" algn="l" defTabSz="914400" rtl="0" eaLnBrk="0" fontAlgn="base" latinLnBrk="0" hangingPunct="0">
+                <a:lnSpc>
+                  <a:spcPct val="100000"/>
+                </a:lnSpc>
+                <a:spcBef>
+                  <a:spcPct val="0"/>
+                </a:spcBef>
+                <a:spcAft>
+                  <a:spcPct val="0"/>
+                </a:spcAft>
+                <a:buClrTx/>
+                <a:buSzTx/>
+                <a:buFontTx/>
+                <a:buNone/>
+                <a:tabLst/>
+              </a:pPr>
+              <a:endParaRPr kumimoji="0" lang="en-US" altLang="en-US" sz="1800" b="0" i="0" u="none" strike="noStrike" cap="none" normalizeH="0" baseline="0">
+                <a:ln>
+                  <a:noFill/>
+                </a:ln>
+                <a:solidFill>
+                  <a:schemeClr val="tx1"/>
+                </a:solidFill>
+                <a:effectLst/>
+                <a:latin typeface="Arial" panose="020B0604020202020204" pitchFamily="34" charset="0"/>
+              </a:endParaRPr>
+            </a:p>
+          </p:txBody>
+        </p:sp>
+        <p:pic>
+          <p:nvPicPr>
+            <p:cNvPr id="10242" name="Picture 2" descr="To Do">
+              <a:extLst>
+                <a:ext uri="{FF2B5EF4-FFF2-40B4-BE49-F238E27FC236}">
+                  <a16:creationId xmlns:a16="http://schemas.microsoft.com/office/drawing/2014/main" id="{6D40F02F-A42A-48FA-B6D8-234D1617387B}"/>
+                </a:ext>
+              </a:extLst>
+            </p:cNvPr>
+            <p:cNvPicPr>
+              <a:picLocks noChangeAspect="1" noChangeArrowheads="1"/>
+            </p:cNvPicPr>
+            <p:nvPr/>
+          </p:nvPicPr>
+          <p:blipFill>
+            <a:blip r:embed="rId34">
+              <a:extLst>
+                <a:ext uri="{28A0092B-C50C-407E-A947-70E740481C1C}">
+                  <a14:useLocalDpi xmlns:a14="http://schemas.microsoft.com/office/drawing/2010/main" val="0"/>
+                </a:ext>
+              </a:extLst>
+            </a:blip>
+            <a:srcRect/>
+            <a:stretch>
+              <a:fillRect/>
+            </a:stretch>
+          </p:blipFill>
+          <p:spPr bwMode="auto">
+            <a:xfrm>
+              <a:off x="112713" y="-465138"/>
+              <a:ext cx="152400" cy="152400"/>
+            </a:xfrm>
+            <a:prstGeom prst="rect">
+              <a:avLst/>
+            </a:prstGeom>
+            <a:noFill/>
+            <a:extLst>
+              <a:ext uri="{909E8E84-426E-40DD-AFC4-6F175D3DCCD1}">
+                <a14:hiddenFill xmlns:a14="http://schemas.microsoft.com/office/drawing/2010/main">
+                  <a:solidFill>
+                    <a:srgbClr val="FFFFFF"/>
+                  </a:solidFill>
+                </a14:hiddenFill>
+              </a:ext>
+            </a:extLst>
+          </p:spPr>
+        </p:pic>
+        <p:pic>
+          <p:nvPicPr>
+            <p:cNvPr id="10243" name="Picture 3" descr="To Do">
+              <a:extLst>
+                <a:ext uri="{FF2B5EF4-FFF2-40B4-BE49-F238E27FC236}">
+                  <a16:creationId xmlns:a16="http://schemas.microsoft.com/office/drawing/2014/main" id="{FC64AC78-4949-46B1-B27F-78D418ABDF6F}"/>
+                </a:ext>
+              </a:extLst>
+            </p:cNvPr>
+            <p:cNvPicPr>
+              <a:picLocks noChangeAspect="1" noChangeArrowheads="1"/>
+            </p:cNvPicPr>
+            <p:nvPr/>
+          </p:nvPicPr>
+          <p:blipFill>
+            <a:blip r:embed="rId34">
+              <a:extLst>
+                <a:ext uri="{28A0092B-C50C-407E-A947-70E740481C1C}">
+                  <a14:useLocalDpi xmlns:a14="http://schemas.microsoft.com/office/drawing/2010/main" val="0"/>
+                </a:ext>
+              </a:extLst>
+            </a:blip>
+            <a:srcRect/>
+            <a:stretch>
+              <a:fillRect/>
+            </a:stretch>
+          </p:blipFill>
+          <p:spPr bwMode="auto">
+            <a:xfrm>
+              <a:off x="112713" y="-327025"/>
+              <a:ext cx="152400" cy="152400"/>
+            </a:xfrm>
+            <a:prstGeom prst="rect">
+              <a:avLst/>
+            </a:prstGeom>
+            <a:noFill/>
+            <a:extLst>
+              <a:ext uri="{909E8E84-426E-40DD-AFC4-6F175D3DCCD1}">
+                <a14:hiddenFill xmlns:a14="http://schemas.microsoft.com/office/drawing/2010/main">
+                  <a:solidFill>
+                    <a:srgbClr val="FFFFFF"/>
+                  </a:solidFill>
+                </a14:hiddenFill>
+              </a:ext>
+            </a:extLst>
+          </p:spPr>
+        </p:pic>
+        <p:pic>
+          <p:nvPicPr>
+            <p:cNvPr id="10244" name="Picture 4" descr="To Do">
+              <a:extLst>
+                <a:ext uri="{FF2B5EF4-FFF2-40B4-BE49-F238E27FC236}">
+                  <a16:creationId xmlns:a16="http://schemas.microsoft.com/office/drawing/2014/main" id="{F2220395-2F45-4AAD-89E2-72AB7746D9E1}"/>
+                </a:ext>
+              </a:extLst>
+            </p:cNvPr>
+            <p:cNvPicPr>
+              <a:picLocks noChangeAspect="1" noChangeArrowheads="1"/>
+            </p:cNvPicPr>
+            <p:nvPr/>
+          </p:nvPicPr>
+          <p:blipFill>
+            <a:blip r:embed="rId34">
+              <a:extLst>
+                <a:ext uri="{28A0092B-C50C-407E-A947-70E740481C1C}">
+                  <a14:useLocalDpi xmlns:a14="http://schemas.microsoft.com/office/drawing/2010/main" val="0"/>
+                </a:ext>
+              </a:extLst>
+            </a:blip>
+            <a:srcRect/>
+            <a:stretch>
+              <a:fillRect/>
+            </a:stretch>
+          </p:blipFill>
+          <p:spPr bwMode="auto">
+            <a:xfrm>
+              <a:off x="112713" y="-190500"/>
+              <a:ext cx="152400" cy="152400"/>
+            </a:xfrm>
+            <a:prstGeom prst="rect">
+              <a:avLst/>
+            </a:prstGeom>
+            <a:noFill/>
+            <a:extLst>
+              <a:ext uri="{909E8E84-426E-40DD-AFC4-6F175D3DCCD1}">
+                <a14:hiddenFill xmlns:a14="http://schemas.microsoft.com/office/drawing/2010/main">
+                  <a:solidFill>
+                    <a:srgbClr val="FFFFFF"/>
+                  </a:solidFill>
+                </a14:hiddenFill>
+              </a:ext>
+            </a:extLst>
+          </p:spPr>
+        </p:pic>
+        <p:pic>
+          <p:nvPicPr>
+            <p:cNvPr id="10245" name="Picture 5" descr="To Do">
+              <a:extLst>
+                <a:ext uri="{FF2B5EF4-FFF2-40B4-BE49-F238E27FC236}">
+                  <a16:creationId xmlns:a16="http://schemas.microsoft.com/office/drawing/2014/main" id="{966A7312-0BD4-4FC2-98EC-827809493338}"/>
+                </a:ext>
+              </a:extLst>
+            </p:cNvPr>
+            <p:cNvPicPr>
+              <a:picLocks noChangeAspect="1" noChangeArrowheads="1"/>
+            </p:cNvPicPr>
+            <p:nvPr/>
+          </p:nvPicPr>
+          <p:blipFill>
+            <a:blip r:embed="rId35">
+              <a:extLst>
+                <a:ext uri="{28A0092B-C50C-407E-A947-70E740481C1C}">
+                  <a14:useLocalDpi xmlns:a14="http://schemas.microsoft.com/office/drawing/2010/main" val="0"/>
+                </a:ext>
+              </a:extLst>
+            </a:blip>
+            <a:srcRect/>
+            <a:stretch>
+              <a:fillRect/>
+            </a:stretch>
+          </p:blipFill>
+          <p:spPr bwMode="auto">
+            <a:xfrm>
+              <a:off x="112713" y="-53975"/>
+              <a:ext cx="152400" cy="152400"/>
+            </a:xfrm>
+            <a:prstGeom prst="rect">
+              <a:avLst/>
+            </a:prstGeom>
+            <a:noFill/>
+            <a:extLst>
+              <a:ext uri="{909E8E84-426E-40DD-AFC4-6F175D3DCCD1}">
+                <a14:hiddenFill xmlns:a14="http://schemas.microsoft.com/office/drawing/2010/main">
+                  <a:solidFill>
+                    <a:srgbClr val="FFFFFF"/>
+                  </a:solidFill>
+                </a14:hiddenFill>
+              </a:ext>
+            </a:extLst>
+          </p:spPr>
+        </p:pic>
+        <p:pic>
+          <p:nvPicPr>
+            <p:cNvPr id="10246" name="Picture 6" descr="To Do">
+              <a:extLst>
+                <a:ext uri="{FF2B5EF4-FFF2-40B4-BE49-F238E27FC236}">
+                  <a16:creationId xmlns:a16="http://schemas.microsoft.com/office/drawing/2014/main" id="{6C64EFA2-370C-47E5-B2A8-639D218432DF}"/>
+                </a:ext>
+              </a:extLst>
+            </p:cNvPr>
+            <p:cNvPicPr>
+              <a:picLocks noChangeAspect="1" noChangeArrowheads="1"/>
+            </p:cNvPicPr>
+            <p:nvPr/>
+          </p:nvPicPr>
+          <p:blipFill>
+            <a:blip r:embed="rId34">
+              <a:extLst>
+                <a:ext uri="{28A0092B-C50C-407E-A947-70E740481C1C}">
+                  <a14:useLocalDpi xmlns:a14="http://schemas.microsoft.com/office/drawing/2010/main" val="0"/>
+                </a:ext>
+              </a:extLst>
+            </a:blip>
+            <a:srcRect/>
+            <a:stretch>
+              <a:fillRect/>
+            </a:stretch>
+          </p:blipFill>
+          <p:spPr bwMode="auto">
+            <a:xfrm>
+              <a:off x="112713" y="84138"/>
+              <a:ext cx="152400" cy="152400"/>
+            </a:xfrm>
+            <a:prstGeom prst="rect">
+              <a:avLst/>
+            </a:prstGeom>
+            <a:noFill/>
+            <a:extLst>
+              <a:ext uri="{909E8E84-426E-40DD-AFC4-6F175D3DCCD1}">
+                <a14:hiddenFill xmlns:a14="http://schemas.microsoft.com/office/drawing/2010/main">
+                  <a:solidFill>
+                    <a:srgbClr val="FFFFFF"/>
+                  </a:solidFill>
+                </a14:hiddenFill>
+              </a:ext>
+            </a:extLst>
+          </p:spPr>
+        </p:pic>
+        <p:pic>
+          <p:nvPicPr>
+            <p:cNvPr id="10247" name="Picture 7" descr="To Do">
+              <a:extLst>
+                <a:ext uri="{FF2B5EF4-FFF2-40B4-BE49-F238E27FC236}">
+                  <a16:creationId xmlns:a16="http://schemas.microsoft.com/office/drawing/2014/main" id="{7382E7A8-2C01-44BD-A9C8-A475D2C127F3}"/>
+                </a:ext>
+              </a:extLst>
+            </p:cNvPr>
+            <p:cNvPicPr>
+              <a:picLocks noChangeAspect="1" noChangeArrowheads="1"/>
+            </p:cNvPicPr>
+            <p:nvPr/>
+          </p:nvPicPr>
+          <p:blipFill>
+            <a:blip r:embed="rId35">
+              <a:extLst>
+                <a:ext uri="{28A0092B-C50C-407E-A947-70E740481C1C}">
+                  <a14:useLocalDpi xmlns:a14="http://schemas.microsoft.com/office/drawing/2010/main" val="0"/>
+                </a:ext>
+              </a:extLst>
+            </a:blip>
+            <a:srcRect/>
+            <a:stretch>
+              <a:fillRect/>
+            </a:stretch>
+          </p:blipFill>
+          <p:spPr bwMode="auto">
+            <a:xfrm>
+              <a:off x="112713" y="220663"/>
+              <a:ext cx="152400" cy="152400"/>
+            </a:xfrm>
+            <a:prstGeom prst="rect">
+              <a:avLst/>
+            </a:prstGeom>
+            <a:noFill/>
+            <a:extLst>
+              <a:ext uri="{909E8E84-426E-40DD-AFC4-6F175D3DCCD1}">
+                <a14:hiddenFill xmlns:a14="http://schemas.microsoft.com/office/drawing/2010/main">
+                  <a:solidFill>
+                    <a:srgbClr val="FFFFFF"/>
+                  </a:solidFill>
+                </a14:hiddenFill>
+              </a:ext>
+            </a:extLst>
+          </p:spPr>
+        </p:pic>
+      </p:grpSp>
+      <p:grpSp>
+        <p:nvGrpSpPr>
+          <p:cNvPr id="13" name="Group 12">
+            <a:extLst>
+              <a:ext uri="{FF2B5EF4-FFF2-40B4-BE49-F238E27FC236}">
+                <a16:creationId xmlns:a16="http://schemas.microsoft.com/office/drawing/2014/main" id="{62D912BB-6A4A-49A3-B52B-D304CEC680E7}"/>
+              </a:ext>
+            </a:extLst>
+          </p:cNvPr>
+          <p:cNvGrpSpPr/>
+          <p:nvPr/>
+        </p:nvGrpSpPr>
+        <p:grpSpPr>
+          <a:xfrm>
+            <a:off x="4338084" y="1158210"/>
+            <a:ext cx="1493838" cy="563563"/>
+            <a:chOff x="0" y="-327025"/>
+            <a:chExt cx="1493838" cy="563563"/>
+          </a:xfrm>
+        </p:grpSpPr>
+        <p:sp>
+          <p:nvSpPr>
+            <p:cNvPr id="12" name="Rectangle 1">
+              <a:extLst>
+                <a:ext uri="{FF2B5EF4-FFF2-40B4-BE49-F238E27FC236}">
+                  <a16:creationId xmlns:a16="http://schemas.microsoft.com/office/drawing/2014/main" id="{9B50670B-B8E1-4762-96DB-364B370BDF26}"/>
+                </a:ext>
+              </a:extLst>
+            </p:cNvPr>
+            <p:cNvSpPr>
+              <a:spLocks noChangeArrowheads="1"/>
+            </p:cNvSpPr>
+            <p:nvPr/>
+          </p:nvSpPr>
+          <p:spPr bwMode="auto">
+            <a:xfrm>
+              <a:off x="0" y="0"/>
+              <a:ext cx="1493838" cy="0"/>
+            </a:xfrm>
+            <a:prstGeom prst="rect">
+              <a:avLst/>
+            </a:prstGeom>
+            <a:noFill/>
+            <a:ln>
+              <a:noFill/>
+            </a:ln>
+            <a:effectLst/>
+            <a:extLst>
+              <a:ext uri="{909E8E84-426E-40DD-AFC4-6F175D3DCCD1}">
+                <a14:hiddenFill xmlns:a14="http://schemas.microsoft.com/office/drawing/2010/main">
+                  <a:solidFill>
+                    <a:schemeClr val="accent1"/>
+                  </a:solidFill>
+                </a14:hiddenFill>
+              </a:ext>
+              <a:ext uri="{91240B29-F687-4F45-9708-019B960494DF}">
+                <a14:hiddenLine xmlns:a14="http://schemas.microsoft.com/office/drawing/2010/main" w="9525">
+                  <a:solidFill>
+                    <a:schemeClr val="tx1"/>
+                  </a:solidFill>
+                  <a:miter lim="800000"/>
+                  <a:headEnd/>
+                  <a:tailEnd/>
+                </a14:hiddenLine>
+              </a:ext>
+              <a:ext uri="{AF507438-7753-43E0-B8FC-AC1667EBCBE1}">
+                <a14:hiddenEffects xmlns:a14="http://schemas.microsoft.com/office/drawing/2010/main">
+                  <a:effectLst>
+                    <a:outerShdw dist="35921" dir="2700000" algn="ctr" rotWithShape="0">
+                      <a:schemeClr val="bg2"/>
+                    </a:outerShdw>
+                  </a:effectLst>
+                </a14:hiddenEffects>
+              </a:ext>
+            </a:extLst>
+          </p:spPr>
+          <p:txBody>
+            <a:bodyPr vert="horz" wrap="none" lIns="222180" tIns="0" rIns="91440" bIns="0" numCol="1" anchor="ctr" anchorCtr="0" compatLnSpc="1">
+              <a:prstTxWarp prst="textNoShape">
+                <a:avLst/>
+              </a:prstTxWarp>
+              <a:spAutoFit/>
+            </a:bodyPr>
+            <a:lstStyle>
+              <a:lvl1pPr eaLnBrk="0" fontAlgn="base" hangingPunct="0">
+                <a:spcBef>
+                  <a:spcPct val="0"/>
+                </a:spcBef>
+                <a:spcAft>
+                  <a:spcPct val="0"/>
+                </a:spcAft>
+                <a:defRPr>
+                  <a:solidFill>
+                    <a:schemeClr val="tx1"/>
+                  </a:solidFill>
+                  <a:latin typeface="Arial" panose="020B0604020202020204" pitchFamily="34" charset="0"/>
+                </a:defRPr>
+              </a:lvl1pPr>
+              <a:lvl2pPr eaLnBrk="0" fontAlgn="base" hangingPunct="0">
+                <a:spcBef>
+                  <a:spcPct val="0"/>
+                </a:spcBef>
+                <a:spcAft>
+                  <a:spcPct val="0"/>
+                </a:spcAft>
+                <a:defRPr>
+                  <a:solidFill>
+                    <a:schemeClr val="tx1"/>
+                  </a:solidFill>
+                  <a:latin typeface="Arial" panose="020B0604020202020204" pitchFamily="34" charset="0"/>
+                </a:defRPr>
+              </a:lvl2pPr>
+              <a:lvl3pPr eaLnBrk="0" fontAlgn="base" hangingPunct="0">
+                <a:spcBef>
+                  <a:spcPct val="0"/>
+                </a:spcBef>
+                <a:spcAft>
+                  <a:spcPct val="0"/>
+                </a:spcAft>
+                <a:defRPr>
+                  <a:solidFill>
+                    <a:schemeClr val="tx1"/>
+                  </a:solidFill>
+                  <a:latin typeface="Arial" panose="020B0604020202020204" pitchFamily="34" charset="0"/>
+                </a:defRPr>
+              </a:lvl3pPr>
+              <a:lvl4pPr eaLnBrk="0" fontAlgn="base" hangingPunct="0">
+                <a:spcBef>
+                  <a:spcPct val="0"/>
+                </a:spcBef>
+                <a:spcAft>
+                  <a:spcPct val="0"/>
+                </a:spcAft>
+                <a:defRPr>
+                  <a:solidFill>
+                    <a:schemeClr val="tx1"/>
+                  </a:solidFill>
+                  <a:latin typeface="Arial" panose="020B0604020202020204" pitchFamily="34" charset="0"/>
+                </a:defRPr>
+              </a:lvl4pPr>
+              <a:lvl5pPr eaLnBrk="0" fontAlgn="base" hangingPunct="0">
+                <a:spcBef>
+                  <a:spcPct val="0"/>
+                </a:spcBef>
+                <a:spcAft>
+                  <a:spcPct val="0"/>
+                </a:spcAft>
+                <a:defRPr>
+                  <a:solidFill>
+                    <a:schemeClr val="tx1"/>
+                  </a:solidFill>
+                  <a:latin typeface="Arial" panose="020B0604020202020204" pitchFamily="34" charset="0"/>
+                </a:defRPr>
+              </a:lvl5pPr>
+              <a:lvl6pPr eaLnBrk="0" fontAlgn="base" hangingPunct="0">
+                <a:spcBef>
+                  <a:spcPct val="0"/>
+                </a:spcBef>
+                <a:spcAft>
+                  <a:spcPct val="0"/>
+                </a:spcAft>
+                <a:defRPr>
+                  <a:solidFill>
+                    <a:schemeClr val="tx1"/>
+                  </a:solidFill>
+                  <a:latin typeface="Arial" panose="020B0604020202020204" pitchFamily="34" charset="0"/>
+                </a:defRPr>
+              </a:lvl6pPr>
+              <a:lvl7pPr eaLnBrk="0" fontAlgn="base" hangingPunct="0">
+                <a:spcBef>
+                  <a:spcPct val="0"/>
+                </a:spcBef>
+                <a:spcAft>
+                  <a:spcPct val="0"/>
+                </a:spcAft>
+                <a:defRPr>
+                  <a:solidFill>
+                    <a:schemeClr val="tx1"/>
+                  </a:solidFill>
+                  <a:latin typeface="Arial" panose="020B0604020202020204" pitchFamily="34" charset="0"/>
+                </a:defRPr>
+              </a:lvl7pPr>
+              <a:lvl8pPr eaLnBrk="0" fontAlgn="base" hangingPunct="0">
+                <a:spcBef>
+                  <a:spcPct val="0"/>
+                </a:spcBef>
+                <a:spcAft>
+                  <a:spcPct val="0"/>
+                </a:spcAft>
+                <a:defRPr>
+                  <a:solidFill>
+                    <a:schemeClr val="tx1"/>
+                  </a:solidFill>
+                  <a:latin typeface="Arial" panose="020B0604020202020204" pitchFamily="34" charset="0"/>
+                </a:defRPr>
+              </a:lvl8pPr>
+              <a:lvl9pPr eaLnBrk="0" fontAlgn="base" hangingPunct="0">
+                <a:spcBef>
+                  <a:spcPct val="0"/>
+                </a:spcBef>
+                <a:spcAft>
+                  <a:spcPct val="0"/>
+                </a:spcAft>
+                <a:defRPr>
+                  <a:solidFill>
+                    <a:schemeClr val="tx1"/>
+                  </a:solidFill>
+                  <a:latin typeface="Arial" panose="020B0604020202020204" pitchFamily="34" charset="0"/>
+                </a:defRPr>
+              </a:lvl9pPr>
+            </a:lstStyle>
+            <a:p>
+              <a:pPr marL="0" marR="0" lvl="0" indent="0" algn="l" defTabSz="914400" rtl="0" eaLnBrk="0" fontAlgn="base" latinLnBrk="0" hangingPunct="0">
+                <a:lnSpc>
+                  <a:spcPct val="100000"/>
+                </a:lnSpc>
+                <a:spcBef>
+                  <a:spcPct val="0"/>
+                </a:spcBef>
+                <a:spcAft>
+                  <a:spcPct val="0"/>
+                </a:spcAft>
+                <a:buClrTx/>
+                <a:buSzTx/>
+                <a:buFontTx/>
+                <a:buNone/>
+                <a:tabLst/>
+              </a:pPr>
+              <a:endParaRPr kumimoji="0" lang="en-US" altLang="en-US" sz="1100" b="0" i="0" u="none" strike="noStrike" cap="none" normalizeH="0" baseline="0" dirty="0">
+                <a:ln>
+                  <a:noFill/>
+                </a:ln>
+                <a:solidFill>
+                  <a:schemeClr val="tx1"/>
+                </a:solidFill>
+                <a:effectLst/>
+                <a:latin typeface="Calibri" panose="020F0502020204030204" pitchFamily="34" charset="0"/>
+                <a:cs typeface="Calibri" panose="020F0502020204030204" pitchFamily="34" charset="0"/>
+              </a:endParaRPr>
+            </a:p>
+            <a:p>
+              <a:pPr marL="0" marR="0" lvl="0" indent="0" algn="l" defTabSz="914400" rtl="0" eaLnBrk="0" fontAlgn="base" latinLnBrk="0" hangingPunct="0">
+                <a:lnSpc>
+                  <a:spcPct val="100000"/>
+                </a:lnSpc>
+                <a:spcBef>
+                  <a:spcPct val="0"/>
+                </a:spcBef>
+                <a:spcAft>
+                  <a:spcPct val="0"/>
+                </a:spcAft>
+                <a:buClrTx/>
+                <a:buSzTx/>
+                <a:buFontTx/>
+                <a:buNone/>
+                <a:tabLst/>
+              </a:pPr>
+              <a:r>
+                <a:rPr kumimoji="0" lang="fr-FR" altLang="en-US" sz="700" b="0" i="0" u="none" strike="noStrike" cap="none" normalizeH="0" baseline="0" dirty="0">
+                  <a:ln>
+                    <a:noFill/>
+                  </a:ln>
+                  <a:solidFill>
+                    <a:srgbClr val="000000"/>
+                  </a:solidFill>
+                  <a:effectLst/>
+                  <a:latin typeface="Segoe UI" panose="020B0502040204020203" pitchFamily="34" charset="0"/>
+                  <a:cs typeface="Segoe UI" panose="020B0502040204020203" pitchFamily="34" charset="0"/>
+                </a:rPr>
+                <a:t>  </a:t>
+              </a:r>
+              <a:r>
+                <a:rPr kumimoji="0" lang="fr-FR" altLang="en-US" sz="900" b="0" i="0" u="none" strike="noStrike" cap="none" normalizeH="0" baseline="0" dirty="0">
+                  <a:ln>
+                    <a:noFill/>
+                  </a:ln>
+                  <a:solidFill>
+                    <a:srgbClr val="000000"/>
+                  </a:solidFill>
+                  <a:effectLst/>
+                  <a:latin typeface="Segoe UI" panose="020B0502040204020203" pitchFamily="34" charset="0"/>
+                  <a:cs typeface="Segoe UI" panose="020B0502040204020203" pitchFamily="34" charset="0"/>
+                </a:rPr>
+                <a:t>     </a:t>
+              </a:r>
+              <a:r>
+                <a:rPr kumimoji="0" lang="fr-FR" altLang="en-US" sz="700" b="0" i="0" u="none" strike="noStrike" cap="none" normalizeH="0" baseline="0" dirty="0">
+                  <a:ln>
+                    <a:noFill/>
+                  </a:ln>
+                  <a:solidFill>
+                    <a:srgbClr val="000000"/>
+                  </a:solidFill>
+                  <a:effectLst/>
+                  <a:latin typeface="Segoe UI" panose="020B0502040204020203" pitchFamily="34" charset="0"/>
+                  <a:cs typeface="Segoe UI" panose="020B0502040204020203" pitchFamily="34" charset="0"/>
+                </a:rPr>
+                <a:t> Resource Name</a:t>
+              </a:r>
+              <a:endParaRPr kumimoji="0" lang="en-US" altLang="en-US" sz="1100" b="0" i="0" u="none" strike="noStrike" cap="none" normalizeH="0" baseline="0" dirty="0">
+                <a:ln>
+                  <a:noFill/>
+                </a:ln>
+                <a:solidFill>
+                  <a:schemeClr val="tx1"/>
+                </a:solidFill>
+                <a:effectLst/>
+                <a:latin typeface="Calibri" panose="020F0502020204030204" pitchFamily="34" charset="0"/>
+                <a:cs typeface="Calibri" panose="020F0502020204030204" pitchFamily="34" charset="0"/>
+              </a:endParaRPr>
+            </a:p>
+            <a:p>
+              <a:pPr marL="0" marR="0" lvl="0" indent="0" algn="l" defTabSz="914400" rtl="0" eaLnBrk="0" fontAlgn="base" latinLnBrk="0" hangingPunct="0">
+                <a:lnSpc>
+                  <a:spcPct val="100000"/>
+                </a:lnSpc>
+                <a:spcBef>
+                  <a:spcPct val="0"/>
+                </a:spcBef>
+                <a:spcAft>
+                  <a:spcPct val="0"/>
+                </a:spcAft>
+                <a:buClrTx/>
+                <a:buSzTx/>
+                <a:buFontTx/>
+                <a:buNone/>
+                <a:tabLst/>
+              </a:pPr>
+              <a:r>
+                <a:rPr kumimoji="0" lang="fr-FR" altLang="en-US" sz="700" b="0" i="0" u="none" strike="noStrike" cap="none" normalizeH="0" baseline="0" dirty="0">
+                  <a:ln>
+                    <a:noFill/>
+                  </a:ln>
+                  <a:solidFill>
+                    <a:srgbClr val="000000"/>
+                  </a:solidFill>
+                  <a:effectLst/>
+                  <a:latin typeface="Segoe UI" panose="020B0502040204020203" pitchFamily="34" charset="0"/>
+                  <a:cs typeface="Segoe UI" panose="020B0502040204020203" pitchFamily="34" charset="0"/>
+                </a:rPr>
+                <a:t>  </a:t>
+              </a:r>
+              <a:r>
+                <a:rPr kumimoji="0" lang="fr-FR" altLang="en-US" sz="900" b="0" i="0" u="none" strike="noStrike" cap="none" normalizeH="0" baseline="0" dirty="0">
+                  <a:ln>
+                    <a:noFill/>
+                  </a:ln>
+                  <a:solidFill>
+                    <a:srgbClr val="000000"/>
+                  </a:solidFill>
+                  <a:effectLst/>
+                  <a:latin typeface="Segoe UI" panose="020B0502040204020203" pitchFamily="34" charset="0"/>
+                  <a:cs typeface="Segoe UI" panose="020B0502040204020203" pitchFamily="34" charset="0"/>
+                </a:rPr>
+                <a:t>     </a:t>
+              </a:r>
+              <a:r>
+                <a:rPr kumimoji="0" lang="fr-FR" altLang="en-US" sz="700" b="0" i="0" u="none" strike="noStrike" cap="none" normalizeH="0" baseline="0" dirty="0">
+                  <a:ln>
+                    <a:noFill/>
+                  </a:ln>
+                  <a:solidFill>
+                    <a:srgbClr val="000000"/>
+                  </a:solidFill>
+                  <a:effectLst/>
+                  <a:latin typeface="Segoe UI" panose="020B0502040204020203" pitchFamily="34" charset="0"/>
+                  <a:cs typeface="Segoe UI" panose="020B0502040204020203" pitchFamily="34" charset="0"/>
+                </a:rPr>
+                <a:t> Resource Type</a:t>
+              </a:r>
+              <a:endParaRPr kumimoji="0" lang="en-US" altLang="en-US" sz="1100" b="0" i="0" u="none" strike="noStrike" cap="none" normalizeH="0" baseline="0" dirty="0">
+                <a:ln>
+                  <a:noFill/>
+                </a:ln>
+                <a:solidFill>
+                  <a:schemeClr val="tx1"/>
+                </a:solidFill>
+                <a:effectLst/>
+                <a:latin typeface="Calibri" panose="020F0502020204030204" pitchFamily="34" charset="0"/>
+                <a:cs typeface="Calibri" panose="020F0502020204030204" pitchFamily="34" charset="0"/>
+              </a:endParaRPr>
+            </a:p>
+            <a:p>
+              <a:pPr marL="0" marR="0" lvl="0" indent="0" algn="l" defTabSz="914400" rtl="0" eaLnBrk="0" fontAlgn="base" latinLnBrk="0" hangingPunct="0">
+                <a:lnSpc>
+                  <a:spcPct val="100000"/>
+                </a:lnSpc>
+                <a:spcBef>
+                  <a:spcPct val="0"/>
+                </a:spcBef>
+                <a:spcAft>
+                  <a:spcPct val="0"/>
+                </a:spcAft>
+                <a:buClrTx/>
+                <a:buSzTx/>
+                <a:buFontTx/>
+                <a:buNone/>
+                <a:tabLst/>
+              </a:pPr>
+              <a:r>
+                <a:rPr kumimoji="0" lang="fr-FR" altLang="en-US" sz="700" b="0" i="0" u="none" strike="noStrike" cap="none" normalizeH="0" baseline="0" dirty="0">
+                  <a:ln>
+                    <a:noFill/>
+                  </a:ln>
+                  <a:solidFill>
+                    <a:srgbClr val="000000"/>
+                  </a:solidFill>
+                  <a:effectLst/>
+                  <a:latin typeface="Segoe UI" panose="020B0502040204020203" pitchFamily="34" charset="0"/>
+                  <a:cs typeface="Segoe UI" panose="020B0502040204020203" pitchFamily="34" charset="0"/>
+                </a:rPr>
+                <a:t>  </a:t>
+              </a:r>
+              <a:r>
+                <a:rPr kumimoji="0" lang="fr-FR" altLang="en-US" sz="900" b="0" i="0" u="none" strike="noStrike" cap="none" normalizeH="0" baseline="0" dirty="0">
+                  <a:ln>
+                    <a:noFill/>
+                  </a:ln>
+                  <a:solidFill>
+                    <a:srgbClr val="000000"/>
+                  </a:solidFill>
+                  <a:effectLst/>
+                  <a:latin typeface="Segoe UI" panose="020B0502040204020203" pitchFamily="34" charset="0"/>
+                  <a:cs typeface="Segoe UI" panose="020B0502040204020203" pitchFamily="34" charset="0"/>
+                </a:rPr>
+                <a:t>     </a:t>
+              </a:r>
+              <a:r>
+                <a:rPr kumimoji="0" lang="fr-FR" altLang="en-US" sz="700" b="0" i="0" u="none" strike="noStrike" cap="none" normalizeH="0" baseline="0" dirty="0">
+                  <a:ln>
+                    <a:noFill/>
+                  </a:ln>
+                  <a:solidFill>
+                    <a:srgbClr val="000000"/>
+                  </a:solidFill>
+                  <a:effectLst/>
+                  <a:latin typeface="Segoe UI" panose="020B0502040204020203" pitchFamily="34" charset="0"/>
+                  <a:cs typeface="Segoe UI" panose="020B0502040204020203" pitchFamily="34" charset="0"/>
+                </a:rPr>
+                <a:t> Custom Annotation</a:t>
+              </a:r>
+              <a:endParaRPr kumimoji="0" lang="en-US" altLang="en-US" sz="1100" b="0" i="0" u="none" strike="noStrike" cap="none" normalizeH="0" baseline="0" dirty="0">
+                <a:ln>
+                  <a:noFill/>
+                </a:ln>
+                <a:solidFill>
+                  <a:schemeClr val="tx1"/>
+                </a:solidFill>
+                <a:effectLst/>
+                <a:latin typeface="Calibri" panose="020F0502020204030204" pitchFamily="34" charset="0"/>
+                <a:cs typeface="Calibri" panose="020F0502020204030204" pitchFamily="34" charset="0"/>
+              </a:endParaRPr>
+            </a:p>
+            <a:p>
+              <a:pPr marL="0" marR="0" lvl="0" indent="0" algn="l" defTabSz="914400" rtl="0" eaLnBrk="0" fontAlgn="base" latinLnBrk="0" hangingPunct="0">
+                <a:lnSpc>
+                  <a:spcPct val="100000"/>
+                </a:lnSpc>
+                <a:spcBef>
+                  <a:spcPct val="0"/>
+                </a:spcBef>
+                <a:spcAft>
+                  <a:spcPct val="0"/>
+                </a:spcAft>
+                <a:buClrTx/>
+                <a:buSzTx/>
+                <a:buFontTx/>
+                <a:buNone/>
+                <a:tabLst/>
+              </a:pPr>
+              <a:r>
+                <a:rPr kumimoji="0" lang="fr-FR" altLang="en-US" sz="700" b="0" i="0" u="none" strike="noStrike" cap="none" normalizeH="0" baseline="0" dirty="0">
+                  <a:ln>
+                    <a:noFill/>
+                  </a:ln>
+                  <a:solidFill>
+                    <a:srgbClr val="000000"/>
+                  </a:solidFill>
+                  <a:effectLst/>
+                  <a:latin typeface="Segoe UI" panose="020B0502040204020203" pitchFamily="34" charset="0"/>
+                  <a:cs typeface="Segoe UI" panose="020B0502040204020203" pitchFamily="34" charset="0"/>
+                </a:rPr>
+                <a:t>  </a:t>
+              </a:r>
+              <a:r>
+                <a:rPr kumimoji="0" lang="fr-FR" altLang="en-US" sz="900" b="0" i="0" u="none" strike="noStrike" cap="none" normalizeH="0" baseline="0" dirty="0">
+                  <a:ln>
+                    <a:noFill/>
+                  </a:ln>
+                  <a:solidFill>
+                    <a:srgbClr val="000000"/>
+                  </a:solidFill>
+                  <a:effectLst/>
+                  <a:latin typeface="Segoe UI" panose="020B0502040204020203" pitchFamily="34" charset="0"/>
+                  <a:cs typeface="Segoe UI" panose="020B0502040204020203" pitchFamily="34" charset="0"/>
+                </a:rPr>
+                <a:t>     </a:t>
+              </a:r>
+              <a:r>
+                <a:rPr kumimoji="0" lang="fr-FR" altLang="en-US" sz="700" b="0" i="0" u="none" strike="noStrike" cap="none" normalizeH="0" baseline="0" dirty="0">
+                  <a:ln>
+                    <a:noFill/>
+                  </a:ln>
+                  <a:solidFill>
+                    <a:srgbClr val="000000"/>
+                  </a:solidFill>
+                  <a:effectLst/>
+                  <a:latin typeface="Segoe UI" panose="020B0502040204020203" pitchFamily="34" charset="0"/>
+                  <a:cs typeface="Segoe UI" panose="020B0502040204020203" pitchFamily="34" charset="0"/>
+                </a:rPr>
+                <a:t> Legend</a:t>
+              </a:r>
+              <a:endParaRPr kumimoji="0" lang="en-US" altLang="en-US" sz="1100" b="0" i="0" u="none" strike="noStrike" cap="none" normalizeH="0" baseline="0" dirty="0">
+                <a:ln>
+                  <a:noFill/>
+                </a:ln>
+                <a:solidFill>
+                  <a:schemeClr val="tx1"/>
+                </a:solidFill>
+                <a:effectLst/>
+                <a:latin typeface="Calibri" panose="020F0502020204030204" pitchFamily="34" charset="0"/>
+                <a:cs typeface="Calibri" panose="020F0502020204030204" pitchFamily="34" charset="0"/>
+              </a:endParaRPr>
+            </a:p>
+            <a:p>
+              <a:pPr marL="0" marR="0" lvl="0" indent="0" algn="l" defTabSz="914400" rtl="0" eaLnBrk="0" fontAlgn="base" latinLnBrk="0" hangingPunct="0">
+                <a:lnSpc>
+                  <a:spcPct val="100000"/>
+                </a:lnSpc>
+                <a:spcBef>
+                  <a:spcPct val="0"/>
+                </a:spcBef>
+                <a:spcAft>
+                  <a:spcPct val="0"/>
+                </a:spcAft>
+                <a:buClrTx/>
+                <a:buSzTx/>
+                <a:buFontTx/>
+                <a:buNone/>
+                <a:tabLst/>
+              </a:pPr>
+              <a:endParaRPr kumimoji="0" lang="en-US" altLang="en-US" sz="1800" b="0" i="0" u="none" strike="noStrike" cap="none" normalizeH="0" baseline="0" dirty="0">
+                <a:ln>
+                  <a:noFill/>
+                </a:ln>
+                <a:solidFill>
+                  <a:schemeClr val="tx1"/>
+                </a:solidFill>
+                <a:effectLst/>
+                <a:latin typeface="Arial" panose="020B0604020202020204" pitchFamily="34" charset="0"/>
+              </a:endParaRPr>
+            </a:p>
+          </p:txBody>
+        </p:sp>
+        <p:pic>
+          <p:nvPicPr>
+            <p:cNvPr id="13314" name="Picture 2" descr="To Do">
+              <a:extLst>
+                <a:ext uri="{FF2B5EF4-FFF2-40B4-BE49-F238E27FC236}">
+                  <a16:creationId xmlns:a16="http://schemas.microsoft.com/office/drawing/2014/main" id="{F35F53B8-F59F-4BE1-A986-A2712672ECDC}"/>
+                </a:ext>
+              </a:extLst>
+            </p:cNvPr>
+            <p:cNvPicPr>
+              <a:picLocks noChangeAspect="1" noChangeArrowheads="1"/>
+            </p:cNvPicPr>
+            <p:nvPr/>
+          </p:nvPicPr>
+          <p:blipFill>
+            <a:blip r:embed="rId36">
+              <a:extLst>
+                <a:ext uri="{28A0092B-C50C-407E-A947-70E740481C1C}">
+                  <a14:useLocalDpi xmlns:a14="http://schemas.microsoft.com/office/drawing/2010/main" val="0"/>
+                </a:ext>
+              </a:extLst>
+            </a:blip>
+            <a:srcRect/>
+            <a:stretch>
+              <a:fillRect/>
+            </a:stretch>
+          </p:blipFill>
+          <p:spPr bwMode="auto">
+            <a:xfrm>
+              <a:off x="112713" y="-327025"/>
+              <a:ext cx="152400" cy="152400"/>
+            </a:xfrm>
+            <a:prstGeom prst="rect">
+              <a:avLst/>
+            </a:prstGeom>
+            <a:noFill/>
+            <a:extLst>
+              <a:ext uri="{909E8E84-426E-40DD-AFC4-6F175D3DCCD1}">
+                <a14:hiddenFill xmlns:a14="http://schemas.microsoft.com/office/drawing/2010/main">
+                  <a:solidFill>
+                    <a:srgbClr val="FFFFFF"/>
+                  </a:solidFill>
+                </a14:hiddenFill>
+              </a:ext>
+            </a:extLst>
+          </p:spPr>
+        </p:pic>
+        <p:pic>
+          <p:nvPicPr>
+            <p:cNvPr id="13315" name="Picture 3" descr="To Do">
+              <a:extLst>
+                <a:ext uri="{FF2B5EF4-FFF2-40B4-BE49-F238E27FC236}">
+                  <a16:creationId xmlns:a16="http://schemas.microsoft.com/office/drawing/2014/main" id="{90B79CE5-6CD5-49FC-869D-2064F34A9D95}"/>
+                </a:ext>
+              </a:extLst>
+            </p:cNvPr>
+            <p:cNvPicPr>
+              <a:picLocks noChangeAspect="1" noChangeArrowheads="1"/>
+            </p:cNvPicPr>
+            <p:nvPr/>
+          </p:nvPicPr>
+          <p:blipFill>
+            <a:blip r:embed="rId36">
+              <a:extLst>
+                <a:ext uri="{28A0092B-C50C-407E-A947-70E740481C1C}">
+                  <a14:useLocalDpi xmlns:a14="http://schemas.microsoft.com/office/drawing/2010/main" val="0"/>
+                </a:ext>
+              </a:extLst>
+            </a:blip>
+            <a:srcRect/>
+            <a:stretch>
+              <a:fillRect/>
+            </a:stretch>
+          </p:blipFill>
+          <p:spPr bwMode="auto">
+            <a:xfrm>
+              <a:off x="112713" y="-190500"/>
+              <a:ext cx="152400" cy="152400"/>
+            </a:xfrm>
+            <a:prstGeom prst="rect">
+              <a:avLst/>
+            </a:prstGeom>
+            <a:noFill/>
+            <a:extLst>
+              <a:ext uri="{909E8E84-426E-40DD-AFC4-6F175D3DCCD1}">
+                <a14:hiddenFill xmlns:a14="http://schemas.microsoft.com/office/drawing/2010/main">
+                  <a:solidFill>
+                    <a:srgbClr val="FFFFFF"/>
+                  </a:solidFill>
+                </a14:hiddenFill>
+              </a:ext>
+            </a:extLst>
+          </p:spPr>
+        </p:pic>
+        <p:pic>
+          <p:nvPicPr>
+            <p:cNvPr id="13316" name="Picture 4" descr="To Do">
+              <a:extLst>
+                <a:ext uri="{FF2B5EF4-FFF2-40B4-BE49-F238E27FC236}">
+                  <a16:creationId xmlns:a16="http://schemas.microsoft.com/office/drawing/2014/main" id="{5C2822D1-53A2-4E0F-8B40-D589D7C86980}"/>
+                </a:ext>
+              </a:extLst>
+            </p:cNvPr>
+            <p:cNvPicPr>
+              <a:picLocks noChangeAspect="1" noChangeArrowheads="1"/>
+            </p:cNvPicPr>
+            <p:nvPr/>
+          </p:nvPicPr>
+          <p:blipFill>
+            <a:blip r:embed="rId36">
+              <a:extLst>
+                <a:ext uri="{28A0092B-C50C-407E-A947-70E740481C1C}">
+                  <a14:useLocalDpi xmlns:a14="http://schemas.microsoft.com/office/drawing/2010/main" val="0"/>
+                </a:ext>
+              </a:extLst>
+            </a:blip>
+            <a:srcRect/>
+            <a:stretch>
+              <a:fillRect/>
+            </a:stretch>
+          </p:blipFill>
+          <p:spPr bwMode="auto">
+            <a:xfrm>
+              <a:off x="112713" y="-53975"/>
+              <a:ext cx="152400" cy="152400"/>
+            </a:xfrm>
+            <a:prstGeom prst="rect">
+              <a:avLst/>
+            </a:prstGeom>
+            <a:noFill/>
+            <a:extLst>
+              <a:ext uri="{909E8E84-426E-40DD-AFC4-6F175D3DCCD1}">
+                <a14:hiddenFill xmlns:a14="http://schemas.microsoft.com/office/drawing/2010/main">
+                  <a:solidFill>
+                    <a:srgbClr val="FFFFFF"/>
+                  </a:solidFill>
+                </a14:hiddenFill>
+              </a:ext>
+            </a:extLst>
+          </p:spPr>
+        </p:pic>
+        <p:pic>
+          <p:nvPicPr>
+            <p:cNvPr id="13317" name="Picture 5" descr="To Do">
+              <a:extLst>
+                <a:ext uri="{FF2B5EF4-FFF2-40B4-BE49-F238E27FC236}">
+                  <a16:creationId xmlns:a16="http://schemas.microsoft.com/office/drawing/2014/main" id="{6650C814-A085-465E-9BE7-8BD8BA26197C}"/>
+                </a:ext>
+              </a:extLst>
+            </p:cNvPr>
+            <p:cNvPicPr>
+              <a:picLocks noChangeAspect="1" noChangeArrowheads="1"/>
+            </p:cNvPicPr>
+            <p:nvPr/>
+          </p:nvPicPr>
+          <p:blipFill>
+            <a:blip r:embed="rId35">
+              <a:extLst>
+                <a:ext uri="{28A0092B-C50C-407E-A947-70E740481C1C}">
+                  <a14:useLocalDpi xmlns:a14="http://schemas.microsoft.com/office/drawing/2010/main" val="0"/>
+                </a:ext>
+              </a:extLst>
+            </a:blip>
+            <a:srcRect/>
+            <a:stretch>
+              <a:fillRect/>
+            </a:stretch>
+          </p:blipFill>
+          <p:spPr bwMode="auto">
+            <a:xfrm>
+              <a:off x="112713" y="84138"/>
+              <a:ext cx="152400" cy="152400"/>
+            </a:xfrm>
+            <a:prstGeom prst="rect">
+              <a:avLst/>
+            </a:prstGeom>
+            <a:noFill/>
+            <a:extLst>
+              <a:ext uri="{909E8E84-426E-40DD-AFC4-6F175D3DCCD1}">
+                <a14:hiddenFill xmlns:a14="http://schemas.microsoft.com/office/drawing/2010/main">
+                  <a:solidFill>
+                    <a:srgbClr val="FFFFFF"/>
+                  </a:solidFill>
+                </a14:hiddenFill>
+              </a:ext>
+            </a:extLst>
+          </p:spPr>
+        </p:pic>
+      </p:grpSp>
+      <p:grpSp>
+        <p:nvGrpSpPr>
+          <p:cNvPr id="23" name="Group 22">
+            <a:extLst>
+              <a:ext uri="{FF2B5EF4-FFF2-40B4-BE49-F238E27FC236}">
+                <a16:creationId xmlns:a16="http://schemas.microsoft.com/office/drawing/2014/main" id="{3531F535-4E4F-4DC8-A702-F08631E1B8A3}"/>
+              </a:ext>
+            </a:extLst>
+          </p:cNvPr>
+          <p:cNvGrpSpPr/>
+          <p:nvPr/>
+        </p:nvGrpSpPr>
+        <p:grpSpPr>
+          <a:xfrm>
+            <a:off x="7571770" y="2959900"/>
+            <a:ext cx="406044" cy="369332"/>
+            <a:chOff x="5045663" y="2610404"/>
+            <a:chExt cx="406044" cy="369332"/>
+          </a:xfrm>
+        </p:grpSpPr>
+        <p:sp>
+          <p:nvSpPr>
+            <p:cNvPr id="99" name="TextBox 98">
+              <a:extLst>
+                <a:ext uri="{FF2B5EF4-FFF2-40B4-BE49-F238E27FC236}">
+                  <a16:creationId xmlns:a16="http://schemas.microsoft.com/office/drawing/2014/main" id="{312C1A6F-47BA-41D0-BEE9-91BCE28CAC09}"/>
+                </a:ext>
+              </a:extLst>
+            </p:cNvPr>
+            <p:cNvSpPr txBox="1"/>
+            <p:nvPr/>
+          </p:nvSpPr>
+          <p:spPr>
+            <a:xfrm>
+              <a:off x="5119465" y="2696539"/>
+              <a:ext cx="332242" cy="215444"/>
+            </a:xfrm>
+            <a:prstGeom prst="rect">
+              <a:avLst/>
+            </a:prstGeom>
+            <a:noFill/>
+          </p:spPr>
+          <p:txBody>
+            <a:bodyPr wrap="square">
+              <a:spAutoFit/>
+            </a:bodyPr>
+            <a:lstStyle/>
+            <a:p>
+              <a:r>
+                <a:rPr lang="fr-FR" sz="800" dirty="0">
+                  <a:solidFill>
+                    <a:srgbClr val="FF0000"/>
+                  </a:solidFill>
+                  <a:latin typeface="Segoe UI" panose="020B0502040204020203" pitchFamily="34" charset="0"/>
+                  <a:cs typeface="Segoe UI" panose="020B0502040204020203" pitchFamily="34" charset="0"/>
+                </a:rPr>
+                <a:t>12</a:t>
+              </a:r>
+              <a:endParaRPr lang="en-US" dirty="0"/>
+            </a:p>
+          </p:txBody>
+        </p:sp>
+        <p:sp>
+          <p:nvSpPr>
+            <p:cNvPr id="16" name="TextBox 15">
+              <a:extLst>
+                <a:ext uri="{FF2B5EF4-FFF2-40B4-BE49-F238E27FC236}">
+                  <a16:creationId xmlns:a16="http://schemas.microsoft.com/office/drawing/2014/main" id="{4CFFDF30-F73A-470F-B654-E584F81DB79F}"/>
+                </a:ext>
+              </a:extLst>
+            </p:cNvPr>
+            <p:cNvSpPr txBox="1"/>
+            <p:nvPr/>
+          </p:nvSpPr>
+          <p:spPr>
+            <a:xfrm>
+              <a:off x="5045663" y="2610404"/>
+              <a:ext cx="245293" cy="369332"/>
+            </a:xfrm>
+            <a:prstGeom prst="rect">
+              <a:avLst/>
+            </a:prstGeom>
+            <a:noFill/>
+          </p:spPr>
+          <p:txBody>
+            <a:bodyPr wrap="square" rtlCol="0">
+              <a:spAutoFit/>
+            </a:bodyPr>
+            <a:lstStyle/>
+            <a:p>
+              <a:r>
+                <a:rPr lang="fr-FR" dirty="0">
+                  <a:solidFill>
+                    <a:srgbClr val="FF0000"/>
+                  </a:solidFill>
+                  <a:latin typeface="Bodoni MT Black" panose="02070A03080606020203" pitchFamily="18" charset="0"/>
+                </a:rPr>
+                <a:t>! </a:t>
+              </a:r>
+              <a:endParaRPr lang="en-US" sz="700" dirty="0">
+                <a:solidFill>
+                  <a:srgbClr val="FF0000"/>
+                </a:solidFill>
+                <a:latin typeface="Segoe UI" panose="020B0502040204020203" pitchFamily="34" charset="0"/>
+                <a:cs typeface="Segoe UI" panose="020B0502040204020203" pitchFamily="34" charset="0"/>
+              </a:endParaRPr>
+            </a:p>
+          </p:txBody>
+        </p:sp>
+      </p:grpSp>
+      <p:grpSp>
+        <p:nvGrpSpPr>
+          <p:cNvPr id="101" name="Group 100">
+            <a:extLst>
+              <a:ext uri="{FF2B5EF4-FFF2-40B4-BE49-F238E27FC236}">
+                <a16:creationId xmlns:a16="http://schemas.microsoft.com/office/drawing/2014/main" id="{3F02E4E7-72CA-4632-863B-ED3638CFC8CD}"/>
+              </a:ext>
+            </a:extLst>
+          </p:cNvPr>
+          <p:cNvGrpSpPr/>
+          <p:nvPr/>
+        </p:nvGrpSpPr>
+        <p:grpSpPr>
+          <a:xfrm>
+            <a:off x="7571828" y="4073315"/>
+            <a:ext cx="406044" cy="369332"/>
+            <a:chOff x="5045663" y="2610404"/>
+            <a:chExt cx="406044" cy="369332"/>
+          </a:xfrm>
+        </p:grpSpPr>
+        <p:sp>
+          <p:nvSpPr>
+            <p:cNvPr id="102" name="TextBox 101">
+              <a:extLst>
+                <a:ext uri="{FF2B5EF4-FFF2-40B4-BE49-F238E27FC236}">
+                  <a16:creationId xmlns:a16="http://schemas.microsoft.com/office/drawing/2014/main" id="{DE0AD717-F59B-4C33-8C91-89C4F1BB243B}"/>
+                </a:ext>
+              </a:extLst>
+            </p:cNvPr>
+            <p:cNvSpPr txBox="1"/>
+            <p:nvPr/>
+          </p:nvSpPr>
+          <p:spPr>
+            <a:xfrm>
+              <a:off x="5119465" y="2696539"/>
+              <a:ext cx="332242" cy="215444"/>
+            </a:xfrm>
+            <a:prstGeom prst="rect">
+              <a:avLst/>
+            </a:prstGeom>
+            <a:noFill/>
+          </p:spPr>
+          <p:txBody>
+            <a:bodyPr wrap="square">
+              <a:spAutoFit/>
+            </a:bodyPr>
+            <a:lstStyle/>
+            <a:p>
+              <a:r>
+                <a:rPr lang="fr-FR" sz="800" dirty="0">
+                  <a:solidFill>
+                    <a:srgbClr val="FF0000"/>
+                  </a:solidFill>
+                  <a:latin typeface="Segoe UI" panose="020B0502040204020203" pitchFamily="34" charset="0"/>
+                  <a:cs typeface="Segoe UI" panose="020B0502040204020203" pitchFamily="34" charset="0"/>
+                </a:rPr>
+                <a:t>12</a:t>
+              </a:r>
+              <a:endParaRPr lang="en-US" dirty="0"/>
+            </a:p>
+          </p:txBody>
+        </p:sp>
+        <p:sp>
+          <p:nvSpPr>
+            <p:cNvPr id="104" name="TextBox 103">
+              <a:extLst>
+                <a:ext uri="{FF2B5EF4-FFF2-40B4-BE49-F238E27FC236}">
+                  <a16:creationId xmlns:a16="http://schemas.microsoft.com/office/drawing/2014/main" id="{C7D414C9-BF3A-47D8-87D7-39D10E4AE344}"/>
+                </a:ext>
+              </a:extLst>
+            </p:cNvPr>
+            <p:cNvSpPr txBox="1"/>
+            <p:nvPr/>
+          </p:nvSpPr>
+          <p:spPr>
+            <a:xfrm>
+              <a:off x="5045663" y="2610404"/>
+              <a:ext cx="245293" cy="369332"/>
+            </a:xfrm>
+            <a:prstGeom prst="rect">
+              <a:avLst/>
+            </a:prstGeom>
+            <a:noFill/>
+          </p:spPr>
+          <p:txBody>
+            <a:bodyPr wrap="square" rtlCol="0">
+              <a:spAutoFit/>
+            </a:bodyPr>
+            <a:lstStyle/>
+            <a:p>
+              <a:r>
+                <a:rPr lang="fr-FR" dirty="0">
+                  <a:solidFill>
+                    <a:srgbClr val="FF0000"/>
+                  </a:solidFill>
+                  <a:latin typeface="Bodoni MT Black" panose="02070A03080606020203" pitchFamily="18" charset="0"/>
+                </a:rPr>
+                <a:t>! </a:t>
+              </a:r>
+              <a:endParaRPr lang="en-US" sz="700" dirty="0">
+                <a:solidFill>
+                  <a:srgbClr val="FF0000"/>
+                </a:solidFill>
+                <a:latin typeface="Segoe UI" panose="020B0502040204020203" pitchFamily="34" charset="0"/>
+                <a:cs typeface="Segoe UI" panose="020B0502040204020203" pitchFamily="34" charset="0"/>
+              </a:endParaRPr>
+            </a:p>
+          </p:txBody>
+        </p:sp>
+      </p:grpSp>
+      <p:grpSp>
+        <p:nvGrpSpPr>
+          <p:cNvPr id="114" name="Group 113">
+            <a:extLst>
+              <a:ext uri="{FF2B5EF4-FFF2-40B4-BE49-F238E27FC236}">
+                <a16:creationId xmlns:a16="http://schemas.microsoft.com/office/drawing/2014/main" id="{99BC9291-92E0-4208-8E75-46659FA5EE5F}"/>
+              </a:ext>
+            </a:extLst>
+          </p:cNvPr>
+          <p:cNvGrpSpPr/>
+          <p:nvPr/>
+        </p:nvGrpSpPr>
+        <p:grpSpPr>
+          <a:xfrm>
+            <a:off x="9114608" y="2972400"/>
+            <a:ext cx="406044" cy="369332"/>
+            <a:chOff x="5045663" y="2610404"/>
+            <a:chExt cx="406044" cy="369332"/>
+          </a:xfrm>
+        </p:grpSpPr>
+        <p:sp>
+          <p:nvSpPr>
+            <p:cNvPr id="115" name="TextBox 114">
+              <a:extLst>
+                <a:ext uri="{FF2B5EF4-FFF2-40B4-BE49-F238E27FC236}">
+                  <a16:creationId xmlns:a16="http://schemas.microsoft.com/office/drawing/2014/main" id="{F3C8A194-F721-4F04-B92E-F29CDCC39F20}"/>
+                </a:ext>
+              </a:extLst>
+            </p:cNvPr>
+            <p:cNvSpPr txBox="1"/>
+            <p:nvPr/>
+          </p:nvSpPr>
+          <p:spPr>
+            <a:xfrm>
+              <a:off x="5119465" y="2696539"/>
+              <a:ext cx="332242" cy="215444"/>
+            </a:xfrm>
+            <a:prstGeom prst="rect">
+              <a:avLst/>
+            </a:prstGeom>
+            <a:noFill/>
+          </p:spPr>
+          <p:txBody>
+            <a:bodyPr wrap="square">
+              <a:spAutoFit/>
+            </a:bodyPr>
+            <a:lstStyle/>
+            <a:p>
+              <a:r>
+                <a:rPr lang="fr-FR" sz="800" dirty="0">
+                  <a:solidFill>
+                    <a:srgbClr val="FF0000"/>
+                  </a:solidFill>
+                  <a:latin typeface="Segoe UI" panose="020B0502040204020203" pitchFamily="34" charset="0"/>
+                  <a:cs typeface="Segoe UI" panose="020B0502040204020203" pitchFamily="34" charset="0"/>
+                </a:rPr>
+                <a:t>3</a:t>
+              </a:r>
+              <a:endParaRPr lang="en-US" dirty="0"/>
+            </a:p>
+          </p:txBody>
+        </p:sp>
+        <p:sp>
+          <p:nvSpPr>
+            <p:cNvPr id="116" name="TextBox 115">
+              <a:extLst>
+                <a:ext uri="{FF2B5EF4-FFF2-40B4-BE49-F238E27FC236}">
+                  <a16:creationId xmlns:a16="http://schemas.microsoft.com/office/drawing/2014/main" id="{36D81C76-8C14-4C0A-9548-20A28E1CFF88}"/>
+                </a:ext>
+              </a:extLst>
+            </p:cNvPr>
+            <p:cNvSpPr txBox="1"/>
+            <p:nvPr/>
+          </p:nvSpPr>
+          <p:spPr>
+            <a:xfrm>
+              <a:off x="5045663" y="2610404"/>
+              <a:ext cx="245293" cy="369332"/>
+            </a:xfrm>
+            <a:prstGeom prst="rect">
+              <a:avLst/>
+            </a:prstGeom>
+            <a:noFill/>
+          </p:spPr>
+          <p:txBody>
+            <a:bodyPr wrap="square" rtlCol="0">
+              <a:spAutoFit/>
+            </a:bodyPr>
+            <a:lstStyle/>
+            <a:p>
+              <a:r>
+                <a:rPr lang="fr-FR" dirty="0">
+                  <a:solidFill>
+                    <a:srgbClr val="FF0000"/>
+                  </a:solidFill>
+                  <a:latin typeface="Bodoni MT Black" panose="02070A03080606020203" pitchFamily="18" charset="0"/>
+                </a:rPr>
+                <a:t>! </a:t>
+              </a:r>
+              <a:endParaRPr lang="en-US" sz="700" dirty="0">
+                <a:solidFill>
+                  <a:srgbClr val="FF0000"/>
+                </a:solidFill>
+                <a:latin typeface="Segoe UI" panose="020B0502040204020203" pitchFamily="34" charset="0"/>
+                <a:cs typeface="Segoe UI" panose="020B0502040204020203" pitchFamily="34" charset="0"/>
+              </a:endParaRPr>
+            </a:p>
+          </p:txBody>
+        </p:sp>
+      </p:grpSp>
+      <p:grpSp>
+        <p:nvGrpSpPr>
+          <p:cNvPr id="117" name="Group 116">
+            <a:extLst>
+              <a:ext uri="{FF2B5EF4-FFF2-40B4-BE49-F238E27FC236}">
+                <a16:creationId xmlns:a16="http://schemas.microsoft.com/office/drawing/2014/main" id="{A761C905-DDB5-425B-BC00-CD9C27D4894D}"/>
+              </a:ext>
+            </a:extLst>
+          </p:cNvPr>
+          <p:cNvGrpSpPr/>
+          <p:nvPr/>
+        </p:nvGrpSpPr>
+        <p:grpSpPr>
+          <a:xfrm>
+            <a:off x="9156643" y="4087647"/>
+            <a:ext cx="406044" cy="369332"/>
+            <a:chOff x="5045663" y="2610404"/>
+            <a:chExt cx="406044" cy="369332"/>
+          </a:xfrm>
+        </p:grpSpPr>
+        <p:sp>
+          <p:nvSpPr>
+            <p:cNvPr id="121" name="TextBox 120">
+              <a:extLst>
+                <a:ext uri="{FF2B5EF4-FFF2-40B4-BE49-F238E27FC236}">
+                  <a16:creationId xmlns:a16="http://schemas.microsoft.com/office/drawing/2014/main" id="{F246BCA0-4C84-4012-9436-E070FDFF7359}"/>
+                </a:ext>
+              </a:extLst>
+            </p:cNvPr>
+            <p:cNvSpPr txBox="1"/>
+            <p:nvPr/>
+          </p:nvSpPr>
+          <p:spPr>
+            <a:xfrm>
+              <a:off x="5119465" y="2696539"/>
+              <a:ext cx="332242" cy="215444"/>
+            </a:xfrm>
+            <a:prstGeom prst="rect">
+              <a:avLst/>
+            </a:prstGeom>
+            <a:noFill/>
+          </p:spPr>
+          <p:txBody>
+            <a:bodyPr wrap="square">
+              <a:spAutoFit/>
+            </a:bodyPr>
+            <a:lstStyle/>
+            <a:p>
+              <a:r>
+                <a:rPr lang="fr-FR" sz="800" dirty="0">
+                  <a:solidFill>
+                    <a:srgbClr val="FF0000"/>
+                  </a:solidFill>
+                  <a:latin typeface="Segoe UI" panose="020B0502040204020203" pitchFamily="34" charset="0"/>
+                  <a:cs typeface="Segoe UI" panose="020B0502040204020203" pitchFamily="34" charset="0"/>
+                </a:rPr>
+                <a:t>3</a:t>
+              </a:r>
+              <a:endParaRPr lang="en-US" dirty="0"/>
+            </a:p>
+          </p:txBody>
+        </p:sp>
+        <p:sp>
+          <p:nvSpPr>
+            <p:cNvPr id="122" name="TextBox 121">
+              <a:extLst>
+                <a:ext uri="{FF2B5EF4-FFF2-40B4-BE49-F238E27FC236}">
+                  <a16:creationId xmlns:a16="http://schemas.microsoft.com/office/drawing/2014/main" id="{48E0945D-7764-4F9E-9850-56476563C4D7}"/>
+                </a:ext>
+              </a:extLst>
+            </p:cNvPr>
+            <p:cNvSpPr txBox="1"/>
+            <p:nvPr/>
+          </p:nvSpPr>
+          <p:spPr>
+            <a:xfrm>
+              <a:off x="5045663" y="2610404"/>
+              <a:ext cx="245293" cy="369332"/>
+            </a:xfrm>
+            <a:prstGeom prst="rect">
+              <a:avLst/>
+            </a:prstGeom>
+            <a:noFill/>
+          </p:spPr>
+          <p:txBody>
+            <a:bodyPr wrap="square" rtlCol="0">
+              <a:spAutoFit/>
+            </a:bodyPr>
+            <a:lstStyle/>
+            <a:p>
+              <a:r>
+                <a:rPr lang="fr-FR" dirty="0">
+                  <a:solidFill>
+                    <a:srgbClr val="FF0000"/>
+                  </a:solidFill>
+                  <a:latin typeface="Bodoni MT Black" panose="02070A03080606020203" pitchFamily="18" charset="0"/>
+                </a:rPr>
+                <a:t>! </a:t>
+              </a:r>
+              <a:endParaRPr lang="en-US" sz="700" dirty="0">
+                <a:solidFill>
+                  <a:srgbClr val="FF0000"/>
+                </a:solidFill>
+                <a:latin typeface="Segoe UI" panose="020B0502040204020203" pitchFamily="34" charset="0"/>
+                <a:cs typeface="Segoe UI" panose="020B0502040204020203" pitchFamily="34" charset="0"/>
+              </a:endParaRPr>
+            </a:p>
+          </p:txBody>
+        </p:sp>
+      </p:grpSp>
+      <p:pic>
+        <p:nvPicPr>
+          <p:cNvPr id="39" name="Graphic 38">
+            <a:extLst>
+              <a:ext uri="{FF2B5EF4-FFF2-40B4-BE49-F238E27FC236}">
+                <a16:creationId xmlns:a16="http://schemas.microsoft.com/office/drawing/2014/main" id="{78A45657-8F67-4149-93BC-357317691AE1}"/>
+              </a:ext>
+            </a:extLst>
+          </p:cNvPr>
+          <p:cNvPicPr>
+            <a:picLocks noChangeAspect="1"/>
+          </p:cNvPicPr>
+          <p:nvPr/>
+        </p:nvPicPr>
+        <p:blipFill>
+          <a:blip r:embed="rId37">
+            <a:extLst>
+              <a:ext uri="{28A0092B-C50C-407E-A947-70E740481C1C}">
+                <a14:useLocalDpi xmlns:a14="http://schemas.microsoft.com/office/drawing/2010/main" val="0"/>
+              </a:ext>
+              <a:ext uri="{96DAC541-7B7A-43D3-8B79-37D633B846F1}">
+                <asvg:svgBlip xmlns:asvg="http://schemas.microsoft.com/office/drawing/2016/SVG/main" r:embed="rId38"/>
+              </a:ext>
+            </a:extLst>
+          </a:blip>
+          <a:stretch>
+            <a:fillRect/>
+          </a:stretch>
+        </p:blipFill>
+        <p:spPr>
+          <a:xfrm>
+            <a:off x="5779833" y="3684742"/>
+            <a:ext cx="203726" cy="203726"/>
+          </a:xfrm>
+          <a:prstGeom prst="rect">
+            <a:avLst/>
+          </a:prstGeom>
+        </p:spPr>
+      </p:pic>
+      <p:pic>
+        <p:nvPicPr>
+          <p:cNvPr id="41" name="Graphic 40">
+            <a:extLst>
+              <a:ext uri="{FF2B5EF4-FFF2-40B4-BE49-F238E27FC236}">
+                <a16:creationId xmlns:a16="http://schemas.microsoft.com/office/drawing/2014/main" id="{868B595B-C06A-4DA7-AC3F-ECF60B1F6914}"/>
+              </a:ext>
+            </a:extLst>
+          </p:cNvPr>
+          <p:cNvPicPr>
+            <a:picLocks noChangeAspect="1"/>
+          </p:cNvPicPr>
+          <p:nvPr/>
+        </p:nvPicPr>
+        <p:blipFill>
+          <a:blip r:embed="rId37">
+            <a:extLst>
+              <a:ext uri="{28A0092B-C50C-407E-A947-70E740481C1C}">
+                <a14:useLocalDpi xmlns:a14="http://schemas.microsoft.com/office/drawing/2010/main" val="0"/>
+              </a:ext>
+              <a:ext uri="{96DAC541-7B7A-43D3-8B79-37D633B846F1}">
+                <asvg:svgBlip xmlns:asvg="http://schemas.microsoft.com/office/drawing/2016/SVG/main" r:embed="rId38"/>
+              </a:ext>
+            </a:extLst>
+          </a:blip>
+          <a:stretch>
+            <a:fillRect/>
+          </a:stretch>
+        </p:blipFill>
+        <p:spPr>
+          <a:xfrm>
+            <a:off x="6964709" y="3544045"/>
+            <a:ext cx="203726" cy="203726"/>
+          </a:xfrm>
+          <a:prstGeom prst="rect">
+            <a:avLst/>
+          </a:prstGeom>
+        </p:spPr>
+      </p:pic>
+      <p:pic>
+        <p:nvPicPr>
+          <p:cNvPr id="62" name="Graphic 61">
+            <a:extLst>
+              <a:ext uri="{FF2B5EF4-FFF2-40B4-BE49-F238E27FC236}">
+                <a16:creationId xmlns:a16="http://schemas.microsoft.com/office/drawing/2014/main" id="{1C0A434D-E456-45BB-9473-1DF13DA8D5C4}"/>
+              </a:ext>
+            </a:extLst>
+          </p:cNvPr>
+          <p:cNvPicPr>
+            <a:picLocks noChangeAspect="1"/>
+          </p:cNvPicPr>
+          <p:nvPr/>
+        </p:nvPicPr>
+        <p:blipFill>
+          <a:blip r:embed="rId37">
+            <a:extLst>
+              <a:ext uri="{28A0092B-C50C-407E-A947-70E740481C1C}">
+                <a14:useLocalDpi xmlns:a14="http://schemas.microsoft.com/office/drawing/2010/main" val="0"/>
+              </a:ext>
+              <a:ext uri="{96DAC541-7B7A-43D3-8B79-37D633B846F1}">
+                <asvg:svgBlip xmlns:asvg="http://schemas.microsoft.com/office/drawing/2016/SVG/main" r:embed="rId38"/>
+              </a:ext>
+            </a:extLst>
+          </a:blip>
+          <a:stretch>
+            <a:fillRect/>
+          </a:stretch>
+        </p:blipFill>
+        <p:spPr>
+          <a:xfrm>
+            <a:off x="8542824" y="3527039"/>
+            <a:ext cx="203726" cy="203726"/>
+          </a:xfrm>
+          <a:prstGeom prst="rect">
+            <a:avLst/>
+          </a:prstGeom>
+        </p:spPr>
+      </p:pic>
+      <p:pic>
+        <p:nvPicPr>
+          <p:cNvPr id="63" name="Graphic 62">
+            <a:extLst>
+              <a:ext uri="{FF2B5EF4-FFF2-40B4-BE49-F238E27FC236}">
+                <a16:creationId xmlns:a16="http://schemas.microsoft.com/office/drawing/2014/main" id="{4E147741-F3B2-437A-A5FE-B907FFDAECB6}"/>
+              </a:ext>
+            </a:extLst>
+          </p:cNvPr>
+          <p:cNvPicPr>
+            <a:picLocks noChangeAspect="1"/>
+          </p:cNvPicPr>
+          <p:nvPr/>
+        </p:nvPicPr>
+        <p:blipFill>
+          <a:blip r:embed="rId37">
+            <a:extLst>
+              <a:ext uri="{28A0092B-C50C-407E-A947-70E740481C1C}">
+                <a14:useLocalDpi xmlns:a14="http://schemas.microsoft.com/office/drawing/2010/main" val="0"/>
+              </a:ext>
+              <a:ext uri="{96DAC541-7B7A-43D3-8B79-37D633B846F1}">
+                <asvg:svgBlip xmlns:asvg="http://schemas.microsoft.com/office/drawing/2016/SVG/main" r:embed="rId38"/>
+              </a:ext>
+            </a:extLst>
+          </a:blip>
+          <a:stretch>
+            <a:fillRect/>
+          </a:stretch>
+        </p:blipFill>
+        <p:spPr>
+          <a:xfrm>
+            <a:off x="10162365" y="3527039"/>
+            <a:ext cx="203726" cy="203726"/>
+          </a:xfrm>
+          <a:prstGeom prst="rect">
+            <a:avLst/>
+          </a:prstGeom>
+        </p:spPr>
+      </p:pic>
+      <p:pic>
+        <p:nvPicPr>
+          <p:cNvPr id="66" name="Graphic 65">
+            <a:extLst>
+              <a:ext uri="{FF2B5EF4-FFF2-40B4-BE49-F238E27FC236}">
+                <a16:creationId xmlns:a16="http://schemas.microsoft.com/office/drawing/2014/main" id="{365FD989-555F-4027-B970-9B1A18DA0043}"/>
+              </a:ext>
+            </a:extLst>
+          </p:cNvPr>
+          <p:cNvPicPr>
+            <a:picLocks noChangeAspect="1"/>
+          </p:cNvPicPr>
+          <p:nvPr/>
+        </p:nvPicPr>
+        <p:blipFill>
+          <a:blip r:embed="rId37">
+            <a:extLst>
+              <a:ext uri="{28A0092B-C50C-407E-A947-70E740481C1C}">
+                <a14:useLocalDpi xmlns:a14="http://schemas.microsoft.com/office/drawing/2010/main" val="0"/>
+              </a:ext>
+              <a:ext uri="{96DAC541-7B7A-43D3-8B79-37D633B846F1}">
+                <asvg:svgBlip xmlns:asvg="http://schemas.microsoft.com/office/drawing/2016/SVG/main" r:embed="rId38"/>
+              </a:ext>
+            </a:extLst>
+          </a:blip>
+          <a:stretch>
+            <a:fillRect/>
+          </a:stretch>
+        </p:blipFill>
+        <p:spPr>
+          <a:xfrm>
+            <a:off x="10985079" y="3112283"/>
+            <a:ext cx="203726" cy="203726"/>
+          </a:xfrm>
+          <a:prstGeom prst="rect">
+            <a:avLst/>
+          </a:prstGeom>
+        </p:spPr>
+      </p:pic>
+      <p:pic>
+        <p:nvPicPr>
+          <p:cNvPr id="70" name="Graphic 69">
+            <a:extLst>
+              <a:ext uri="{FF2B5EF4-FFF2-40B4-BE49-F238E27FC236}">
+                <a16:creationId xmlns:a16="http://schemas.microsoft.com/office/drawing/2014/main" id="{74233CC5-8A2C-4DFA-9792-C05AA92EA168}"/>
+              </a:ext>
+            </a:extLst>
+          </p:cNvPr>
+          <p:cNvPicPr>
+            <a:picLocks noChangeAspect="1"/>
+          </p:cNvPicPr>
+          <p:nvPr/>
+        </p:nvPicPr>
+        <p:blipFill>
+          <a:blip r:embed="rId37">
+            <a:extLst>
+              <a:ext uri="{28A0092B-C50C-407E-A947-70E740481C1C}">
+                <a14:useLocalDpi xmlns:a14="http://schemas.microsoft.com/office/drawing/2010/main" val="0"/>
+              </a:ext>
+              <a:ext uri="{96DAC541-7B7A-43D3-8B79-37D633B846F1}">
+                <asvg:svgBlip xmlns:asvg="http://schemas.microsoft.com/office/drawing/2016/SVG/main" r:embed="rId38"/>
+              </a:ext>
+            </a:extLst>
+          </a:blip>
+          <a:stretch>
+            <a:fillRect/>
+          </a:stretch>
+        </p:blipFill>
+        <p:spPr>
+          <a:xfrm>
+            <a:off x="10996308" y="4085190"/>
+            <a:ext cx="203726" cy="203726"/>
+          </a:xfrm>
+          <a:prstGeom prst="rect">
+            <a:avLst/>
+          </a:prstGeom>
+        </p:spPr>
+      </p:pic>
+      <p:pic>
+        <p:nvPicPr>
+          <p:cNvPr id="75" name="Graphic 74">
+            <a:extLst>
+              <a:ext uri="{FF2B5EF4-FFF2-40B4-BE49-F238E27FC236}">
+                <a16:creationId xmlns:a16="http://schemas.microsoft.com/office/drawing/2014/main" id="{6F4CBAE3-75E2-4206-942B-957D7504D29C}"/>
+              </a:ext>
+            </a:extLst>
+          </p:cNvPr>
+          <p:cNvPicPr>
+            <a:picLocks noChangeAspect="1"/>
+          </p:cNvPicPr>
+          <p:nvPr/>
+        </p:nvPicPr>
+        <p:blipFill>
+          <a:blip r:embed="rId39">
+            <a:extLst>
+              <a:ext uri="{28A0092B-C50C-407E-A947-70E740481C1C}">
+                <a14:useLocalDpi xmlns:a14="http://schemas.microsoft.com/office/drawing/2010/main" val="0"/>
+              </a:ext>
+              <a:ext uri="{96DAC541-7B7A-43D3-8B79-37D633B846F1}">
+                <asvg:svgBlip xmlns:asvg="http://schemas.microsoft.com/office/drawing/2016/SVG/main" r:embed="rId40"/>
+              </a:ext>
+            </a:extLst>
+          </a:blip>
+          <a:stretch>
+            <a:fillRect/>
+          </a:stretch>
+        </p:blipFill>
+        <p:spPr>
+          <a:xfrm>
+            <a:off x="10863028" y="4459631"/>
+            <a:ext cx="171450" cy="171450"/>
+          </a:xfrm>
+          <a:prstGeom prst="rect">
+            <a:avLst/>
+          </a:prstGeom>
+        </p:spPr>
+      </p:pic>
+      <p:pic>
+        <p:nvPicPr>
+          <p:cNvPr id="76" name="Graphic 75">
+            <a:extLst>
+              <a:ext uri="{FF2B5EF4-FFF2-40B4-BE49-F238E27FC236}">
+                <a16:creationId xmlns:a16="http://schemas.microsoft.com/office/drawing/2014/main" id="{3E510FE0-08B7-4D16-9E4D-3C2F4C48C2D5}"/>
+              </a:ext>
+            </a:extLst>
+          </p:cNvPr>
+          <p:cNvPicPr>
+            <a:picLocks noChangeAspect="1"/>
+          </p:cNvPicPr>
+          <p:nvPr/>
+        </p:nvPicPr>
+        <p:blipFill>
+          <a:blip r:embed="rId39">
+            <a:extLst>
+              <a:ext uri="{28A0092B-C50C-407E-A947-70E740481C1C}">
+                <a14:useLocalDpi xmlns:a14="http://schemas.microsoft.com/office/drawing/2010/main" val="0"/>
+              </a:ext>
+              <a:ext uri="{96DAC541-7B7A-43D3-8B79-37D633B846F1}">
+                <asvg:svgBlip xmlns:asvg="http://schemas.microsoft.com/office/drawing/2016/SVG/main" r:embed="rId40"/>
+              </a:ext>
+            </a:extLst>
+          </a:blip>
+          <a:stretch>
+            <a:fillRect/>
+          </a:stretch>
+        </p:blipFill>
+        <p:spPr>
+          <a:xfrm>
+            <a:off x="9193564" y="4451408"/>
+            <a:ext cx="171450" cy="171450"/>
+          </a:xfrm>
+          <a:prstGeom prst="rect">
+            <a:avLst/>
+          </a:prstGeom>
+        </p:spPr>
+      </p:pic>
+      <p:pic>
+        <p:nvPicPr>
+          <p:cNvPr id="84" name="Graphic 83">
+            <a:extLst>
+              <a:ext uri="{FF2B5EF4-FFF2-40B4-BE49-F238E27FC236}">
+                <a16:creationId xmlns:a16="http://schemas.microsoft.com/office/drawing/2014/main" id="{5CBACCFE-9F80-4949-8D75-B593B0FE63A9}"/>
+              </a:ext>
+            </a:extLst>
+          </p:cNvPr>
+          <p:cNvPicPr>
+            <a:picLocks noChangeAspect="1"/>
+          </p:cNvPicPr>
+          <p:nvPr/>
+        </p:nvPicPr>
+        <p:blipFill>
+          <a:blip r:embed="rId39">
+            <a:extLst>
+              <a:ext uri="{28A0092B-C50C-407E-A947-70E740481C1C}">
+                <a14:useLocalDpi xmlns:a14="http://schemas.microsoft.com/office/drawing/2010/main" val="0"/>
+              </a:ext>
+              <a:ext uri="{96DAC541-7B7A-43D3-8B79-37D633B846F1}">
+                <asvg:svgBlip xmlns:asvg="http://schemas.microsoft.com/office/drawing/2016/SVG/main" r:embed="rId40"/>
+              </a:ext>
+            </a:extLst>
+          </a:blip>
+          <a:stretch>
+            <a:fillRect/>
+          </a:stretch>
+        </p:blipFill>
+        <p:spPr>
+          <a:xfrm>
+            <a:off x="7559847" y="4458791"/>
+            <a:ext cx="171450" cy="171450"/>
+          </a:xfrm>
+          <a:prstGeom prst="rect">
+            <a:avLst/>
+          </a:prstGeom>
+        </p:spPr>
+      </p:pic>
+      <p:grpSp>
+        <p:nvGrpSpPr>
+          <p:cNvPr id="132" name="Group 131">
+            <a:extLst>
+              <a:ext uri="{FF2B5EF4-FFF2-40B4-BE49-F238E27FC236}">
+                <a16:creationId xmlns:a16="http://schemas.microsoft.com/office/drawing/2014/main" id="{8AF9EBC6-C5BC-483E-B443-3F9E3A349E77}"/>
+              </a:ext>
+            </a:extLst>
+          </p:cNvPr>
+          <p:cNvGrpSpPr/>
+          <p:nvPr/>
+        </p:nvGrpSpPr>
+        <p:grpSpPr>
+          <a:xfrm>
+            <a:off x="9263226" y="4436859"/>
+            <a:ext cx="406044" cy="369332"/>
+            <a:chOff x="5045663" y="2610404"/>
+            <a:chExt cx="406044" cy="369332"/>
+          </a:xfrm>
+        </p:grpSpPr>
+        <p:sp>
+          <p:nvSpPr>
+            <p:cNvPr id="133" name="TextBox 132">
+              <a:extLst>
+                <a:ext uri="{FF2B5EF4-FFF2-40B4-BE49-F238E27FC236}">
+                  <a16:creationId xmlns:a16="http://schemas.microsoft.com/office/drawing/2014/main" id="{8AA0B328-7443-4A31-96FB-F30A1A67CF6E}"/>
+                </a:ext>
+              </a:extLst>
+            </p:cNvPr>
+            <p:cNvSpPr txBox="1"/>
+            <p:nvPr/>
+          </p:nvSpPr>
+          <p:spPr>
+            <a:xfrm>
+              <a:off x="5119465" y="2696539"/>
+              <a:ext cx="332242" cy="215444"/>
+            </a:xfrm>
+            <a:prstGeom prst="rect">
+              <a:avLst/>
+            </a:prstGeom>
+            <a:noFill/>
+          </p:spPr>
+          <p:txBody>
+            <a:bodyPr wrap="square">
+              <a:spAutoFit/>
+            </a:bodyPr>
+            <a:lstStyle/>
+            <a:p>
+              <a:r>
+                <a:rPr lang="fr-FR" sz="800" dirty="0">
+                  <a:solidFill>
+                    <a:srgbClr val="FF0000"/>
+                  </a:solidFill>
+                  <a:latin typeface="Segoe UI" panose="020B0502040204020203" pitchFamily="34" charset="0"/>
+                  <a:cs typeface="Segoe UI" panose="020B0502040204020203" pitchFamily="34" charset="0"/>
+                </a:rPr>
+                <a:t>1</a:t>
+              </a:r>
+              <a:endParaRPr lang="en-US" dirty="0"/>
+            </a:p>
+          </p:txBody>
+        </p:sp>
+        <p:sp>
+          <p:nvSpPr>
+            <p:cNvPr id="134" name="TextBox 133">
+              <a:extLst>
+                <a:ext uri="{FF2B5EF4-FFF2-40B4-BE49-F238E27FC236}">
+                  <a16:creationId xmlns:a16="http://schemas.microsoft.com/office/drawing/2014/main" id="{551DCF3E-6F0D-4D5D-9472-D46B4884E51C}"/>
+                </a:ext>
+              </a:extLst>
+            </p:cNvPr>
+            <p:cNvSpPr txBox="1"/>
+            <p:nvPr/>
+          </p:nvSpPr>
+          <p:spPr>
+            <a:xfrm>
+              <a:off x="5045663" y="2610404"/>
+              <a:ext cx="245293" cy="369332"/>
+            </a:xfrm>
+            <a:prstGeom prst="rect">
+              <a:avLst/>
+            </a:prstGeom>
+            <a:noFill/>
+          </p:spPr>
+          <p:txBody>
+            <a:bodyPr wrap="square" rtlCol="0">
+              <a:spAutoFit/>
+            </a:bodyPr>
+            <a:lstStyle/>
+            <a:p>
+              <a:r>
+                <a:rPr lang="fr-FR" dirty="0">
+                  <a:solidFill>
+                    <a:srgbClr val="FF0000"/>
+                  </a:solidFill>
+                  <a:latin typeface="Bodoni MT Black" panose="02070A03080606020203" pitchFamily="18" charset="0"/>
+                </a:rPr>
+                <a:t>! </a:t>
+              </a:r>
+              <a:endParaRPr lang="en-US" sz="700" dirty="0">
+                <a:solidFill>
+                  <a:srgbClr val="FF0000"/>
+                </a:solidFill>
+                <a:latin typeface="Segoe UI" panose="020B0502040204020203" pitchFamily="34" charset="0"/>
+                <a:cs typeface="Segoe UI" panose="020B0502040204020203" pitchFamily="34" charset="0"/>
+              </a:endParaRPr>
+            </a:p>
+          </p:txBody>
+        </p:sp>
+      </p:grpSp>
+      <p:pic>
+        <p:nvPicPr>
+          <p:cNvPr id="91" name="Graphic 90">
+            <a:extLst>
+              <a:ext uri="{FF2B5EF4-FFF2-40B4-BE49-F238E27FC236}">
+                <a16:creationId xmlns:a16="http://schemas.microsoft.com/office/drawing/2014/main" id="{EF79F11F-71A0-480A-9D88-95B30029F01E}"/>
+              </a:ext>
+            </a:extLst>
+          </p:cNvPr>
+          <p:cNvPicPr>
+            <a:picLocks noChangeAspect="1"/>
+          </p:cNvPicPr>
+          <p:nvPr/>
+        </p:nvPicPr>
+        <p:blipFill>
+          <a:blip r:embed="rId37">
+            <a:extLst>
+              <a:ext uri="{28A0092B-C50C-407E-A947-70E740481C1C}">
+                <a14:useLocalDpi xmlns:a14="http://schemas.microsoft.com/office/drawing/2010/main" val="0"/>
+              </a:ext>
+              <a:ext uri="{96DAC541-7B7A-43D3-8B79-37D633B846F1}">
+                <asvg:svgBlip xmlns:asvg="http://schemas.microsoft.com/office/drawing/2016/SVG/main" r:embed="rId38"/>
+              </a:ext>
+            </a:extLst>
+          </a:blip>
+          <a:stretch>
+            <a:fillRect/>
+          </a:stretch>
+        </p:blipFill>
+        <p:spPr>
+          <a:xfrm>
+            <a:off x="10995692" y="4571905"/>
+            <a:ext cx="134504" cy="134504"/>
+          </a:xfrm>
+          <a:prstGeom prst="rect">
+            <a:avLst/>
+          </a:prstGeom>
+        </p:spPr>
+      </p:pic>
+      <p:pic>
+        <p:nvPicPr>
+          <p:cNvPr id="94" name="Graphic 93">
+            <a:extLst>
+              <a:ext uri="{FF2B5EF4-FFF2-40B4-BE49-F238E27FC236}">
+                <a16:creationId xmlns:a16="http://schemas.microsoft.com/office/drawing/2014/main" id="{5674F0B1-8648-4492-9A7E-DC048BACCE65}"/>
+              </a:ext>
+            </a:extLst>
+          </p:cNvPr>
+          <p:cNvPicPr>
+            <a:picLocks noChangeAspect="1"/>
+          </p:cNvPicPr>
+          <p:nvPr/>
+        </p:nvPicPr>
+        <p:blipFill>
+          <a:blip r:embed="rId37">
+            <a:extLst>
+              <a:ext uri="{28A0092B-C50C-407E-A947-70E740481C1C}">
+                <a14:useLocalDpi xmlns:a14="http://schemas.microsoft.com/office/drawing/2010/main" val="0"/>
+              </a:ext>
+              <a:ext uri="{96DAC541-7B7A-43D3-8B79-37D633B846F1}">
+                <asvg:svgBlip xmlns:asvg="http://schemas.microsoft.com/office/drawing/2016/SVG/main" r:embed="rId38"/>
+              </a:ext>
+            </a:extLst>
+          </a:blip>
+          <a:stretch>
+            <a:fillRect/>
+          </a:stretch>
+        </p:blipFill>
+        <p:spPr>
+          <a:xfrm>
+            <a:off x="7699829" y="4571905"/>
+            <a:ext cx="134504" cy="134504"/>
+          </a:xfrm>
+          <a:prstGeom prst="rect">
+            <a:avLst/>
+          </a:prstGeom>
+        </p:spPr>
+      </p:pic>
+      <p:sp>
+        <p:nvSpPr>
+          <p:cNvPr id="144" name="TextBox 143">
+            <a:extLst>
+              <a:ext uri="{FF2B5EF4-FFF2-40B4-BE49-F238E27FC236}">
+                <a16:creationId xmlns:a16="http://schemas.microsoft.com/office/drawing/2014/main" id="{A4F36337-A030-4D5B-A0AF-1A87772E8E74}"/>
+              </a:ext>
+            </a:extLst>
+          </p:cNvPr>
+          <p:cNvSpPr txBox="1"/>
+          <p:nvPr/>
+        </p:nvSpPr>
+        <p:spPr>
+          <a:xfrm>
+            <a:off x="6683537" y="4914424"/>
+            <a:ext cx="245293" cy="369332"/>
+          </a:xfrm>
+          <a:prstGeom prst="rect">
+            <a:avLst/>
+          </a:prstGeom>
+          <a:noFill/>
+        </p:spPr>
+        <p:txBody>
+          <a:bodyPr wrap="square" rtlCol="0">
+            <a:spAutoFit/>
+          </a:bodyPr>
+          <a:lstStyle/>
+          <a:p>
+            <a:r>
+              <a:rPr lang="fr-FR" dirty="0">
+                <a:solidFill>
+                  <a:srgbClr val="FF0000"/>
+                </a:solidFill>
+                <a:latin typeface="Bodoni MT Black" panose="02070A03080606020203" pitchFamily="18" charset="0"/>
+              </a:rPr>
+              <a:t>! </a:t>
+            </a:r>
+            <a:endParaRPr lang="en-US" sz="700" dirty="0">
+              <a:solidFill>
+                <a:srgbClr val="FF0000"/>
+              </a:solidFill>
+              <a:latin typeface="Segoe UI" panose="020B0502040204020203" pitchFamily="34" charset="0"/>
+              <a:cs typeface="Segoe UI" panose="020B0502040204020203" pitchFamily="34" charset="0"/>
+            </a:endParaRPr>
+          </a:p>
+        </p:txBody>
+      </p:sp>
+      <p:sp>
+        <p:nvSpPr>
+          <p:cNvPr id="95" name="TextBox 94">
+            <a:extLst>
+              <a:ext uri="{FF2B5EF4-FFF2-40B4-BE49-F238E27FC236}">
+                <a16:creationId xmlns:a16="http://schemas.microsoft.com/office/drawing/2014/main" id="{CAF631D6-B3D0-4D1D-A0EC-D494C68D0CA5}"/>
+              </a:ext>
+            </a:extLst>
+          </p:cNvPr>
+          <p:cNvSpPr txBox="1"/>
+          <p:nvPr/>
+        </p:nvSpPr>
+        <p:spPr>
+          <a:xfrm>
+            <a:off x="10978037" y="6341199"/>
+            <a:ext cx="702723" cy="215444"/>
+          </a:xfrm>
+          <a:prstGeom prst="rect">
+            <a:avLst/>
+          </a:prstGeom>
+          <a:noFill/>
+        </p:spPr>
+        <p:txBody>
+          <a:bodyPr wrap="square" rtlCol="0">
+            <a:spAutoFit/>
+          </a:bodyPr>
+          <a:lstStyle/>
+          <a:p>
+            <a:r>
+              <a:rPr lang="fr-FR" sz="800" dirty="0">
+                <a:solidFill>
+                  <a:srgbClr val="00B0F0"/>
+                </a:solidFill>
+                <a:latin typeface="Segoe UI" panose="020B0502040204020203" pitchFamily="34" charset="0"/>
+                <a:cs typeface="Segoe UI" panose="020B0502040204020203" pitchFamily="34" charset="0"/>
+              </a:rPr>
+              <a:t>Legend</a:t>
+            </a:r>
+            <a:endParaRPr lang="en-US" sz="800" dirty="0">
+              <a:solidFill>
+                <a:srgbClr val="00B0F0"/>
+              </a:solidFill>
+              <a:latin typeface="Segoe UI" panose="020B0502040204020203" pitchFamily="34" charset="0"/>
+              <a:cs typeface="Segoe UI" panose="020B0502040204020203" pitchFamily="34" charset="0"/>
+            </a:endParaRPr>
+          </a:p>
+        </p:txBody>
+      </p:sp>
+    </p:spTree>
+    <p:extLst>
+      <p:ext uri="{BB962C8B-B14F-4D97-AF65-F5344CB8AC3E}">
+        <p14:creationId xmlns:p14="http://schemas.microsoft.com/office/powerpoint/2010/main" val="2239023853"/>
+      </p:ext>
+    </p:extLst>
+  </p:cSld>
+  <p:clrMapOvr>
+    <a:masterClrMapping/>
+  </p:clrMapOvr>
+</p:sld>
+</file>
+
+<file path=ppt/slides/slide5.xml><?xml version="1.0" encoding="utf-8"?>
+<p:sld xmlns:a="http://schemas.openxmlformats.org/drawingml/2006/main" xmlns:r="http://schemas.openxmlformats.org/officeDocument/2006/relationships" xmlns:p="http://schemas.openxmlformats.org/presentationml/2006/main">
+  <p:cSld>
+    <p:spTree>
+      <p:nvGrpSpPr>
+        <p:cNvPr id="1" name=""/>
+        <p:cNvGrpSpPr/>
+        <p:nvPr/>
+      </p:nvGrpSpPr>
+      <p:grpSpPr>
+        <a:xfrm>
+          <a:off x="0" y="0"/>
+          <a:ext cx="0" cy="0"/>
+          <a:chOff x="0" y="0"/>
+          <a:chExt cx="0" cy="0"/>
+        </a:xfrm>
+      </p:grpSpPr>
       <p:sp>
         <p:nvSpPr>
           <p:cNvPr id="2" name="Title 1">
@@ -7030,7 +13073,7 @@
 </p:sld>
 </file>
 
-<file path=ppt/slides/slide5.xml><?xml version="1.0" encoding="utf-8"?>
+<file path=ppt/slides/slide6.xml><?xml version="1.0" encoding="utf-8"?>
 <p:sld xmlns:a="http://schemas.openxmlformats.org/drawingml/2006/main" xmlns:r="http://schemas.openxmlformats.org/officeDocument/2006/relationships" xmlns:p="http://schemas.openxmlformats.org/presentationml/2006/main">
   <p:cSld>
     <p:spTree>
